--- a/3SAT- 2.0.pptx
+++ b/3SAT- 2.0.pptx
@@ -13,21 +13,22 @@
     <p:sldId id="258" r:id="rId6"/>
     <p:sldId id="259" r:id="rId7"/>
     <p:sldId id="260" r:id="rId8"/>
-    <p:sldId id="261" r:id="rId9"/>
-    <p:sldId id="263" r:id="rId10"/>
-    <p:sldId id="264" r:id="rId11"/>
-    <p:sldId id="274" r:id="rId12"/>
-    <p:sldId id="265" r:id="rId13"/>
-    <p:sldId id="275" r:id="rId14"/>
-    <p:sldId id="266" r:id="rId15"/>
-    <p:sldId id="271" r:id="rId16"/>
-    <p:sldId id="272" r:id="rId17"/>
-    <p:sldId id="273" r:id="rId18"/>
-    <p:sldId id="267" r:id="rId19"/>
-    <p:sldId id="268" r:id="rId20"/>
-    <p:sldId id="278" r:id="rId21"/>
-    <p:sldId id="279" r:id="rId22"/>
-    <p:sldId id="270" r:id="rId23"/>
+    <p:sldId id="286" r:id="rId9"/>
+    <p:sldId id="261" r:id="rId10"/>
+    <p:sldId id="263" r:id="rId11"/>
+    <p:sldId id="264" r:id="rId12"/>
+    <p:sldId id="274" r:id="rId13"/>
+    <p:sldId id="265" r:id="rId14"/>
+    <p:sldId id="275" r:id="rId15"/>
+    <p:sldId id="266" r:id="rId16"/>
+    <p:sldId id="271" r:id="rId17"/>
+    <p:sldId id="272" r:id="rId18"/>
+    <p:sldId id="273" r:id="rId19"/>
+    <p:sldId id="267" r:id="rId20"/>
+    <p:sldId id="268" r:id="rId21"/>
+    <p:sldId id="278" r:id="rId22"/>
+    <p:sldId id="279" r:id="rId23"/>
+    <p:sldId id="270" r:id="rId24"/>
   </p:sldIdLst>
   <p:sldSz cx="9144000" cy="5143500"/>
   <p:notesSz cx="6858000" cy="9144000"/>
@@ -6928,10 +6929,18 @@
               <a:buNone/>
             </a:pPr>
             <a:r>
-              <a:rPr lang="pt-BR" sz="1800"/>
+              <a:rPr lang="pt-BR" sz="1800">
+                <a:solidFill>
+                  <a:schemeClr val="tx1"/>
+                </a:solidFill>
+              </a:rPr>
               <a:t>Bruno de Morais Bueno</a:t>
             </a:r>
-            <a:endParaRPr sz="1800"/>
+            <a:endParaRPr sz="1800">
+              <a:solidFill>
+                <a:schemeClr val="tx1"/>
+              </a:solidFill>
+            </a:endParaRPr>
           </a:p>
           <a:p>
             <a:pPr marL="0" lvl="0" indent="0" algn="l" rtl="0">
@@ -6944,10 +6953,18 @@
               <a:buNone/>
             </a:pPr>
             <a:r>
-              <a:rPr lang="pt-BR" sz="1800"/>
+              <a:rPr lang="pt-BR" sz="1800">
+                <a:solidFill>
+                  <a:schemeClr val="tx1"/>
+                </a:solidFill>
+              </a:rPr>
               <a:t>Prof. a Mariana Kolberg</a:t>
             </a:r>
-            <a:endParaRPr sz="1800"/>
+            <a:endParaRPr sz="1800">
+              <a:solidFill>
+                <a:schemeClr val="tx1"/>
+              </a:solidFill>
+            </a:endParaRPr>
           </a:p>
           <a:p>
             <a:pPr marL="0" lvl="0" indent="0" algn="l" rtl="0">
@@ -6960,10 +6977,18 @@
               <a:buNone/>
             </a:pPr>
             <a:r>
-              <a:rPr lang="pt-BR" sz="1800"/>
+              <a:rPr lang="pt-BR" sz="1800">
+                <a:solidFill>
+                  <a:schemeClr val="tx1"/>
+                </a:solidFill>
+              </a:rPr>
               <a:t>INF05515 - Complexidade de Algoritmos</a:t>
             </a:r>
-            <a:endParaRPr sz="1800"/>
+            <a:endParaRPr lang="pt-BR" sz="1800">
+              <a:solidFill>
+                <a:schemeClr val="tx1"/>
+              </a:solidFill>
+            </a:endParaRPr>
           </a:p>
         </p:txBody>
       </p:sp>
@@ -6976,6 +7001,383 @@
 </file>
 
 <file path=ppt/slides/slide10.xml><?xml version="1.0" encoding="utf-8"?>
+<p:sld xmlns:a="http://schemas.openxmlformats.org/drawingml/2006/main" xmlns:r="http://schemas.openxmlformats.org/officeDocument/2006/relationships" xmlns:p="http://schemas.openxmlformats.org/presentationml/2006/main">
+  <p:cSld>
+    <p:spTree>
+      <p:nvGrpSpPr>
+        <p:cNvPr id="1" name=""/>
+        <p:cNvGrpSpPr/>
+        <p:nvPr/>
+      </p:nvGrpSpPr>
+      <p:grpSpPr/>
+      <p:sp>
+        <p:nvSpPr>
+          <p:cNvPr id="2" name="Title 1"/>
+          <p:cNvSpPr/>
+          <p:nvPr>
+            <p:ph type="title"/>
+          </p:nvPr>
+        </p:nvSpPr>
+        <p:spPr>
+          <a:xfrm>
+            <a:off x="3900170" y="1296670"/>
+            <a:ext cx="2527935" cy="572770"/>
+          </a:xfrm>
+        </p:spPr>
+        <p:txBody>
+          <a:bodyPr/>
+          <a:p>
+            <a:r>
+              <a:rPr lang="en-US" altLang="en-US"/>
+              <a:t>(x</a:t>
+            </a:r>
+            <a:r>
+              <a:rPr lang="en-US" altLang="en-US" baseline="-25000"/>
+              <a:t>3</a:t>
+            </a:r>
+            <a:r>
+              <a:rPr lang="en-US" altLang="en-US"/>
+              <a:t>)</a:t>
+            </a:r>
+            <a:endParaRPr lang="en-US" altLang="en-US" baseline="-25000"/>
+          </a:p>
+        </p:txBody>
+      </p:sp>
+      <p:sp>
+        <p:nvSpPr>
+          <p:cNvPr id="3" name="Text Placeholder 2"/>
+          <p:cNvSpPr/>
+          <p:nvPr>
+            <p:ph type="body" idx="1"/>
+          </p:nvPr>
+        </p:nvSpPr>
+        <p:spPr>
+          <a:xfrm>
+            <a:off x="73025" y="2022475"/>
+            <a:ext cx="8998585" cy="766445"/>
+          </a:xfrm>
+        </p:spPr>
+        <p:txBody>
+          <a:bodyPr/>
+          <a:p>
+            <a:pPr marL="114300" indent="0">
+              <a:buNone/>
+            </a:pPr>
+            <a:r>
+              <a:rPr lang="en-US" altLang="en-US" sz="2200">
+                <a:solidFill>
+                  <a:schemeClr val="tx1"/>
+                </a:solidFill>
+              </a:rPr>
+              <a:t>(x</a:t>
+            </a:r>
+            <a:r>
+              <a:rPr lang="en-US" altLang="en-US" sz="2200" baseline="-25000">
+                <a:solidFill>
+                  <a:schemeClr val="tx1"/>
+                </a:solidFill>
+              </a:rPr>
+              <a:t>3</a:t>
+            </a:r>
+            <a:r>
+              <a:rPr lang="en-US" altLang="en-US" sz="2200">
+                <a:solidFill>
+                  <a:schemeClr val="tx1"/>
+                </a:solidFill>
+              </a:rPr>
+              <a:t> V </a:t>
+            </a:r>
+            <a:r>
+              <a:rPr lang="en-US" altLang="en-US" sz="2200">
+                <a:solidFill>
+                  <a:srgbClr val="1CEE00"/>
+                </a:solidFill>
+              </a:rPr>
+              <a:t>z</a:t>
+            </a:r>
+            <a:r>
+              <a:rPr lang="en-US" altLang="en-US" sz="2200" baseline="-25000">
+                <a:solidFill>
+                  <a:srgbClr val="1CEE00"/>
+                </a:solidFill>
+              </a:rPr>
+              <a:t>0</a:t>
+            </a:r>
+            <a:r>
+              <a:rPr lang="en-US" altLang="en-US" sz="2200">
+                <a:solidFill>
+                  <a:schemeClr val="tx1"/>
+                </a:solidFill>
+              </a:rPr>
+              <a:t> V </a:t>
+            </a:r>
+            <a:r>
+              <a:rPr lang="en-US" altLang="en-US" sz="2200">
+                <a:solidFill>
+                  <a:srgbClr val="1CEE00"/>
+                </a:solidFill>
+              </a:rPr>
+              <a:t>z</a:t>
+            </a:r>
+            <a:r>
+              <a:rPr lang="en-US" altLang="en-US" sz="2200" baseline="-25000">
+                <a:solidFill>
+                  <a:srgbClr val="1CEE00"/>
+                </a:solidFill>
+              </a:rPr>
+              <a:t>1</a:t>
+            </a:r>
+            <a:r>
+              <a:rPr lang="en-US" altLang="en-US" sz="2200">
+                <a:solidFill>
+                  <a:schemeClr val="tx1"/>
+                </a:solidFill>
+              </a:rPr>
+              <a:t>) /\ </a:t>
+            </a:r>
+            <a:r>
+              <a:rPr lang="en-US" altLang="en-US" sz="2200">
+                <a:solidFill>
+                  <a:schemeClr val="tx1"/>
+                </a:solidFill>
+                <a:sym typeface="+mn-ea"/>
+              </a:rPr>
+              <a:t>(x</a:t>
+            </a:r>
+            <a:r>
+              <a:rPr lang="en-US" altLang="en-US" sz="2200" baseline="-25000">
+                <a:solidFill>
+                  <a:schemeClr val="tx1"/>
+                </a:solidFill>
+                <a:sym typeface="+mn-ea"/>
+              </a:rPr>
+              <a:t>3</a:t>
+            </a:r>
+            <a:r>
+              <a:rPr lang="en-US" altLang="en-US" sz="2200">
+                <a:solidFill>
+                  <a:schemeClr val="tx1"/>
+                </a:solidFill>
+                <a:sym typeface="+mn-ea"/>
+              </a:rPr>
+              <a:t> V </a:t>
+            </a:r>
+            <a:r>
+              <a:rPr lang="en-US" altLang="en-US" sz="2200">
+                <a:solidFill>
+                  <a:srgbClr val="1CEE00"/>
+                </a:solidFill>
+                <a:sym typeface="+mn-ea"/>
+              </a:rPr>
+              <a:t>z</a:t>
+            </a:r>
+            <a:r>
+              <a:rPr lang="en-US" altLang="en-US" sz="2200" baseline="-25000">
+                <a:solidFill>
+                  <a:srgbClr val="1CEE00"/>
+                </a:solidFill>
+                <a:sym typeface="+mn-ea"/>
+              </a:rPr>
+              <a:t>0</a:t>
+            </a:r>
+            <a:r>
+              <a:rPr lang="en-US" altLang="en-US" sz="2200">
+                <a:solidFill>
+                  <a:schemeClr val="tx1"/>
+                </a:solidFill>
+                <a:sym typeface="+mn-ea"/>
+              </a:rPr>
+              <a:t> V </a:t>
+            </a:r>
+            <a:r>
+              <a:rPr lang="en-US" altLang="en-US" sz="2200">
+                <a:solidFill>
+                  <a:srgbClr val="1CEE00"/>
+                </a:solidFill>
+                <a:sym typeface="+mn-ea"/>
+              </a:rPr>
+              <a:t>!z</a:t>
+            </a:r>
+            <a:r>
+              <a:rPr lang="en-US" altLang="en-US" sz="2200" baseline="-25000">
+                <a:solidFill>
+                  <a:srgbClr val="1CEE00"/>
+                </a:solidFill>
+                <a:sym typeface="+mn-ea"/>
+              </a:rPr>
+              <a:t>1</a:t>
+            </a:r>
+            <a:r>
+              <a:rPr lang="en-US" altLang="en-US" sz="2200">
+                <a:solidFill>
+                  <a:schemeClr val="tx1"/>
+                </a:solidFill>
+                <a:sym typeface="+mn-ea"/>
+              </a:rPr>
+              <a:t>) /\ (x</a:t>
+            </a:r>
+            <a:r>
+              <a:rPr lang="en-US" altLang="en-US" sz="2200" baseline="-25000">
+                <a:solidFill>
+                  <a:schemeClr val="tx1"/>
+                </a:solidFill>
+                <a:sym typeface="+mn-ea"/>
+              </a:rPr>
+              <a:t>3</a:t>
+            </a:r>
+            <a:r>
+              <a:rPr lang="en-US" altLang="en-US" sz="2200">
+                <a:solidFill>
+                  <a:schemeClr val="tx1"/>
+                </a:solidFill>
+                <a:sym typeface="+mn-ea"/>
+              </a:rPr>
+              <a:t> V </a:t>
+            </a:r>
+            <a:r>
+              <a:rPr lang="en-US" altLang="en-US" sz="2200">
+                <a:solidFill>
+                  <a:srgbClr val="1CEE00"/>
+                </a:solidFill>
+                <a:sym typeface="+mn-ea"/>
+              </a:rPr>
+              <a:t>!z</a:t>
+            </a:r>
+            <a:r>
+              <a:rPr lang="en-US" altLang="en-US" sz="2200" baseline="-25000">
+                <a:solidFill>
+                  <a:srgbClr val="1CEE00"/>
+                </a:solidFill>
+                <a:sym typeface="+mn-ea"/>
+              </a:rPr>
+              <a:t>0</a:t>
+            </a:r>
+            <a:r>
+              <a:rPr lang="en-US" altLang="en-US" sz="2200">
+                <a:solidFill>
+                  <a:schemeClr val="tx1"/>
+                </a:solidFill>
+                <a:sym typeface="+mn-ea"/>
+              </a:rPr>
+              <a:t> V </a:t>
+            </a:r>
+            <a:r>
+              <a:rPr lang="en-US" altLang="en-US" sz="2200">
+                <a:solidFill>
+                  <a:srgbClr val="1CEE00"/>
+                </a:solidFill>
+                <a:sym typeface="+mn-ea"/>
+              </a:rPr>
+              <a:t>z</a:t>
+            </a:r>
+            <a:r>
+              <a:rPr lang="en-US" altLang="en-US" sz="2200" baseline="-25000">
+                <a:solidFill>
+                  <a:srgbClr val="1CEE00"/>
+                </a:solidFill>
+                <a:sym typeface="+mn-ea"/>
+              </a:rPr>
+              <a:t>1</a:t>
+            </a:r>
+            <a:r>
+              <a:rPr lang="en-US" altLang="en-US" sz="2200">
+                <a:solidFill>
+                  <a:schemeClr val="tx1"/>
+                </a:solidFill>
+                <a:sym typeface="+mn-ea"/>
+              </a:rPr>
+              <a:t>) /\ (x</a:t>
+            </a:r>
+            <a:r>
+              <a:rPr lang="en-US" altLang="en-US" sz="2200" baseline="-25000">
+                <a:solidFill>
+                  <a:schemeClr val="tx1"/>
+                </a:solidFill>
+                <a:sym typeface="+mn-ea"/>
+              </a:rPr>
+              <a:t>3</a:t>
+            </a:r>
+            <a:r>
+              <a:rPr lang="en-US" altLang="en-US" sz="2200">
+                <a:solidFill>
+                  <a:schemeClr val="tx1"/>
+                </a:solidFill>
+                <a:sym typeface="+mn-ea"/>
+              </a:rPr>
+              <a:t> V </a:t>
+            </a:r>
+            <a:r>
+              <a:rPr lang="en-US" altLang="en-US" sz="2200">
+                <a:solidFill>
+                  <a:srgbClr val="1CEE00"/>
+                </a:solidFill>
+                <a:sym typeface="+mn-ea"/>
+              </a:rPr>
+              <a:t>!z</a:t>
+            </a:r>
+            <a:r>
+              <a:rPr lang="en-US" altLang="en-US" sz="2200" baseline="-25000">
+                <a:solidFill>
+                  <a:srgbClr val="1CEE00"/>
+                </a:solidFill>
+                <a:sym typeface="+mn-ea"/>
+              </a:rPr>
+              <a:t>0</a:t>
+            </a:r>
+            <a:r>
+              <a:rPr lang="en-US" altLang="en-US" sz="2200">
+                <a:solidFill>
+                  <a:schemeClr val="tx1"/>
+                </a:solidFill>
+                <a:sym typeface="+mn-ea"/>
+              </a:rPr>
+              <a:t> V </a:t>
+            </a:r>
+            <a:r>
+              <a:rPr lang="en-US" altLang="en-US" sz="2200">
+                <a:solidFill>
+                  <a:srgbClr val="1CEE00"/>
+                </a:solidFill>
+                <a:sym typeface="+mn-ea"/>
+              </a:rPr>
+              <a:t>!z</a:t>
+            </a:r>
+            <a:r>
+              <a:rPr lang="en-US" altLang="en-US" sz="2200" baseline="-25000">
+                <a:solidFill>
+                  <a:srgbClr val="1CEE00"/>
+                </a:solidFill>
+                <a:sym typeface="+mn-ea"/>
+              </a:rPr>
+              <a:t>1</a:t>
+            </a:r>
+            <a:r>
+              <a:rPr lang="en-US" altLang="en-US" sz="2200">
+                <a:solidFill>
+                  <a:schemeClr val="tx1"/>
+                </a:solidFill>
+                <a:sym typeface="+mn-ea"/>
+              </a:rPr>
+              <a:t>)</a:t>
+            </a:r>
+            <a:endParaRPr lang="en-US" altLang="en-US" sz="2200">
+              <a:solidFill>
+                <a:schemeClr val="tx1"/>
+              </a:solidFill>
+              <a:sym typeface="+mn-ea"/>
+            </a:endParaRPr>
+          </a:p>
+        </p:txBody>
+      </p:sp>
+    </p:spTree>
+  </p:cSld>
+  <p:clrMapOvr>
+    <a:masterClrMapping/>
+  </p:clrMapOvr>
+</p:sld>
+</file>
+
+<file path=ppt/slides/slide11.xml><?xml version="1.0" encoding="utf-8"?>
 <p:sld xmlns:a="http://schemas.openxmlformats.org/drawingml/2006/main" xmlns:r="http://schemas.openxmlformats.org/officeDocument/2006/relationships" xmlns:p="http://schemas.openxmlformats.org/presentationml/2006/main">
   <p:cSld>
     <p:spTree>
@@ -7065,10 +7467,18 @@
               <a:buNone/>
             </a:pPr>
             <a:r>
-              <a:rPr lang="pt-BR" sz="1600"/>
+              <a:rPr lang="pt-BR" sz="1600">
+                <a:solidFill>
+                  <a:schemeClr val="tx1"/>
+                </a:solidFill>
+              </a:rPr>
               <a:t>Se cláusula tem apenas 2 literais:</a:t>
             </a:r>
-            <a:endParaRPr lang="pt-BR" sz="1600"/>
+            <a:endParaRPr lang="pt-BR" sz="1600">
+              <a:solidFill>
+                <a:schemeClr val="tx1"/>
+              </a:solidFill>
+            </a:endParaRPr>
           </a:p>
           <a:p>
             <a:pPr marL="0" lvl="0" indent="0" algn="l" rtl="0">
@@ -7081,26 +7491,50 @@
               <a:buNone/>
             </a:pPr>
             <a:r>
-              <a:rPr lang="en-US" altLang="pt-BR" sz="1600"/>
+              <a:rPr lang="en-US" altLang="pt-BR" sz="1600">
+                <a:solidFill>
+                  <a:schemeClr val="tx1"/>
+                </a:solidFill>
+              </a:rPr>
               <a:t>	Cria</a:t>
             </a:r>
             <a:r>
-              <a:rPr lang="pt-BR" sz="1600"/>
+              <a:rPr lang="pt-BR" sz="1600">
+                <a:solidFill>
+                  <a:schemeClr val="tx1"/>
+                </a:solidFill>
+              </a:rPr>
               <a:t>-se uma nova variável e </a:t>
             </a:r>
             <a:r>
-              <a:rPr lang="en-US" altLang="pt-BR" sz="1600"/>
+              <a:rPr lang="en-US" altLang="pt-BR" sz="1600">
+                <a:solidFill>
+                  <a:schemeClr val="tx1"/>
+                </a:solidFill>
+              </a:rPr>
               <a:t>adicionam-se</a:t>
             </a:r>
             <a:r>
-              <a:rPr lang="pt-BR" sz="1600"/>
+              <a:rPr lang="pt-BR" sz="1600">
+                <a:solidFill>
+                  <a:schemeClr val="tx1"/>
+                </a:solidFill>
+              </a:rPr>
               <a:t> duas cláusulas </a:t>
             </a:r>
             <a:r>
-              <a:rPr lang="en-US" altLang="pt-BR" sz="1600"/>
+              <a:rPr lang="en-US" altLang="pt-BR" sz="1600">
+                <a:solidFill>
+                  <a:schemeClr val="tx1"/>
+                </a:solidFill>
+              </a:rPr>
               <a:t>para a nova expressão com:</a:t>
             </a:r>
-            <a:endParaRPr lang="en-US" altLang="pt-BR" sz="1600"/>
+            <a:endParaRPr lang="en-US" altLang="pt-BR" sz="1600">
+              <a:solidFill>
+                <a:schemeClr val="tx1"/>
+              </a:solidFill>
+            </a:endParaRPr>
           </a:p>
           <a:p>
             <a:pPr marL="742950" lvl="1" indent="-285750" algn="l" rtl="0">
@@ -7114,10 +7548,18 @@
               <a:buChar char="•"/>
             </a:pPr>
             <a:r>
-              <a:rPr lang="en-US" altLang="pt-BR" sz="1240"/>
+              <a:rPr lang="en-US" altLang="pt-BR" sz="1240">
+                <a:solidFill>
+                  <a:schemeClr val="tx1"/>
+                </a:solidFill>
+              </a:rPr>
               <a:t>2 literais da expressão SAT;</a:t>
             </a:r>
-            <a:endParaRPr lang="en-US" altLang="pt-BR" sz="1240"/>
+            <a:endParaRPr lang="en-US" altLang="pt-BR" sz="1240">
+              <a:solidFill>
+                <a:schemeClr val="tx1"/>
+              </a:solidFill>
+            </a:endParaRPr>
           </a:p>
           <a:p>
             <a:pPr marL="742950" lvl="1" indent="-285750" algn="l" rtl="0">
@@ -7131,10 +7573,18 @@
               <a:buChar char="•"/>
             </a:pPr>
             <a:r>
-              <a:rPr lang="en-US" altLang="pt-BR" sz="1240"/>
+              <a:rPr lang="en-US" altLang="pt-BR" sz="1240">
+                <a:solidFill>
+                  <a:schemeClr val="tx1"/>
+                </a:solidFill>
+              </a:rPr>
               <a:t>e combinação com as 2 possíveis atribuições para a nova variável.</a:t>
             </a:r>
-            <a:endParaRPr lang="pt-BR"/>
+            <a:endParaRPr lang="pt-BR">
+              <a:solidFill>
+                <a:schemeClr val="tx1"/>
+              </a:solidFill>
+            </a:endParaRPr>
           </a:p>
           <a:p>
             <a:pPr marL="0" lvl="0" indent="0" algn="l" rtl="0">
@@ -7146,7 +7596,11 @@
               </a:spcAft>
               <a:buNone/>
             </a:pPr>
-            <a:endParaRPr lang="pt-BR"/>
+            <a:endParaRPr lang="pt-BR">
+              <a:solidFill>
+                <a:schemeClr val="tx1"/>
+              </a:solidFill>
+            </a:endParaRPr>
           </a:p>
           <a:p>
             <a:pPr marL="0" lvl="0" indent="0" algn="l" rtl="0">
@@ -7160,17 +7614,26 @@
             </a:pPr>
             <a:r>
               <a:rPr lang="en-US" altLang="pt-BR" sz="1400" i="1">
+                <a:solidFill>
+                  <a:schemeClr val="tx1"/>
+                </a:solidFill>
                 <a:sym typeface="+mn-ea"/>
               </a:rPr>
               <a:t>**Quando </a:t>
             </a:r>
             <a:r>
               <a:rPr lang="en-US" altLang="en-US" sz="1400" i="1">
+                <a:solidFill>
+                  <a:schemeClr val="tx1"/>
+                </a:solidFill>
                 <a:sym typeface="+mn-ea"/>
               </a:rPr>
               <a:t>ao menos 1 literal dos literais oriundos da expressão SAT for verdadeiro todas as novas cláusulas serão verdadeiras, quando ambos forem falsos ao menos 1 será falsa.</a:t>
             </a:r>
             <a:endParaRPr lang="en-US" altLang="en-US" sz="1400" i="1">
+              <a:solidFill>
+                <a:schemeClr val="tx1"/>
+              </a:solidFill>
               <a:sym typeface="+mn-ea"/>
             </a:endParaRPr>
           </a:p>
@@ -7184,7 +7647,7 @@
 </p:sld>
 </file>
 
-<file path=ppt/slides/slide11.xml><?xml version="1.0" encoding="utf-8"?>
+<file path=ppt/slides/slide12.xml><?xml version="1.0" encoding="utf-8"?>
 <p:sld xmlns:a="http://schemas.openxmlformats.org/drawingml/2006/main" xmlns:r="http://schemas.openxmlformats.org/officeDocument/2006/relationships" xmlns:p="http://schemas.openxmlformats.org/presentationml/2006/main">
   <p:cSld>
     <p:spTree>
@@ -7256,76 +7719,147 @@
               <a:buNone/>
             </a:pPr>
             <a:r>
-              <a:rPr lang="en-US" altLang="en-US" sz="2400"/>
+              <a:rPr lang="en-US" altLang="en-US" sz="2400">
+                <a:solidFill>
+                  <a:schemeClr val="tx1"/>
+                </a:solidFill>
+              </a:rPr>
               <a:t>(x</a:t>
             </a:r>
             <a:r>
-              <a:rPr lang="en-US" altLang="en-US" sz="2400" baseline="-25000"/>
+              <a:rPr lang="en-US" altLang="en-US" sz="2400" baseline="-25000">
+                <a:solidFill>
+                  <a:schemeClr val="tx1"/>
+                </a:solidFill>
+              </a:rPr>
               <a:t>1</a:t>
             </a:r>
             <a:r>
-              <a:rPr lang="en-US" altLang="en-US" sz="2400"/>
+              <a:rPr lang="en-US" altLang="en-US" sz="2400">
+                <a:solidFill>
+                  <a:schemeClr val="tx1"/>
+                </a:solidFill>
+              </a:rPr>
               <a:t> V !x</a:t>
             </a:r>
             <a:r>
-              <a:rPr lang="en-US" altLang="en-US" sz="2400" baseline="-25000"/>
+              <a:rPr lang="en-US" altLang="en-US" sz="2400" baseline="-25000">
+                <a:solidFill>
+                  <a:schemeClr val="tx1"/>
+                </a:solidFill>
+              </a:rPr>
               <a:t>3</a:t>
             </a:r>
             <a:r>
-              <a:rPr lang="en-US" altLang="en-US" sz="2400"/>
-              <a:t> V z</a:t>
-            </a:r>
-            <a:r>
-              <a:rPr lang="en-US" altLang="en-US" sz="2400" baseline="-25000"/>
+              <a:rPr lang="en-US" altLang="en-US" sz="2400">
+                <a:solidFill>
+                  <a:schemeClr val="tx1"/>
+                </a:solidFill>
+              </a:rPr>
+              <a:t> V </a:t>
+            </a:r>
+            <a:r>
+              <a:rPr lang="en-US" altLang="en-US" sz="2400">
+                <a:solidFill>
+                  <a:srgbClr val="1CEE00"/>
+                </a:solidFill>
+              </a:rPr>
+              <a:t>z</a:t>
+            </a:r>
+            <a:r>
+              <a:rPr lang="en-US" altLang="en-US" sz="2400" baseline="-25000">
+                <a:solidFill>
+                  <a:srgbClr val="1CEE00"/>
+                </a:solidFill>
+              </a:rPr>
               <a:t>0</a:t>
             </a:r>
             <a:r>
-              <a:rPr lang="en-US" altLang="en-US" sz="2400"/>
+              <a:rPr lang="en-US" altLang="en-US" sz="2400">
+                <a:solidFill>
+                  <a:schemeClr val="tx1"/>
+                </a:solidFill>
+              </a:rPr>
               <a:t>) /\ </a:t>
             </a:r>
             <a:r>
               <a:rPr lang="en-US" altLang="en-US" sz="2400">
+                <a:solidFill>
+                  <a:schemeClr val="tx1"/>
+                </a:solidFill>
                 <a:sym typeface="+mn-ea"/>
               </a:rPr>
               <a:t>(x</a:t>
             </a:r>
             <a:r>
               <a:rPr lang="en-US" altLang="en-US" sz="2400" baseline="-25000">
+                <a:solidFill>
+                  <a:schemeClr val="tx1"/>
+                </a:solidFill>
                 <a:sym typeface="+mn-ea"/>
               </a:rPr>
               <a:t>1</a:t>
             </a:r>
             <a:r>
               <a:rPr lang="en-US" altLang="en-US" sz="2400">
+                <a:solidFill>
+                  <a:schemeClr val="tx1"/>
+                </a:solidFill>
                 <a:sym typeface="+mn-ea"/>
               </a:rPr>
               <a:t> V !x</a:t>
             </a:r>
             <a:r>
               <a:rPr lang="en-US" altLang="en-US" sz="2400" baseline="-25000">
+                <a:solidFill>
+                  <a:schemeClr val="tx1"/>
+                </a:solidFill>
                 <a:sym typeface="+mn-ea"/>
               </a:rPr>
               <a:t>3</a:t>
             </a:r>
             <a:r>
               <a:rPr lang="en-US" altLang="en-US" sz="2400">
-                <a:sym typeface="+mn-ea"/>
-              </a:rPr>
-              <a:t> V !z</a:t>
+                <a:solidFill>
+                  <a:schemeClr val="tx1"/>
+                </a:solidFill>
+                <a:sym typeface="+mn-ea"/>
+              </a:rPr>
+              <a:t> V </a:t>
+            </a:r>
+            <a:r>
+              <a:rPr lang="en-US" altLang="en-US" sz="2400">
+                <a:solidFill>
+                  <a:srgbClr val="1CEE00"/>
+                </a:solidFill>
+                <a:sym typeface="+mn-ea"/>
+              </a:rPr>
+              <a:t>!z</a:t>
             </a:r>
             <a:r>
               <a:rPr lang="en-US" altLang="en-US" sz="2400" baseline="-25000">
+                <a:solidFill>
+                  <a:srgbClr val="1CEE00"/>
+                </a:solidFill>
                 <a:sym typeface="+mn-ea"/>
               </a:rPr>
               <a:t>0</a:t>
             </a:r>
             <a:r>
               <a:rPr lang="en-US" altLang="en-US" sz="2400">
+                <a:solidFill>
+                  <a:schemeClr val="tx1"/>
+                </a:solidFill>
                 <a:sym typeface="+mn-ea"/>
               </a:rPr>
               <a:t>)</a:t>
             </a:r>
-            <a:endParaRPr lang="en-US" altLang="en-US" sz="2400"/>
+            <a:endParaRPr lang="en-US" altLang="en-US" sz="2400">
+              <a:solidFill>
+                <a:schemeClr val="tx1"/>
+              </a:solidFill>
+              <a:sym typeface="+mn-ea"/>
+            </a:endParaRPr>
           </a:p>
         </p:txBody>
       </p:sp>
@@ -7337,7 +7871,7 @@
 </p:sld>
 </file>
 
-<file path=ppt/slides/slide12.xml><?xml version="1.0" encoding="utf-8"?>
+<file path=ppt/slides/slide13.xml><?xml version="1.0" encoding="utf-8"?>
 <p:sld xmlns:a="http://schemas.openxmlformats.org/drawingml/2006/main" xmlns:r="http://schemas.openxmlformats.org/officeDocument/2006/relationships" xmlns:p="http://schemas.openxmlformats.org/presentationml/2006/main">
   <p:cSld>
     <p:spTree>
@@ -7427,13 +7961,21 @@
               <a:buNone/>
             </a:pPr>
             <a:r>
-              <a:rPr lang="pt-BR"/>
+              <a:rPr lang="pt-BR">
+                <a:solidFill>
+                  <a:schemeClr val="tx1"/>
+                </a:solidFill>
+              </a:rPr>
               <a:t>Se cláusula tem mais de 3 literais:</a:t>
             </a:r>
-            <a:endParaRPr lang="pt-BR"/>
-          </a:p>
-          <a:p>
-            <a:pPr marL="0" lvl="0" indent="0" algn="l" rtl="0">
+            <a:endParaRPr lang="pt-BR">
+              <a:solidFill>
+                <a:schemeClr val="tx1"/>
+              </a:solidFill>
+            </a:endParaRPr>
+          </a:p>
+          <a:p>
+            <a:pPr marL="0" lvl="0" indent="0" algn="ctr" rtl="0">
               <a:spcBef>
                 <a:spcPts val="0"/>
               </a:spcBef>
@@ -7442,16 +7984,16 @@
               </a:spcAft>
               <a:buNone/>
             </a:pPr>
-            <a:r>
-              <a:rPr lang="en-US" altLang="pt-BR"/>
-              <a:t>	</a:t>
-            </a:r>
-            <a:endParaRPr lang="pt-BR"/>
-          </a:p>
-          <a:p>
-            <a:pPr marL="0" lvl="0" indent="0" algn="l" rtl="0">
-              <a:spcBef>
-                <a:spcPts val="1600"/>
+            <a:endParaRPr lang="pt-BR" sz="2400">
+              <a:solidFill>
+                <a:schemeClr val="tx1"/>
+              </a:solidFill>
+            </a:endParaRPr>
+          </a:p>
+          <a:p>
+            <a:pPr marL="0" lvl="0" indent="0" algn="ctr" rtl="0">
+              <a:spcBef>
+                <a:spcPts val="0"/>
               </a:spcBef>
               <a:spcAft>
                 <a:spcPts val="0"/>
@@ -7459,81 +8001,16 @@
               <a:buNone/>
             </a:pPr>
             <a:r>
-              <a:rPr lang="en-US" altLang="pt-BR"/>
-              <a:t>Criam-se</a:t>
-            </a:r>
-            <a:r>
-              <a:rPr lang="pt-BR"/>
-              <a:t> |</a:t>
-            </a:r>
-            <a:r>
-              <a:rPr lang="en-US" altLang="pt-BR"/>
-              <a:t>cláusula</a:t>
-            </a:r>
-            <a:r>
-              <a:rPr lang="pt-BR"/>
-              <a:t>|-3 novas variáveis e </a:t>
-            </a:r>
-            <a:r>
-              <a:rPr lang="en-US" altLang="pt-BR"/>
-              <a:t>adicionam-se</a:t>
-            </a:r>
-            <a:r>
-              <a:rPr lang="pt-BR"/>
-              <a:t> |</a:t>
-            </a:r>
-            <a:r>
-              <a:rPr lang="en-US" altLang="pt-BR"/>
-              <a:t>cláusula</a:t>
-            </a:r>
-            <a:r>
-              <a:rPr lang="pt-BR"/>
-              <a:t>|-2 cláusulas </a:t>
-            </a:r>
-            <a:r>
-              <a:rPr lang="en-US" altLang="pt-BR"/>
-              <a:t>para a nova expressão de forma que:</a:t>
-            </a:r>
-            <a:endParaRPr lang="en-US" altLang="pt-BR"/>
-          </a:p>
-          <a:p>
-            <a:pPr marL="0" lvl="0" indent="0" algn="l" rtl="0">
-              <a:spcBef>
-                <a:spcPts val="1600"/>
-              </a:spcBef>
-              <a:spcAft>
-                <a:spcPts val="0"/>
-              </a:spcAft>
-              <a:buNone/>
-            </a:pPr>
-            <a:r>
-              <a:rPr lang="en-US" altLang="pt-BR" sz="2800"/>
-              <a:t>	</a:t>
-            </a:r>
-            <a:endParaRPr lang="en-US" altLang="pt-BR" sz="2800"/>
-          </a:p>
-          <a:p>
-            <a:pPr marL="0" lvl="0" indent="0" algn="l" rtl="0">
-              <a:spcBef>
-                <a:spcPts val="1600"/>
-              </a:spcBef>
-              <a:spcAft>
-                <a:spcPts val="0"/>
-              </a:spcAft>
-              <a:buNone/>
-            </a:pPr>
-            <a:r>
-              <a:rPr lang="en-US" altLang="pt-BR" sz="2800"/>
-              <a:t>	</a:t>
-            </a:r>
-            <a:r>
-              <a:rPr lang="en-US" altLang="pt-BR" sz="2800">
+              <a:rPr lang="en-US" altLang="pt-BR" sz="2400">
+                <a:solidFill>
+                  <a:schemeClr val="tx1"/>
+                </a:solidFill>
                 <a:sym typeface="+mn-ea"/>
               </a:rPr>
               <a:t>(</a:t>
             </a:r>
             <a:r>
-              <a:rPr lang="pt-BR" sz="2800">
+              <a:rPr lang="pt-BR" sz="2400">
                 <a:solidFill>
                   <a:schemeClr val="accent4">
                     <a:lumMod val="75000"/>
@@ -7544,7 +8021,7 @@
               <a:t>!x</a:t>
             </a:r>
             <a:r>
-              <a:rPr lang="en-US" altLang="pt-BR" sz="2800" baseline="-25000">
+              <a:rPr lang="en-US" altLang="pt-BR" sz="2400" baseline="-25000">
                 <a:solidFill>
                   <a:schemeClr val="accent4">
                     <a:lumMod val="75000"/>
@@ -7555,7 +8032,7 @@
               <a:t>0</a:t>
             </a:r>
             <a:r>
-              <a:rPr lang="pt-BR" sz="2800">
+              <a:rPr lang="pt-BR" sz="2400">
                 <a:solidFill>
                   <a:schemeClr val="accent4">
                     <a:lumMod val="75000"/>
@@ -7566,7 +8043,16 @@
               <a:t> </a:t>
             </a:r>
             <a:r>
-              <a:rPr lang="en-US" altLang="pt-BR" sz="2800">
+              <a:rPr lang="en-US" altLang="pt-BR" sz="2400">
+                <a:solidFill>
+                  <a:schemeClr val="tx1"/>
+                </a:solidFill>
+                <a:sym typeface="+mn-ea"/>
+              </a:rPr>
+              <a:t>V</a:t>
+            </a:r>
+            <a:r>
+              <a:rPr lang="en-US" altLang="pt-BR" sz="2400">
                 <a:solidFill>
                   <a:schemeClr val="accent4">
                     <a:lumMod val="75000"/>
@@ -7574,10 +8060,10 @@
                 </a:solidFill>
                 <a:sym typeface="+mn-ea"/>
               </a:rPr>
-              <a:t>V !</a:t>
-            </a:r>
-            <a:r>
-              <a:rPr lang="pt-BR" sz="2800">
+              <a:t> !</a:t>
+            </a:r>
+            <a:r>
+              <a:rPr lang="pt-BR" sz="2400">
                 <a:solidFill>
                   <a:schemeClr val="accent4">
                     <a:lumMod val="75000"/>
@@ -7588,7 +8074,7 @@
               <a:t>x</a:t>
             </a:r>
             <a:r>
-              <a:rPr lang="en-US" altLang="pt-BR" sz="2800" baseline="-25000">
+              <a:rPr lang="en-US" altLang="pt-BR" sz="2400" baseline="-25000">
                 <a:solidFill>
                   <a:schemeClr val="accent4">
                     <a:lumMod val="75000"/>
@@ -7599,13 +8085,28 @@
               <a:t>1</a:t>
             </a:r>
             <a:r>
-              <a:rPr lang="en-US" altLang="pt-BR" sz="2800">
-                <a:sym typeface="+mn-ea"/>
-              </a:rPr>
-              <a:t> V </a:t>
-            </a:r>
-            <a:r>
-              <a:rPr lang="pt-BR" sz="2800">
+              <a:rPr lang="en-US" altLang="pt-BR" sz="2400">
+                <a:sym typeface="+mn-ea"/>
+              </a:rPr>
+              <a:t> </a:t>
+            </a:r>
+            <a:r>
+              <a:rPr lang="en-US" altLang="pt-BR" sz="2400">
+                <a:solidFill>
+                  <a:schemeClr val="tx1"/>
+                </a:solidFill>
+                <a:sym typeface="+mn-ea"/>
+              </a:rPr>
+              <a:t>V</a:t>
+            </a:r>
+            <a:r>
+              <a:rPr lang="en-US" altLang="pt-BR" sz="2400">
+                <a:sym typeface="+mn-ea"/>
+              </a:rPr>
+              <a:t> </a:t>
+            </a:r>
+            <a:r>
+              <a:rPr lang="pt-BR" sz="2400">
                 <a:solidFill>
                   <a:schemeClr val="accent1">
                     <a:lumMod val="60000"/>
@@ -7617,7 +8118,7 @@
               <a:t>x</a:t>
             </a:r>
             <a:r>
-              <a:rPr lang="en-US" altLang="pt-BR" sz="2800" baseline="-25000">
+              <a:rPr lang="en-US" altLang="pt-BR" sz="2400" baseline="-25000">
                 <a:solidFill>
                   <a:schemeClr val="accent1">
                     <a:lumMod val="60000"/>
@@ -7629,7 +8130,7 @@
               <a:t>2</a:t>
             </a:r>
             <a:r>
-              <a:rPr lang="pt-BR" sz="2800">
+              <a:rPr lang="pt-BR" sz="2400">
                 <a:solidFill>
                   <a:schemeClr val="accent1">
                     <a:lumMod val="60000"/>
@@ -7641,7 +8142,16 @@
               <a:t> </a:t>
             </a:r>
             <a:r>
-              <a:rPr lang="en-US" altLang="pt-BR" sz="2800">
+              <a:rPr lang="en-US" altLang="pt-BR" sz="2400">
+                <a:solidFill>
+                  <a:schemeClr val="tx1"/>
+                </a:solidFill>
+                <a:sym typeface="+mn-ea"/>
+              </a:rPr>
+              <a:t>V </a:t>
+            </a:r>
+            <a:r>
+              <a:rPr lang="en-US" altLang="pt-BR" sz="2400">
                 <a:solidFill>
                   <a:schemeClr val="accent1">
                     <a:lumMod val="60000"/>
@@ -7650,10 +8160,10 @@
                 </a:solidFill>
                 <a:sym typeface="+mn-ea"/>
               </a:rPr>
-              <a:t>V !</a:t>
-            </a:r>
-            <a:r>
-              <a:rPr lang="pt-BR" sz="2800">
+              <a:t>!</a:t>
+            </a:r>
+            <a:r>
+              <a:rPr lang="pt-BR" sz="2400">
                 <a:solidFill>
                   <a:schemeClr val="accent1">
                     <a:lumMod val="60000"/>
@@ -7665,7 +8175,7 @@
               <a:t>x</a:t>
             </a:r>
             <a:r>
-              <a:rPr lang="en-US" altLang="pt-BR" sz="2800" baseline="-25000">
+              <a:rPr lang="en-US" altLang="pt-BR" sz="2400" baseline="-25000">
                 <a:solidFill>
                   <a:schemeClr val="accent1">
                     <a:lumMod val="60000"/>
@@ -7677,22 +8187,22 @@
               <a:t>3</a:t>
             </a:r>
             <a:r>
-              <a:rPr lang="pt-BR" sz="2800">
+              <a:rPr lang="pt-BR" sz="2400">
                 <a:sym typeface="+mn-ea"/>
               </a:rPr>
               <a:t> </a:t>
             </a:r>
             <a:r>
-              <a:rPr lang="en-US" altLang="pt-BR" sz="2800">
-                <a:solidFill>
-                  <a:schemeClr val="tx2"/>
+              <a:rPr lang="en-US" altLang="pt-BR" sz="2400">
+                <a:solidFill>
+                  <a:schemeClr val="tx1"/>
                 </a:solidFill>
                 <a:sym typeface="+mn-ea"/>
               </a:rPr>
               <a:t>V</a:t>
             </a:r>
             <a:r>
-              <a:rPr lang="en-US" altLang="pt-BR" sz="2800">
+              <a:rPr lang="en-US" altLang="pt-BR" sz="2400">
                 <a:solidFill>
                   <a:srgbClr val="A00088"/>
                 </a:solidFill>
@@ -7701,55 +8211,220 @@
               <a:t> </a:t>
             </a:r>
             <a:r>
-              <a:rPr lang="pt-BR" sz="2800">
+              <a:rPr lang="pt-BR" sz="2400">
+                <a:solidFill>
+                  <a:srgbClr val="FFFF00"/>
+                </a:solidFill>
+                <a:sym typeface="+mn-ea"/>
+              </a:rPr>
+              <a:t>x</a:t>
+            </a:r>
+            <a:r>
+              <a:rPr lang="en-US" altLang="pt-BR" sz="2400" baseline="-25000">
+                <a:solidFill>
+                  <a:srgbClr val="FFFF00"/>
+                </a:solidFill>
+                <a:sym typeface="+mn-ea"/>
+              </a:rPr>
+              <a:t>4</a:t>
+            </a:r>
+            <a:r>
+              <a:rPr lang="pt-BR" sz="2400">
                 <a:solidFill>
                   <a:srgbClr val="A00088"/>
                 </a:solidFill>
                 <a:sym typeface="+mn-ea"/>
               </a:rPr>
+              <a:t> </a:t>
+            </a:r>
+            <a:r>
+              <a:rPr lang="en-US" altLang="pt-BR" sz="2400">
+                <a:solidFill>
+                  <a:schemeClr val="tx1"/>
+                </a:solidFill>
+                <a:sym typeface="+mn-ea"/>
+              </a:rPr>
+              <a:t>V</a:t>
+            </a:r>
+            <a:r>
+              <a:rPr lang="en-US" altLang="pt-BR" sz="2400">
+                <a:solidFill>
+                  <a:srgbClr val="A00088"/>
+                </a:solidFill>
+                <a:sym typeface="+mn-ea"/>
+              </a:rPr>
+              <a:t> </a:t>
+            </a:r>
+            <a:r>
+              <a:rPr lang="en-US" altLang="pt-BR" sz="2400">
+                <a:solidFill>
+                  <a:srgbClr val="FFFF00"/>
+                </a:solidFill>
+                <a:sym typeface="+mn-ea"/>
+              </a:rPr>
               <a:t>x</a:t>
             </a:r>
             <a:r>
-              <a:rPr lang="en-US" altLang="pt-BR" sz="2800" baseline="-25000">
-                <a:solidFill>
-                  <a:srgbClr val="A00088"/>
-                </a:solidFill>
-                <a:sym typeface="+mn-ea"/>
-              </a:rPr>
-              <a:t>4</a:t>
-            </a:r>
-            <a:r>
-              <a:rPr lang="pt-BR" sz="2800">
-                <a:solidFill>
-                  <a:srgbClr val="A00088"/>
-                </a:solidFill>
-                <a:sym typeface="+mn-ea"/>
-              </a:rPr>
-              <a:t> </a:t>
-            </a:r>
-            <a:r>
-              <a:rPr lang="en-US" altLang="pt-BR" sz="2800">
-                <a:solidFill>
-                  <a:srgbClr val="A00088"/>
-                </a:solidFill>
-                <a:sym typeface="+mn-ea"/>
-              </a:rPr>
-              <a:t>V x</a:t>
-            </a:r>
-            <a:r>
-              <a:rPr lang="en-US" altLang="pt-BR" sz="2800" baseline="-25000">
-                <a:solidFill>
-                  <a:srgbClr val="A00088"/>
+              <a:rPr lang="en-US" altLang="pt-BR" sz="2400" baseline="-25000">
+                <a:solidFill>
+                  <a:srgbClr val="FFFF00"/>
                 </a:solidFill>
                 <a:sym typeface="+mn-ea"/>
               </a:rPr>
               <a:t>5</a:t>
             </a:r>
             <a:r>
-              <a:rPr lang="en-US" altLang="pt-BR" sz="2800">
+              <a:rPr lang="en-US" altLang="pt-BR" sz="2400">
+                <a:solidFill>
+                  <a:schemeClr val="tx1"/>
+                </a:solidFill>
                 <a:sym typeface="+mn-ea"/>
               </a:rPr>
               <a:t>)</a:t>
+            </a:r>
+            <a:endParaRPr lang="pt-BR">
+              <a:solidFill>
+                <a:schemeClr val="tx1"/>
+              </a:solidFill>
+            </a:endParaRPr>
+          </a:p>
+          <a:p>
+            <a:pPr marL="0" lvl="0" indent="0" algn="l" rtl="0">
+              <a:spcBef>
+                <a:spcPts val="0"/>
+              </a:spcBef>
+              <a:spcAft>
+                <a:spcPts val="0"/>
+              </a:spcAft>
+              <a:buNone/>
+            </a:pPr>
+            <a:r>
+              <a:rPr lang="en-US" altLang="pt-BR">
+                <a:solidFill>
+                  <a:schemeClr val="tx1"/>
+                </a:solidFill>
+              </a:rPr>
+              <a:t>	</a:t>
+            </a:r>
+            <a:endParaRPr lang="pt-BR">
+              <a:solidFill>
+                <a:schemeClr val="tx1"/>
+              </a:solidFill>
+            </a:endParaRPr>
+          </a:p>
+          <a:p>
+            <a:pPr marL="0" lvl="0" indent="0" algn="l" rtl="0">
+              <a:spcBef>
+                <a:spcPts val="1600"/>
+              </a:spcBef>
+              <a:spcAft>
+                <a:spcPts val="0"/>
+              </a:spcAft>
+              <a:buNone/>
+            </a:pPr>
+            <a:r>
+              <a:rPr lang="en-US" altLang="pt-BR">
+                <a:solidFill>
+                  <a:schemeClr val="tx1"/>
+                </a:solidFill>
+              </a:rPr>
+              <a:t>Criam-se</a:t>
+            </a:r>
+            <a:r>
+              <a:rPr lang="pt-BR">
+                <a:solidFill>
+                  <a:schemeClr val="tx1"/>
+                </a:solidFill>
+              </a:rPr>
+              <a:t> |</a:t>
+            </a:r>
+            <a:r>
+              <a:rPr lang="en-US" altLang="pt-BR">
+                <a:solidFill>
+                  <a:schemeClr val="tx1"/>
+                </a:solidFill>
+              </a:rPr>
+              <a:t>cláusula</a:t>
+            </a:r>
+            <a:r>
+              <a:rPr lang="pt-BR">
+                <a:solidFill>
+                  <a:schemeClr val="tx1"/>
+                </a:solidFill>
+              </a:rPr>
+              <a:t>|-3 novas variáveis e </a:t>
+            </a:r>
+            <a:r>
+              <a:rPr lang="en-US" altLang="pt-BR">
+                <a:solidFill>
+                  <a:schemeClr val="tx1"/>
+                </a:solidFill>
+              </a:rPr>
+              <a:t>adicionam-se</a:t>
+            </a:r>
+            <a:r>
+              <a:rPr lang="pt-BR">
+                <a:solidFill>
+                  <a:schemeClr val="tx1"/>
+                </a:solidFill>
+              </a:rPr>
+              <a:t> |</a:t>
+            </a:r>
+            <a:r>
+              <a:rPr lang="en-US" altLang="pt-BR">
+                <a:solidFill>
+                  <a:schemeClr val="tx1"/>
+                </a:solidFill>
+              </a:rPr>
+              <a:t>cláusula</a:t>
+            </a:r>
+            <a:r>
+              <a:rPr lang="pt-BR">
+                <a:solidFill>
+                  <a:schemeClr val="tx1"/>
+                </a:solidFill>
+              </a:rPr>
+              <a:t>|-2 cláusulas </a:t>
+            </a:r>
+            <a:r>
+              <a:rPr lang="en-US" altLang="pt-BR">
+                <a:solidFill>
+                  <a:schemeClr val="tx1"/>
+                </a:solidFill>
+              </a:rPr>
+              <a:t>para a nova expressão de forma que:</a:t>
+            </a:r>
+            <a:endParaRPr lang="en-US" altLang="pt-BR"/>
+          </a:p>
+          <a:p>
+            <a:pPr marL="0" lvl="0" indent="0" algn="l" rtl="0">
+              <a:spcBef>
+                <a:spcPts val="1600"/>
+              </a:spcBef>
+              <a:spcAft>
+                <a:spcPts val="0"/>
+              </a:spcAft>
+              <a:buNone/>
+            </a:pPr>
+            <a:r>
+              <a:rPr lang="en-US" altLang="pt-BR" sz="2800"/>
+              <a:t>	</a:t>
+            </a:r>
+            <a:endParaRPr lang="en-US" altLang="pt-BR" sz="2800"/>
+          </a:p>
+          <a:p>
+            <a:pPr marL="0" lvl="0" indent="0" algn="l" rtl="0">
+              <a:spcBef>
+                <a:spcPts val="1600"/>
+              </a:spcBef>
+              <a:spcAft>
+                <a:spcPts val="0"/>
+              </a:spcAft>
+              <a:buNone/>
+            </a:pPr>
+            <a:r>
+              <a:rPr lang="en-US" altLang="pt-BR" sz="2800"/>
+              <a:t>	</a:t>
             </a:r>
             <a:endParaRPr lang="pt-BR"/>
           </a:p>
@@ -7797,7 +8472,7 @@
 </p:sld>
 </file>
 
-<file path=ppt/slides/slide13.xml><?xml version="1.0" encoding="utf-8"?>
+<file path=ppt/slides/slide14.xml><?xml version="1.0" encoding="utf-8"?>
 <p:sld xmlns:a="http://schemas.openxmlformats.org/drawingml/2006/main" xmlns:r="http://schemas.openxmlformats.org/officeDocument/2006/relationships" xmlns:p="http://schemas.openxmlformats.org/presentationml/2006/main">
   <p:cSld>
     <p:spTree>
@@ -7851,11 +8526,18 @@
             </a:pPr>
             <a:r>
               <a:rPr lang="en-US" altLang="pt-BR" sz="1600">
+                <a:solidFill>
+                  <a:schemeClr val="tx1"/>
+                </a:solidFill>
                 <a:sym typeface="+mn-ea"/>
               </a:rPr>
               <a:t>1° nova cláusula é composta por:</a:t>
             </a:r>
-            <a:endParaRPr lang="en-US" altLang="pt-BR" sz="1600"/>
+            <a:endParaRPr lang="en-US" altLang="pt-BR" sz="1600">
+              <a:solidFill>
+                <a:schemeClr val="tx1"/>
+              </a:solidFill>
+            </a:endParaRPr>
           </a:p>
           <a:p>
             <a:pPr marL="742950" lvl="1" indent="-285750" algn="l" rtl="0">
@@ -7870,23 +8552,35 @@
             </a:pPr>
             <a:r>
               <a:rPr lang="en-US" altLang="pt-BR" sz="1600">
+                <a:solidFill>
+                  <a:schemeClr val="tx1"/>
+                </a:solidFill>
                 <a:sym typeface="+mn-ea"/>
               </a:rPr>
               <a:t>2 primeiros literais da </a:t>
             </a:r>
             <a:r>
               <a:rPr lang="en-US" altLang="en-US" sz="1600">
+                <a:solidFill>
+                  <a:schemeClr val="tx1"/>
+                </a:solidFill>
                 <a:sym typeface="+mn-ea"/>
               </a:rPr>
               <a:t>cláusula</a:t>
             </a:r>
             <a:r>
               <a:rPr lang="en-US" altLang="pt-BR" sz="1600">
+                <a:solidFill>
+                  <a:schemeClr val="tx1"/>
+                </a:solidFill>
                 <a:sym typeface="+mn-ea"/>
               </a:rPr>
               <a:t> SAT;</a:t>
             </a:r>
             <a:endParaRPr lang="en-US" altLang="pt-BR" sz="1600">
+              <a:solidFill>
+                <a:schemeClr val="tx1"/>
+              </a:solidFill>
               <a:sym typeface="+mn-ea"/>
             </a:endParaRPr>
           </a:p>
@@ -7903,12 +8597,18 @@
             </a:pPr>
             <a:r>
               <a:rPr lang="en-US" altLang="pt-BR" sz="1600">
+                <a:solidFill>
+                  <a:schemeClr val="tx1"/>
+                </a:solidFill>
                 <a:sym typeface="+mn-ea"/>
               </a:rPr>
               <a:t>1 literal correspondente a uma variável nova</a:t>
             </a:r>
             <a:r>
               <a:rPr lang="en-US" altLang="en-US" sz="1600">
+                <a:solidFill>
+                  <a:schemeClr val="tx1"/>
+                </a:solidFill>
                 <a:sym typeface="+mn-ea"/>
               </a:rPr>
               <a:t>.</a:t>
@@ -7949,6 +8649,9 @@
             </a:r>
             <a:r>
               <a:rPr lang="en-US" altLang="pt-BR" sz="2400">
+                <a:solidFill>
+                  <a:schemeClr val="tx1"/>
+                </a:solidFill>
                 <a:sym typeface="+mn-ea"/>
               </a:rPr>
               <a:t>(</a:t>
@@ -7989,13 +8692,22 @@
             <a:r>
               <a:rPr lang="en-US" altLang="pt-BR" sz="2400">
                 <a:solidFill>
+                  <a:schemeClr val="tx1"/>
+                </a:solidFill>
+                <a:sym typeface="+mn-ea"/>
+              </a:rPr>
+              <a:t>V</a:t>
+            </a:r>
+            <a:r>
+              <a:rPr lang="en-US" altLang="pt-BR" sz="2400">
+                <a:solidFill>
                   <a:schemeClr val="accent4">
                     <a:lumMod val="75000"/>
                   </a:schemeClr>
                 </a:solidFill>
                 <a:sym typeface="+mn-ea"/>
               </a:rPr>
-              <a:t>V !</a:t>
+              <a:t> !</a:t>
             </a:r>
             <a:r>
               <a:rPr lang="pt-BR" sz="2400">
@@ -8023,7 +8735,22 @@
               <a:rPr lang="en-US" altLang="pt-BR" sz="2400">
                 <a:sym typeface="+mn-ea"/>
               </a:rPr>
-              <a:t> V </a:t>
+              <a:t> </a:t>
+            </a:r>
+            <a:r>
+              <a:rPr lang="en-US" altLang="pt-BR" sz="2400">
+                <a:solidFill>
+                  <a:schemeClr val="tx1"/>
+                </a:solidFill>
+                <a:sym typeface="+mn-ea"/>
+              </a:rPr>
+              <a:t>V</a:t>
+            </a:r>
+            <a:r>
+              <a:rPr lang="en-US" altLang="pt-BR" sz="2400">
+                <a:sym typeface="+mn-ea"/>
+              </a:rPr>
+              <a:t> </a:t>
             </a:r>
             <a:r>
               <a:rPr lang="pt-BR" sz="2400">
@@ -8064,6 +8791,15 @@
             <a:r>
               <a:rPr lang="en-US" altLang="pt-BR" sz="2400">
                 <a:solidFill>
+                  <a:schemeClr val="tx1"/>
+                </a:solidFill>
+                <a:sym typeface="+mn-ea"/>
+              </a:rPr>
+              <a:t>V </a:t>
+            </a:r>
+            <a:r>
+              <a:rPr lang="en-US" altLang="pt-BR" sz="2400">
+                <a:solidFill>
                   <a:schemeClr val="accent1">
                     <a:lumMod val="60000"/>
                     <a:lumOff val="40000"/>
@@ -8071,7 +8807,7 @@
                 </a:solidFill>
                 <a:sym typeface="+mn-ea"/>
               </a:rPr>
-              <a:t>V !</a:t>
+              <a:t>!</a:t>
             </a:r>
             <a:r>
               <a:rPr lang="pt-BR" sz="2400">
@@ -8106,59 +8842,89 @@
             <a:r>
               <a:rPr lang="en-US" altLang="pt-BR" sz="2400">
                 <a:solidFill>
+                  <a:schemeClr val="tx1"/>
+                </a:solidFill>
+                <a:sym typeface="+mn-ea"/>
+              </a:rPr>
+              <a:t>V</a:t>
+            </a:r>
+            <a:r>
+              <a:rPr lang="en-US" altLang="pt-BR" sz="2400">
+                <a:solidFill>
                   <a:srgbClr val="A00088"/>
                 </a:solidFill>
                 <a:sym typeface="+mn-ea"/>
               </a:rPr>
-              <a:t>V </a:t>
+              <a:t> </a:t>
             </a:r>
             <a:r>
               <a:rPr lang="pt-BR" sz="2400">
                 <a:solidFill>
+                  <a:srgbClr val="FFFF00"/>
+                </a:solidFill>
+                <a:sym typeface="+mn-ea"/>
+              </a:rPr>
+              <a:t>x</a:t>
+            </a:r>
+            <a:r>
+              <a:rPr lang="en-US" altLang="pt-BR" sz="2400" baseline="-25000">
+                <a:solidFill>
+                  <a:srgbClr val="FFFF00"/>
+                </a:solidFill>
+                <a:sym typeface="+mn-ea"/>
+              </a:rPr>
+              <a:t>4</a:t>
+            </a:r>
+            <a:r>
+              <a:rPr lang="pt-BR" sz="2400">
+                <a:solidFill>
                   <a:srgbClr val="A00088"/>
                 </a:solidFill>
                 <a:sym typeface="+mn-ea"/>
               </a:rPr>
+              <a:t> </a:t>
+            </a:r>
+            <a:r>
+              <a:rPr lang="en-US" altLang="pt-BR" sz="2400">
+                <a:solidFill>
+                  <a:schemeClr val="tx1"/>
+                </a:solidFill>
+                <a:sym typeface="+mn-ea"/>
+              </a:rPr>
+              <a:t>V</a:t>
+            </a:r>
+            <a:r>
+              <a:rPr lang="en-US" altLang="pt-BR" sz="2400">
+                <a:solidFill>
+                  <a:srgbClr val="A00088"/>
+                </a:solidFill>
+                <a:sym typeface="+mn-ea"/>
+              </a:rPr>
+              <a:t> </a:t>
+            </a:r>
+            <a:r>
+              <a:rPr lang="en-US" altLang="pt-BR" sz="2400">
+                <a:solidFill>
+                  <a:srgbClr val="FFFF00"/>
+                </a:solidFill>
+                <a:sym typeface="+mn-ea"/>
+              </a:rPr>
               <a:t>x</a:t>
             </a:r>
             <a:r>
               <a:rPr lang="en-US" altLang="pt-BR" sz="2400" baseline="-25000">
                 <a:solidFill>
-                  <a:srgbClr val="A00088"/>
-                </a:solidFill>
-                <a:sym typeface="+mn-ea"/>
-              </a:rPr>
-              <a:t>4</a:t>
-            </a:r>
-            <a:r>
-              <a:rPr lang="pt-BR" sz="2400">
-                <a:solidFill>
-                  <a:srgbClr val="A00088"/>
-                </a:solidFill>
-                <a:sym typeface="+mn-ea"/>
-              </a:rPr>
-              <a:t> </a:t>
+                  <a:srgbClr val="FFFF00"/>
+                </a:solidFill>
+                <a:sym typeface="+mn-ea"/>
+              </a:rPr>
+              <a:t>5</a:t>
             </a:r>
             <a:r>
               <a:rPr lang="en-US" altLang="pt-BR" sz="2400">
                 <a:solidFill>
-                  <a:srgbClr val="A00088"/>
-                </a:solidFill>
-                <a:sym typeface="+mn-ea"/>
-              </a:rPr>
-              <a:t>V x</a:t>
-            </a:r>
-            <a:r>
-              <a:rPr lang="en-US" altLang="pt-BR" sz="2400" baseline="-25000">
-                <a:solidFill>
-                  <a:srgbClr val="A00088"/>
-                </a:solidFill>
-                <a:sym typeface="+mn-ea"/>
-              </a:rPr>
-              <a:t>5</a:t>
-            </a:r>
-            <a:r>
-              <a:rPr lang="en-US" altLang="pt-BR" sz="2400">
+                  <a:schemeClr val="tx1"/>
+                </a:solidFill>
                 <a:sym typeface="+mn-ea"/>
               </a:rPr>
               <a:t>)</a:t>
@@ -8186,16 +8952,25 @@
             <a:r>
               <a:rPr lang="en-US" altLang="pt-BR" sz="2400">
                 <a:solidFill>
+                  <a:schemeClr val="tx1"/>
+                </a:solidFill>
+                <a:sym typeface="+mn-ea"/>
+              </a:rPr>
+              <a:t>(</a:t>
+            </a:r>
+            <a:r>
+              <a:rPr lang="pt-BR" sz="2400">
+                <a:solidFill>
                   <a:schemeClr val="accent4">
                     <a:lumMod val="75000"/>
                   </a:schemeClr>
                 </a:solidFill>
                 <a:sym typeface="+mn-ea"/>
               </a:rPr>
-              <a:t>(</a:t>
-            </a:r>
-            <a:r>
-              <a:rPr lang="pt-BR" sz="2400">
+              <a:t>!x</a:t>
+            </a:r>
+            <a:r>
+              <a:rPr lang="en-US" altLang="pt-BR" sz="2400" baseline="-25000">
                 <a:solidFill>
                   <a:schemeClr val="accent4">
                     <a:lumMod val="75000"/>
@@ -8203,10 +8978,10 @@
                 </a:solidFill>
                 <a:sym typeface="+mn-ea"/>
               </a:rPr>
-              <a:t>!x</a:t>
-            </a:r>
-            <a:r>
-              <a:rPr lang="en-US" altLang="pt-BR" sz="2400" baseline="-25000">
+              <a:t>0</a:t>
+            </a:r>
+            <a:r>
+              <a:rPr lang="pt-BR" sz="2400">
                 <a:solidFill>
                   <a:schemeClr val="accent4">
                     <a:lumMod val="75000"/>
@@ -8214,10 +8989,19 @@
                 </a:solidFill>
                 <a:sym typeface="+mn-ea"/>
               </a:rPr>
-              <a:t>0</a:t>
-            </a:r>
-            <a:r>
-              <a:rPr lang="pt-BR" sz="2400">
+              <a:t> </a:t>
+            </a:r>
+            <a:r>
+              <a:rPr lang="en-US" altLang="pt-BR" sz="2400">
+                <a:solidFill>
+                  <a:schemeClr val="tx1"/>
+                </a:solidFill>
+                <a:sym typeface="+mn-ea"/>
+              </a:rPr>
+              <a:t>V</a:t>
+            </a:r>
+            <a:r>
+              <a:rPr lang="en-US" altLang="pt-BR" sz="2400">
                 <a:solidFill>
                   <a:schemeClr val="accent4">
                     <a:lumMod val="75000"/>
@@ -8225,10 +9009,10 @@
                 </a:solidFill>
                 <a:sym typeface="+mn-ea"/>
               </a:rPr>
-              <a:t> </a:t>
-            </a:r>
-            <a:r>
-              <a:rPr lang="en-US" altLang="pt-BR" sz="2400">
+              <a:t> !</a:t>
+            </a:r>
+            <a:r>
+              <a:rPr lang="pt-BR" sz="2400">
                 <a:solidFill>
                   <a:schemeClr val="accent4">
                     <a:lumMod val="75000"/>
@@ -8236,10 +9020,10 @@
                 </a:solidFill>
                 <a:sym typeface="+mn-ea"/>
               </a:rPr>
-              <a:t>V !</a:t>
-            </a:r>
-            <a:r>
-              <a:rPr lang="pt-BR" sz="2400">
+              <a:t>x</a:t>
+            </a:r>
+            <a:r>
+              <a:rPr lang="en-US" altLang="pt-BR" sz="2400" baseline="-25000">
                 <a:solidFill>
                   <a:schemeClr val="accent4">
                     <a:lumMod val="75000"/>
@@ -8247,10 +9031,10 @@
                 </a:solidFill>
                 <a:sym typeface="+mn-ea"/>
               </a:rPr>
-              <a:t>x</a:t>
-            </a:r>
-            <a:r>
-              <a:rPr lang="en-US" altLang="pt-BR" sz="2400" baseline="-25000">
+              <a:t>1</a:t>
+            </a:r>
+            <a:r>
+              <a:rPr lang="en-US" altLang="en-US" sz="2400">
                 <a:solidFill>
                   <a:schemeClr val="accent4">
                     <a:lumMod val="75000"/>
@@ -8258,7 +9042,43 @@
                 </a:solidFill>
                 <a:sym typeface="+mn-ea"/>
               </a:rPr>
-              <a:t>1</a:t>
+              <a:t> </a:t>
+            </a:r>
+            <a:r>
+              <a:rPr lang="en-US" altLang="en-US" sz="2400">
+                <a:solidFill>
+                  <a:schemeClr val="tx1"/>
+                </a:solidFill>
+                <a:sym typeface="+mn-ea"/>
+              </a:rPr>
+              <a:t>V </a:t>
+            </a:r>
+            <a:r>
+              <a:rPr lang="en-US" altLang="en-US" sz="2400">
+                <a:solidFill>
+                  <a:srgbClr val="1CEE00"/>
+                </a:solidFill>
+                <a:sym typeface="+mn-ea"/>
+              </a:rPr>
+              <a:t>z</a:t>
+            </a:r>
+            <a:r>
+              <a:rPr lang="en-US" altLang="en-US" sz="2400" baseline="-25000">
+                <a:solidFill>
+                  <a:srgbClr val="1CEE00"/>
+                </a:solidFill>
+                <a:sym typeface="+mn-ea"/>
+              </a:rPr>
+              <a:t>0</a:t>
+            </a:r>
+            <a:r>
+              <a:rPr lang="en-US" altLang="en-US" sz="2400">
+                <a:solidFill>
+                  <a:schemeClr val="tx1"/>
+                </a:solidFill>
+                <a:sym typeface="+mn-ea"/>
+              </a:rPr>
+              <a:t>)</a:t>
             </a:r>
             <a:r>
               <a:rPr lang="en-US" altLang="en-US" sz="2400">
@@ -8269,10 +9089,25 @@
                 </a:solidFill>
                 <a:sym typeface="+mn-ea"/>
               </a:rPr>
-              <a:t> V z</a:t>
-            </a:r>
-            <a:r>
-              <a:rPr lang="en-US" altLang="en-US" sz="2400" baseline="-25000">
+              <a:t>  </a:t>
+            </a:r>
+            <a:r>
+              <a:rPr lang="en-US" altLang="en-US" sz="2400">
+                <a:solidFill>
+                  <a:schemeClr val="tx1"/>
+                </a:solidFill>
+                <a:sym typeface="+mn-ea"/>
+              </a:rPr>
+              <a:t>/\</a:t>
+            </a:r>
+            <a:r>
+              <a:rPr lang="en-US" altLang="en-US" sz="2400">
+                <a:sym typeface="+mn-ea"/>
+              </a:rPr>
+              <a:t> </a:t>
+            </a:r>
+            <a:r>
+              <a:rPr lang="en-US" altLang="en-US" sz="2400">
                 <a:solidFill>
                   <a:schemeClr val="accent4">
                     <a:lumMod val="75000"/>
@@ -8280,18 +9115,7 @@
                 </a:solidFill>
                 <a:sym typeface="+mn-ea"/>
               </a:rPr>
-              <a:t>0</a:t>
-            </a:r>
-            <a:r>
-              <a:rPr lang="en-US" altLang="en-US" sz="2400">
-                <a:solidFill>
-                  <a:schemeClr val="accent4">
-                    <a:lumMod val="75000"/>
-                  </a:schemeClr>
-                </a:solidFill>
-                <a:sym typeface="+mn-ea"/>
-              </a:rPr>
-              <a:t>) /\ ...</a:t>
+              <a:t> ...</a:t>
             </a:r>
             <a:endParaRPr lang="en-US" altLang="en-US" sz="2400">
               <a:solidFill>
@@ -8312,7 +9136,7 @@
 </p:sld>
 </file>
 
-<file path=ppt/slides/slide14.xml><?xml version="1.0" encoding="utf-8"?>
+<file path=ppt/slides/slide15.xml><?xml version="1.0" encoding="utf-8"?>
 <p:sld xmlns:a="http://schemas.openxmlformats.org/drawingml/2006/main" xmlns:r="http://schemas.openxmlformats.org/officeDocument/2006/relationships" xmlns:p="http://schemas.openxmlformats.org/presentationml/2006/main">
   <p:cSld>
     <p:spTree>
@@ -8350,11 +9174,17 @@
             </a:pPr>
             <a:r>
               <a:rPr lang="en-US" altLang="en-US" sz="1600">
+                <a:solidFill>
+                  <a:schemeClr val="tx1"/>
+                </a:solidFill>
                 <a:sym typeface="+mn-ea"/>
               </a:rPr>
               <a:t>2° a penúltima cláusula é composta por:</a:t>
             </a:r>
             <a:endParaRPr lang="en-US" altLang="en-US" sz="1600">
+              <a:solidFill>
+                <a:schemeClr val="tx1"/>
+              </a:solidFill>
               <a:sym typeface="+mn-ea"/>
             </a:endParaRPr>
           </a:p>
@@ -8371,11 +9201,17 @@
             </a:pPr>
             <a:r>
               <a:rPr lang="en-US" altLang="en-US">
+                <a:solidFill>
+                  <a:schemeClr val="tx1"/>
+                </a:solidFill>
                 <a:sym typeface="+mn-ea"/>
               </a:rPr>
               <a:t>último literal da cláusula anterior negado;</a:t>
             </a:r>
             <a:endParaRPr lang="en-US" altLang="en-US">
+              <a:solidFill>
+                <a:schemeClr val="tx1"/>
+              </a:solidFill>
               <a:sym typeface="+mn-ea"/>
             </a:endParaRPr>
           </a:p>
@@ -8392,11 +9228,17 @@
             </a:pPr>
             <a:r>
               <a:rPr lang="en-US" altLang="en-US">
+                <a:solidFill>
+                  <a:schemeClr val="tx1"/>
+                </a:solidFill>
                 <a:sym typeface="+mn-ea"/>
               </a:rPr>
               <a:t>1 literal da expressão SAT variante (3° literal até antepenúltimo)</a:t>
             </a:r>
             <a:endParaRPr lang="en-US" altLang="en-US">
+              <a:solidFill>
+                <a:schemeClr val="tx1"/>
+              </a:solidFill>
               <a:sym typeface="+mn-ea"/>
             </a:endParaRPr>
           </a:p>
@@ -8413,12 +9255,18 @@
             </a:pPr>
             <a:r>
               <a:rPr lang="en-US" altLang="pt-BR">
+                <a:solidFill>
+                  <a:schemeClr val="tx1"/>
+                </a:solidFill>
                 <a:sym typeface="+mn-ea"/>
               </a:rPr>
               <a:t>1 literal correspondente a uma variável nova</a:t>
             </a:r>
             <a:r>
               <a:rPr lang="en-US" altLang="en-US">
+                <a:solidFill>
+                  <a:schemeClr val="tx1"/>
+                </a:solidFill>
                 <a:sym typeface="+mn-ea"/>
               </a:rPr>
               <a:t>.</a:t>
@@ -8460,16 +9308,25 @@
             <a:r>
               <a:rPr lang="en-US" altLang="pt-BR" sz="2000">
                 <a:solidFill>
+                  <a:schemeClr val="tx1"/>
+                </a:solidFill>
+                <a:sym typeface="+mn-ea"/>
+              </a:rPr>
+              <a:t>(</a:t>
+            </a:r>
+            <a:r>
+              <a:rPr lang="pt-BR" sz="2000">
+                <a:solidFill>
                   <a:schemeClr val="accent4">
                     <a:lumMod val="75000"/>
                   </a:schemeClr>
                 </a:solidFill>
                 <a:sym typeface="+mn-ea"/>
               </a:rPr>
-              <a:t>(</a:t>
-            </a:r>
-            <a:r>
-              <a:rPr lang="pt-BR" sz="2000">
+              <a:t>!x</a:t>
+            </a:r>
+            <a:r>
+              <a:rPr lang="en-US" altLang="pt-BR" sz="2000" baseline="-25000">
                 <a:solidFill>
                   <a:schemeClr val="accent4">
                     <a:lumMod val="75000"/>
@@ -8477,10 +9334,10 @@
                 </a:solidFill>
                 <a:sym typeface="+mn-ea"/>
               </a:rPr>
-              <a:t>!x</a:t>
-            </a:r>
-            <a:r>
-              <a:rPr lang="en-US" altLang="pt-BR" sz="2000" baseline="-25000">
+              <a:t>0</a:t>
+            </a:r>
+            <a:r>
+              <a:rPr lang="pt-BR" sz="2000">
                 <a:solidFill>
                   <a:schemeClr val="accent4">
                     <a:lumMod val="75000"/>
@@ -8488,10 +9345,19 @@
                 </a:solidFill>
                 <a:sym typeface="+mn-ea"/>
               </a:rPr>
-              <a:t>0</a:t>
-            </a:r>
-            <a:r>
-              <a:rPr lang="pt-BR" sz="2000">
+              <a:t> </a:t>
+            </a:r>
+            <a:r>
+              <a:rPr lang="en-US" altLang="pt-BR" sz="2000">
+                <a:solidFill>
+                  <a:schemeClr val="tx1"/>
+                </a:solidFill>
+                <a:sym typeface="+mn-ea"/>
+              </a:rPr>
+              <a:t>V</a:t>
+            </a:r>
+            <a:r>
+              <a:rPr lang="en-US" altLang="pt-BR" sz="2000">
                 <a:solidFill>
                   <a:schemeClr val="accent4">
                     <a:lumMod val="75000"/>
@@ -8499,10 +9365,10 @@
                 </a:solidFill>
                 <a:sym typeface="+mn-ea"/>
               </a:rPr>
-              <a:t> </a:t>
-            </a:r>
-            <a:r>
-              <a:rPr lang="en-US" altLang="pt-BR" sz="2000">
+              <a:t> !</a:t>
+            </a:r>
+            <a:r>
+              <a:rPr lang="pt-BR" sz="2000">
                 <a:solidFill>
                   <a:schemeClr val="accent4">
                     <a:lumMod val="75000"/>
@@ -8510,10 +9376,10 @@
                 </a:solidFill>
                 <a:sym typeface="+mn-ea"/>
               </a:rPr>
-              <a:t>V !</a:t>
-            </a:r>
-            <a:r>
-              <a:rPr lang="pt-BR" sz="2000">
+              <a:t>x</a:t>
+            </a:r>
+            <a:r>
+              <a:rPr lang="en-US" altLang="pt-BR" sz="2000" baseline="-25000">
                 <a:solidFill>
                   <a:schemeClr val="accent4">
                     <a:lumMod val="75000"/>
@@ -8521,10 +9387,10 @@
                 </a:solidFill>
                 <a:sym typeface="+mn-ea"/>
               </a:rPr>
-              <a:t>x</a:t>
-            </a:r>
-            <a:r>
-              <a:rPr lang="en-US" altLang="pt-BR" sz="2000" baseline="-25000">
+              <a:t>1</a:t>
+            </a:r>
+            <a:r>
+              <a:rPr lang="en-US" altLang="en-US" sz="2000">
                 <a:solidFill>
                   <a:schemeClr val="accent4">
                     <a:lumMod val="75000"/>
@@ -8532,7 +9398,43 @@
                 </a:solidFill>
                 <a:sym typeface="+mn-ea"/>
               </a:rPr>
-              <a:t>1</a:t>
+              <a:t> </a:t>
+            </a:r>
+            <a:r>
+              <a:rPr lang="en-US" altLang="en-US" sz="2000">
+                <a:solidFill>
+                  <a:schemeClr val="tx1"/>
+                </a:solidFill>
+                <a:sym typeface="+mn-ea"/>
+              </a:rPr>
+              <a:t>V </a:t>
+            </a:r>
+            <a:r>
+              <a:rPr lang="en-US" altLang="en-US" sz="2000">
+                <a:solidFill>
+                  <a:srgbClr val="1CEE00"/>
+                </a:solidFill>
+                <a:sym typeface="+mn-ea"/>
+              </a:rPr>
+              <a:t>z</a:t>
+            </a:r>
+            <a:r>
+              <a:rPr lang="en-US" altLang="en-US" sz="2000" baseline="-25000">
+                <a:solidFill>
+                  <a:srgbClr val="1CEE00"/>
+                </a:solidFill>
+                <a:sym typeface="+mn-ea"/>
+              </a:rPr>
+              <a:t>0</a:t>
+            </a:r>
+            <a:r>
+              <a:rPr lang="en-US" altLang="en-US" sz="2000">
+                <a:solidFill>
+                  <a:schemeClr val="tx1"/>
+                </a:solidFill>
+                <a:sym typeface="+mn-ea"/>
+              </a:rPr>
+              <a:t>)</a:t>
             </a:r>
             <a:r>
               <a:rPr lang="en-US" altLang="en-US" sz="2000">
@@ -8543,44 +9445,49 @@
                 </a:solidFill>
                 <a:sym typeface="+mn-ea"/>
               </a:rPr>
-              <a:t> V z</a:t>
+              <a:t>  </a:t>
+            </a:r>
+            <a:r>
+              <a:rPr lang="en-US" altLang="en-US" sz="2000">
+                <a:solidFill>
+                  <a:schemeClr val="tx1"/>
+                </a:solidFill>
+                <a:sym typeface="+mn-ea"/>
+              </a:rPr>
+              <a:t>/\</a:t>
+            </a:r>
+            <a:r>
+              <a:rPr lang="en-US" altLang="en-US" sz="2000">
+                <a:sym typeface="+mn-ea"/>
+              </a:rPr>
+              <a:t> </a:t>
+            </a:r>
+            <a:r>
+              <a:rPr lang="en-US" altLang="en-US" sz="2000">
+                <a:solidFill>
+                  <a:schemeClr val="tx1"/>
+                </a:solidFill>
+                <a:sym typeface="+mn-ea"/>
+              </a:rPr>
+              <a:t>(</a:t>
+            </a:r>
+            <a:r>
+              <a:rPr lang="en-US" altLang="en-US" sz="2000">
+                <a:solidFill>
+                  <a:srgbClr val="1CEE00"/>
+                </a:solidFill>
+                <a:sym typeface="+mn-ea"/>
+              </a:rPr>
+              <a:t>!z</a:t>
             </a:r>
             <a:r>
               <a:rPr lang="en-US" altLang="en-US" sz="2000" baseline="-25000">
                 <a:solidFill>
-                  <a:schemeClr val="accent4">
-                    <a:lumMod val="75000"/>
-                  </a:schemeClr>
+                  <a:srgbClr val="1CEE00"/>
                 </a:solidFill>
                 <a:sym typeface="+mn-ea"/>
               </a:rPr>
               <a:t>0</a:t>
-            </a:r>
-            <a:r>
-              <a:rPr lang="en-US" altLang="en-US" sz="2000">
-                <a:solidFill>
-                  <a:schemeClr val="accent4">
-                    <a:lumMod val="75000"/>
-                  </a:schemeClr>
-                </a:solidFill>
-                <a:sym typeface="+mn-ea"/>
-              </a:rPr>
-              <a:t>)  </a:t>
-            </a:r>
-            <a:r>
-              <a:rPr lang="en-US" altLang="en-US" sz="2000">
-                <a:solidFill>
-                  <a:schemeClr val="tx2"/>
-                </a:solidFill>
-                <a:sym typeface="+mn-ea"/>
-              </a:rPr>
-              <a:t>/\</a:t>
-            </a:r>
-            <a:r>
-              <a:rPr lang="en-US" altLang="en-US" sz="2000">
-                <a:sym typeface="+mn-ea"/>
-              </a:rPr>
-              <a:t> </a:t>
             </a:r>
             <a:r>
               <a:rPr lang="en-US" altLang="en-US" sz="2000">
@@ -8592,10 +9499,19 @@
                 </a:solidFill>
                 <a:sym typeface="+mn-ea"/>
               </a:rPr>
-              <a:t>(!z</a:t>
-            </a:r>
-            <a:r>
-              <a:rPr lang="en-US" altLang="en-US" sz="2000" baseline="-25000">
+              <a:t> </a:t>
+            </a:r>
+            <a:r>
+              <a:rPr lang="en-US" altLang="pt-BR" sz="2000">
+                <a:solidFill>
+                  <a:schemeClr val="tx1"/>
+                </a:solidFill>
+                <a:sym typeface="+mn-ea"/>
+              </a:rPr>
+              <a:t>V</a:t>
+            </a:r>
+            <a:r>
+              <a:rPr lang="en-US" altLang="pt-BR" sz="2000">
                 <a:solidFill>
                   <a:schemeClr val="accent1">
                     <a:lumMod val="60000"/>
@@ -8604,10 +9520,10 @@
                 </a:solidFill>
                 <a:sym typeface="+mn-ea"/>
               </a:rPr>
-              <a:t>0</a:t>
-            </a:r>
-            <a:r>
-              <a:rPr lang="en-US" altLang="en-US" sz="2000">
+              <a:t> !</a:t>
+            </a:r>
+            <a:r>
+              <a:rPr lang="pt-BR" sz="2000">
                 <a:solidFill>
                   <a:schemeClr val="accent1">
                     <a:lumMod val="60000"/>
@@ -8616,10 +9532,10 @@
                 </a:solidFill>
                 <a:sym typeface="+mn-ea"/>
               </a:rPr>
-              <a:t> </a:t>
-            </a:r>
-            <a:r>
-              <a:rPr lang="en-US" altLang="pt-BR" sz="2000">
+              <a:t>x</a:t>
+            </a:r>
+            <a:r>
+              <a:rPr lang="en-US" altLang="pt-BR" sz="2000" baseline="-25000">
                 <a:solidFill>
                   <a:schemeClr val="accent1">
                     <a:lumMod val="60000"/>
@@ -8628,10 +9544,10 @@
                 </a:solidFill>
                 <a:sym typeface="+mn-ea"/>
               </a:rPr>
-              <a:t>V !</a:t>
-            </a:r>
-            <a:r>
-              <a:rPr lang="pt-BR" sz="2000">
+              <a:t>1</a:t>
+            </a:r>
+            <a:r>
+              <a:rPr lang="en-US" altLang="pt-BR" sz="2000">
                 <a:solidFill>
                   <a:schemeClr val="accent1">
                     <a:lumMod val="60000"/>
@@ -8640,10 +9556,19 @@
                 </a:solidFill>
                 <a:sym typeface="+mn-ea"/>
               </a:rPr>
-              <a:t>x</a:t>
-            </a:r>
-            <a:r>
-              <a:rPr lang="en-US" altLang="pt-BR" sz="2000" baseline="-25000">
+              <a:t> </a:t>
+            </a:r>
+            <a:r>
+              <a:rPr lang="en-US" altLang="en-US" sz="2000">
+                <a:solidFill>
+                  <a:schemeClr val="tx1"/>
+                </a:solidFill>
+                <a:sym typeface="+mn-ea"/>
+              </a:rPr>
+              <a:t>V</a:t>
+            </a:r>
+            <a:r>
+              <a:rPr lang="en-US" altLang="en-US" sz="2000">
                 <a:solidFill>
                   <a:schemeClr val="accent1">
                     <a:lumMod val="60000"/>
@@ -8652,10 +9577,37 @@
                 </a:solidFill>
                 <a:sym typeface="+mn-ea"/>
               </a:rPr>
+              <a:t> </a:t>
+            </a:r>
+            <a:r>
+              <a:rPr lang="en-US" altLang="en-US" sz="2000">
+                <a:solidFill>
+                  <a:srgbClr val="1CEE00"/>
+                </a:solidFill>
+                <a:sym typeface="+mn-ea"/>
+              </a:rPr>
+              <a:t>z</a:t>
+            </a:r>
+            <a:r>
+              <a:rPr lang="en-US" altLang="en-US" sz="2000" baseline="-25000">
+                <a:solidFill>
+                  <a:srgbClr val="1CEE00"/>
+                </a:solidFill>
+                <a:sym typeface="+mn-ea"/>
+              </a:rPr>
               <a:t>1</a:t>
             </a:r>
             <a:r>
-              <a:rPr lang="en-US" altLang="pt-BR" sz="2000">
+              <a:rPr lang="en-US" altLang="en-US" sz="2000">
+                <a:solidFill>
+                  <a:schemeClr val="tx1"/>
+                </a:solidFill>
+                <a:sym typeface="+mn-ea"/>
+              </a:rPr>
+              <a:t>)</a:t>
+            </a:r>
+            <a:r>
+              <a:rPr lang="en-US" altLang="en-US" sz="2000">
                 <a:solidFill>
                   <a:schemeClr val="accent1">
                     <a:lumMod val="60000"/>
@@ -8669,6 +9621,15 @@
             <a:r>
               <a:rPr lang="en-US" altLang="en-US" sz="2000">
                 <a:solidFill>
+                  <a:schemeClr val="tx1"/>
+                </a:solidFill>
+                <a:sym typeface="+mn-ea"/>
+              </a:rPr>
+              <a:t>/\</a:t>
+            </a:r>
+            <a:r>
+              <a:rPr lang="en-US" altLang="en-US" sz="2000">
+                <a:solidFill>
                   <a:schemeClr val="accent1">
                     <a:lumMod val="60000"/>
                     <a:lumOff val="40000"/>
@@ -8676,10 +9637,37 @@
                 </a:solidFill>
                 <a:sym typeface="+mn-ea"/>
               </a:rPr>
-              <a:t>V z</a:t>
+              <a:t> </a:t>
+            </a:r>
+            <a:r>
+              <a:rPr lang="en-US" altLang="en-US" sz="2000">
+                <a:solidFill>
+                  <a:schemeClr val="tx1"/>
+                </a:solidFill>
+                <a:sym typeface="+mn-ea"/>
+              </a:rPr>
+              <a:t>(</a:t>
+            </a:r>
+            <a:r>
+              <a:rPr lang="en-US" altLang="en-US" sz="2000">
+                <a:solidFill>
+                  <a:srgbClr val="1CEE00"/>
+                </a:solidFill>
+                <a:sym typeface="+mn-ea"/>
+              </a:rPr>
+              <a:t>!z</a:t>
             </a:r>
             <a:r>
               <a:rPr lang="en-US" altLang="en-US" sz="2000" baseline="-25000">
+                <a:solidFill>
+                  <a:srgbClr val="1CEE00"/>
+                </a:solidFill>
+                <a:sym typeface="+mn-ea"/>
+              </a:rPr>
+              <a:t>1</a:t>
+            </a:r>
+            <a:r>
+              <a:rPr lang="en-US" altLang="pt-BR" sz="2000">
                 <a:solidFill>
                   <a:schemeClr val="accent1">
                     <a:lumMod val="60000"/>
@@ -8688,10 +9676,19 @@
                 </a:solidFill>
                 <a:sym typeface="+mn-ea"/>
               </a:rPr>
-              <a:t>1</a:t>
-            </a:r>
-            <a:r>
-              <a:rPr lang="en-US" altLang="en-US" sz="2000">
+              <a:t> </a:t>
+            </a:r>
+            <a:r>
+              <a:rPr lang="en-US" altLang="pt-BR" sz="2000">
+                <a:solidFill>
+                  <a:schemeClr val="tx1"/>
+                </a:solidFill>
+                <a:sym typeface="+mn-ea"/>
+              </a:rPr>
+              <a:t>V</a:t>
+            </a:r>
+            <a:r>
+              <a:rPr lang="en-US" altLang="pt-BR" sz="2000">
                 <a:solidFill>
                   <a:schemeClr val="accent1">
                     <a:lumMod val="60000"/>
@@ -8700,19 +9697,10 @@
                 </a:solidFill>
                 <a:sym typeface="+mn-ea"/>
               </a:rPr>
-              <a:t>) </a:t>
-            </a:r>
-            <a:r>
-              <a:rPr lang="en-US" altLang="en-US" sz="2000">
-                <a:solidFill>
-                  <a:schemeClr val="tx2"/>
-                </a:solidFill>
-                <a:sym typeface="+mn-ea"/>
-              </a:rPr>
-              <a:t>/\</a:t>
-            </a:r>
-            <a:r>
-              <a:rPr lang="en-US" altLang="en-US" sz="2000">
+              <a:t> </a:t>
+            </a:r>
+            <a:r>
+              <a:rPr lang="pt-BR" sz="2000">
                 <a:solidFill>
                   <a:schemeClr val="accent1">
                     <a:lumMod val="60000"/>
@@ -8721,10 +9709,10 @@
                 </a:solidFill>
                 <a:sym typeface="+mn-ea"/>
               </a:rPr>
-              <a:t> (!z</a:t>
-            </a:r>
-            <a:r>
-              <a:rPr lang="en-US" altLang="en-US" sz="2000" baseline="-25000">
+              <a:t>x</a:t>
+            </a:r>
+            <a:r>
+              <a:rPr lang="en-US" altLang="pt-BR" sz="2000" baseline="-25000">
                 <a:solidFill>
                   <a:schemeClr val="accent1">
                     <a:lumMod val="60000"/>
@@ -8733,10 +9721,10 @@
                 </a:solidFill>
                 <a:sym typeface="+mn-ea"/>
               </a:rPr>
-              <a:t>1</a:t>
-            </a:r>
-            <a:r>
-              <a:rPr lang="en-US" altLang="pt-BR" sz="2000">
+              <a:t>2</a:t>
+            </a:r>
+            <a:r>
+              <a:rPr lang="pt-BR" sz="2000">
                 <a:solidFill>
                   <a:schemeClr val="accent1">
                     <a:lumMod val="60000"/>
@@ -8745,10 +9733,19 @@
                 </a:solidFill>
                 <a:sym typeface="+mn-ea"/>
               </a:rPr>
-              <a:t> V </a:t>
-            </a:r>
-            <a:r>
-              <a:rPr lang="pt-BR" sz="2000">
+              <a:t> </a:t>
+            </a:r>
+            <a:r>
+              <a:rPr lang="en-US" altLang="pt-BR" sz="2000">
+                <a:solidFill>
+                  <a:schemeClr val="tx1"/>
+                </a:solidFill>
+                <a:sym typeface="+mn-ea"/>
+              </a:rPr>
+              <a:t>V</a:t>
+            </a:r>
+            <a:r>
+              <a:rPr lang="en-US" altLang="pt-BR" sz="2000">
                 <a:solidFill>
                   <a:schemeClr val="accent1">
                     <a:lumMod val="60000"/>
@@ -8757,10 +9754,37 @@
                 </a:solidFill>
                 <a:sym typeface="+mn-ea"/>
               </a:rPr>
-              <a:t>x</a:t>
-            </a:r>
-            <a:r>
-              <a:rPr lang="en-US" altLang="pt-BR" sz="2000" baseline="-25000">
+              <a:t> </a:t>
+            </a:r>
+            <a:r>
+              <a:rPr lang="en-US" altLang="en-US" sz="2000">
+                <a:solidFill>
+                  <a:srgbClr val="1CEE00"/>
+                </a:solidFill>
+                <a:sym typeface="+mn-ea"/>
+              </a:rPr>
+              <a:t>z</a:t>
+            </a:r>
+            <a:r>
+              <a:rPr lang="en-US" altLang="en-US" sz="2000" baseline="-25000">
+                <a:solidFill>
+                  <a:srgbClr val="1CEE00"/>
+                </a:solidFill>
+                <a:sym typeface="+mn-ea"/>
+              </a:rPr>
+              <a:t>2</a:t>
+            </a:r>
+            <a:r>
+              <a:rPr lang="en-US" altLang="en-US" sz="2000">
+                <a:solidFill>
+                  <a:schemeClr val="tx1"/>
+                </a:solidFill>
+                <a:sym typeface="+mn-ea"/>
+              </a:rPr>
+              <a:t>)</a:t>
+            </a:r>
+            <a:r>
+              <a:rPr lang="en-US" altLang="pt-BR" sz="2000">
                 <a:solidFill>
                   <a:schemeClr val="accent1">
                     <a:lumMod val="60000"/>
@@ -8769,84 +9793,12 @@
                 </a:solidFill>
                 <a:sym typeface="+mn-ea"/>
               </a:rPr>
-              <a:t>2</a:t>
-            </a:r>
-            <a:r>
-              <a:rPr lang="pt-BR" sz="2000">
-                <a:solidFill>
-                  <a:schemeClr val="accent1">
-                    <a:lumMod val="60000"/>
-                    <a:lumOff val="40000"/>
-                  </a:schemeClr>
-                </a:solidFill>
-                <a:sym typeface="+mn-ea"/>
-              </a:rPr>
               <a:t> </a:t>
             </a:r>
             <a:r>
-              <a:rPr lang="en-US" altLang="pt-BR" sz="2000">
-                <a:solidFill>
-                  <a:schemeClr val="accent1">
-                    <a:lumMod val="60000"/>
-                    <a:lumOff val="40000"/>
-                  </a:schemeClr>
-                </a:solidFill>
-                <a:sym typeface="+mn-ea"/>
-              </a:rPr>
-              <a:t>V </a:t>
-            </a:r>
-            <a:r>
               <a:rPr lang="en-US" altLang="en-US" sz="2000">
                 <a:solidFill>
-                  <a:schemeClr val="accent1">
-                    <a:lumMod val="60000"/>
-                    <a:lumOff val="40000"/>
-                  </a:schemeClr>
-                </a:solidFill>
-                <a:sym typeface="+mn-ea"/>
-              </a:rPr>
-              <a:t>z</a:t>
-            </a:r>
-            <a:r>
-              <a:rPr lang="en-US" altLang="en-US" sz="2000" baseline="-25000">
-                <a:solidFill>
-                  <a:schemeClr val="accent1">
-                    <a:lumMod val="60000"/>
-                    <a:lumOff val="40000"/>
-                  </a:schemeClr>
-                </a:solidFill>
-                <a:sym typeface="+mn-ea"/>
-              </a:rPr>
-              <a:t>2</a:t>
-            </a:r>
-            <a:r>
-              <a:rPr lang="en-US" altLang="en-US" sz="2000">
-                <a:solidFill>
-                  <a:schemeClr val="accent1">
-                    <a:lumMod val="60000"/>
-                    <a:lumOff val="40000"/>
-                  </a:schemeClr>
-                </a:solidFill>
-                <a:sym typeface="+mn-ea"/>
-              </a:rPr>
-              <a:t>)</a:t>
-            </a:r>
-            <a:r>
-              <a:rPr lang="en-US" altLang="pt-BR" sz="2000">
-                <a:solidFill>
-                  <a:schemeClr val="accent1">
-                    <a:lumMod val="60000"/>
-                    <a:lumOff val="40000"/>
-                  </a:schemeClr>
-                </a:solidFill>
-                <a:sym typeface="+mn-ea"/>
-              </a:rPr>
-              <a:t> </a:t>
-            </a:r>
-            <a:r>
-              <a:rPr lang="en-US" altLang="en-US" sz="2000">
-                <a:solidFill>
-                  <a:schemeClr val="tx2"/>
+                  <a:schemeClr val="tx1"/>
                 </a:solidFill>
                 <a:sym typeface="+mn-ea"/>
               </a:rPr>
@@ -8884,7 +9836,7 @@
 </p:sld>
 </file>
 
-<file path=ppt/slides/slide15.xml><?xml version="1.0" encoding="utf-8"?>
+<file path=ppt/slides/slide16.xml><?xml version="1.0" encoding="utf-8"?>
 <p:sld xmlns:a="http://schemas.openxmlformats.org/drawingml/2006/main" xmlns:r="http://schemas.openxmlformats.org/officeDocument/2006/relationships" xmlns:p="http://schemas.openxmlformats.org/presentationml/2006/main">
   <p:cSld>
     <p:spTree>
@@ -8933,94 +9885,112 @@
             </a:pPr>
             <a:r>
               <a:rPr lang="en-US" altLang="en-US" sz="1600">
+                <a:solidFill>
+                  <a:schemeClr val="tx1"/>
+                </a:solidFill>
                 <a:sym typeface="+mn-ea"/>
               </a:rPr>
               <a:t>Última cláusula é composta por:</a:t>
+            </a:r>
+            <a:endParaRPr lang="en-US" altLang="en-US" sz="1600">
+              <a:solidFill>
+                <a:schemeClr val="tx1"/>
+              </a:solidFill>
+              <a:sym typeface="+mn-ea"/>
+            </a:endParaRPr>
+          </a:p>
+          <a:p>
+            <a:pPr marL="742950" lvl="1" indent="-285750" algn="l" rtl="0">
+              <a:spcBef>
+                <a:spcPts val="1600"/>
+              </a:spcBef>
+              <a:spcAft>
+                <a:spcPts val="0"/>
+              </a:spcAft>
+              <a:buFont typeface="Arial" panose="02080604020202020204" pitchFamily="34" charset="0"/>
+              <a:buChar char="•"/>
+            </a:pPr>
+            <a:r>
+              <a:rPr lang="en-US" altLang="en-US">
+                <a:solidFill>
+                  <a:schemeClr val="tx1"/>
+                </a:solidFill>
+                <a:sym typeface="+mn-ea"/>
+              </a:rPr>
+              <a:t>último literal da cláusula anterior negado;</a:t>
+            </a:r>
+            <a:endParaRPr lang="en-US" altLang="en-US">
+              <a:solidFill>
+                <a:schemeClr val="tx1"/>
+              </a:solidFill>
+              <a:sym typeface="+mn-ea"/>
+            </a:endParaRPr>
+          </a:p>
+          <a:p>
+            <a:pPr marL="742950" lvl="1" indent="-285750" algn="l" rtl="0">
+              <a:spcBef>
+                <a:spcPts val="1600"/>
+              </a:spcBef>
+              <a:spcAft>
+                <a:spcPts val="0"/>
+              </a:spcAft>
+              <a:buFont typeface="Arial" panose="02080604020202020204" pitchFamily="34" charset="0"/>
+              <a:buChar char="•"/>
+            </a:pPr>
+            <a:r>
+              <a:rPr lang="en-US" altLang="en-US">
+                <a:solidFill>
+                  <a:schemeClr val="tx1"/>
+                </a:solidFill>
+                <a:sym typeface="+mn-ea"/>
+              </a:rPr>
+              <a:t>2 últimos literais da cláusula SAT;</a:t>
+            </a:r>
+            <a:endParaRPr lang="en-US" altLang="en-US" sz="1240">
+              <a:sym typeface="+mn-ea"/>
+            </a:endParaRPr>
+          </a:p>
+          <a:p>
+            <a:pPr marL="0" lvl="0" indent="0" algn="l" rtl="0">
+              <a:spcBef>
+                <a:spcPts val="1600"/>
+              </a:spcBef>
+              <a:spcAft>
+                <a:spcPts val="0"/>
+              </a:spcAft>
+              <a:buNone/>
+            </a:pPr>
+            <a:r>
+              <a:rPr lang="en-US" altLang="en-US" sz="1600">
+                <a:sym typeface="+mn-ea"/>
+              </a:rPr>
+              <a:t>	</a:t>
             </a:r>
             <a:endParaRPr lang="en-US" altLang="en-US" sz="1600">
               <a:sym typeface="+mn-ea"/>
             </a:endParaRPr>
           </a:p>
           <a:p>
-            <a:pPr marL="742950" lvl="1" indent="-285750" algn="l" rtl="0">
+            <a:pPr marL="0" lvl="0" indent="0" algn="l" rtl="0">
               <a:spcBef>
                 <a:spcPts val="1600"/>
               </a:spcBef>
               <a:spcAft>
                 <a:spcPts val="0"/>
               </a:spcAft>
-              <a:buFont typeface="Arial" panose="02080604020202020204" pitchFamily="34" charset="0"/>
-              <a:buChar char="•"/>
+              <a:buNone/>
             </a:pPr>
             <a:r>
-              <a:rPr lang="en-US" altLang="en-US">
-                <a:sym typeface="+mn-ea"/>
-              </a:rPr>
-              <a:t>último literal da cláusula anterior negado;</a:t>
-            </a:r>
-            <a:endParaRPr lang="en-US" altLang="en-US">
-              <a:sym typeface="+mn-ea"/>
-            </a:endParaRPr>
-          </a:p>
-          <a:p>
-            <a:pPr marL="742950" lvl="1" indent="-285750" algn="l" rtl="0">
-              <a:spcBef>
-                <a:spcPts val="1600"/>
-              </a:spcBef>
-              <a:spcAft>
-                <a:spcPts val="0"/>
-              </a:spcAft>
-              <a:buFont typeface="Arial" panose="02080604020202020204" pitchFamily="34" charset="0"/>
-              <a:buChar char="•"/>
-            </a:pPr>
-            <a:r>
-              <a:rPr lang="en-US" altLang="en-US">
-                <a:sym typeface="+mn-ea"/>
-              </a:rPr>
-              <a:t>2 últimos literais da cláusula SAT;</a:t>
-            </a:r>
-            <a:endParaRPr lang="en-US" altLang="en-US" sz="1240">
-              <a:sym typeface="+mn-ea"/>
-            </a:endParaRPr>
-          </a:p>
-          <a:p>
-            <a:pPr marL="0" lvl="0" indent="0" algn="l" rtl="0">
-              <a:spcBef>
-                <a:spcPts val="1600"/>
-              </a:spcBef>
-              <a:spcAft>
-                <a:spcPts val="0"/>
-              </a:spcAft>
-              <a:buNone/>
-            </a:pPr>
-            <a:r>
               <a:rPr lang="en-US" altLang="en-US" sz="1600">
                 <a:sym typeface="+mn-ea"/>
               </a:rPr>
-              <a:t>	</a:t>
-            </a:r>
-            <a:endParaRPr lang="en-US" altLang="en-US" sz="1600">
-              <a:sym typeface="+mn-ea"/>
-            </a:endParaRPr>
-          </a:p>
-          <a:p>
-            <a:pPr marL="0" lvl="0" indent="0" algn="l" rtl="0">
-              <a:spcBef>
-                <a:spcPts val="1600"/>
-              </a:spcBef>
-              <a:spcAft>
-                <a:spcPts val="0"/>
-              </a:spcAft>
-              <a:buNone/>
-            </a:pPr>
-            <a:r>
-              <a:rPr lang="en-US" altLang="en-US" sz="1600">
-                <a:sym typeface="+mn-ea"/>
-              </a:rPr>
               <a:t>		</a:t>
             </a:r>
             <a:r>
               <a:rPr lang="en-US" altLang="pt-BR" sz="2000">
+                <a:solidFill>
+                  <a:schemeClr val="tx1"/>
+                </a:solidFill>
                 <a:sym typeface="+mn-ea"/>
               </a:rPr>
               <a:t>(</a:t>
@@ -9061,13 +10031,22 @@
             <a:r>
               <a:rPr lang="en-US" altLang="pt-BR" sz="2000">
                 <a:solidFill>
+                  <a:schemeClr val="tx1"/>
+                </a:solidFill>
+                <a:sym typeface="+mn-ea"/>
+              </a:rPr>
+              <a:t>V</a:t>
+            </a:r>
+            <a:r>
+              <a:rPr lang="en-US" altLang="pt-BR" sz="2000">
+                <a:solidFill>
                   <a:schemeClr val="accent4">
                     <a:lumMod val="75000"/>
                   </a:schemeClr>
                 </a:solidFill>
                 <a:sym typeface="+mn-ea"/>
               </a:rPr>
-              <a:t>V !</a:t>
+              <a:t> !</a:t>
             </a:r>
             <a:r>
               <a:rPr lang="pt-BR" sz="2000">
@@ -9095,7 +10074,22 @@
               <a:rPr lang="en-US" altLang="pt-BR" sz="2000">
                 <a:sym typeface="+mn-ea"/>
               </a:rPr>
-              <a:t> V </a:t>
+              <a:t> </a:t>
+            </a:r>
+            <a:r>
+              <a:rPr lang="en-US" altLang="pt-BR" sz="2000">
+                <a:solidFill>
+                  <a:schemeClr val="tx1"/>
+                </a:solidFill>
+                <a:sym typeface="+mn-ea"/>
+              </a:rPr>
+              <a:t>V</a:t>
+            </a:r>
+            <a:r>
+              <a:rPr lang="en-US" altLang="pt-BR" sz="2000">
+                <a:sym typeface="+mn-ea"/>
+              </a:rPr>
+              <a:t> </a:t>
             </a:r>
             <a:r>
               <a:rPr lang="pt-BR" sz="2000">
@@ -9136,6 +10130,15 @@
             <a:r>
               <a:rPr lang="en-US" altLang="pt-BR" sz="2000">
                 <a:solidFill>
+                  <a:schemeClr val="tx1"/>
+                </a:solidFill>
+                <a:sym typeface="+mn-ea"/>
+              </a:rPr>
+              <a:t>V </a:t>
+            </a:r>
+            <a:r>
+              <a:rPr lang="en-US" altLang="pt-BR" sz="2000">
+                <a:solidFill>
                   <a:schemeClr val="accent1">
                     <a:lumMod val="60000"/>
                     <a:lumOff val="40000"/>
@@ -9143,7 +10146,7 @@
                 </a:solidFill>
                 <a:sym typeface="+mn-ea"/>
               </a:rPr>
-              <a:t>V !</a:t>
+              <a:t>!</a:t>
             </a:r>
             <a:r>
               <a:rPr lang="pt-BR" sz="2000">
@@ -9178,7 +10181,7 @@
             <a:r>
               <a:rPr lang="en-US" altLang="pt-BR" sz="2000">
                 <a:solidFill>
-                  <a:schemeClr val="tx2"/>
+                  <a:schemeClr val="tx1"/>
                 </a:solidFill>
                 <a:sym typeface="+mn-ea"/>
               </a:rPr>
@@ -9196,50 +10199,71 @@
             <a:r>
               <a:rPr lang="pt-BR" sz="2000">
                 <a:solidFill>
+                  <a:srgbClr val="FFFF00"/>
+                </a:solidFill>
+                <a:sym typeface="+mn-ea"/>
+              </a:rPr>
+              <a:t>x</a:t>
+            </a:r>
+            <a:r>
+              <a:rPr lang="en-US" altLang="pt-BR" sz="2000" baseline="-25000">
+                <a:solidFill>
+                  <a:srgbClr val="FFFF00"/>
+                </a:solidFill>
+                <a:sym typeface="+mn-ea"/>
+              </a:rPr>
+              <a:t>4</a:t>
+            </a:r>
+            <a:r>
+              <a:rPr lang="pt-BR" sz="2000">
+                <a:solidFill>
                   <a:srgbClr val="A00088"/>
                 </a:solidFill>
                 <a:sym typeface="+mn-ea"/>
               </a:rPr>
+              <a:t> </a:t>
+            </a:r>
+            <a:r>
+              <a:rPr lang="en-US" altLang="pt-BR" sz="2000">
+                <a:solidFill>
+                  <a:schemeClr val="tx1"/>
+                </a:solidFill>
+                <a:sym typeface="+mn-ea"/>
+              </a:rPr>
+              <a:t>V</a:t>
+            </a:r>
+            <a:r>
+              <a:rPr lang="en-US" altLang="pt-BR" sz="2000">
+                <a:solidFill>
+                  <a:srgbClr val="A00088"/>
+                </a:solidFill>
+                <a:sym typeface="+mn-ea"/>
+              </a:rPr>
+              <a:t> </a:t>
+            </a:r>
+            <a:r>
+              <a:rPr lang="en-US" altLang="pt-BR" sz="2000">
+                <a:solidFill>
+                  <a:srgbClr val="FFFF00"/>
+                </a:solidFill>
+                <a:sym typeface="+mn-ea"/>
+              </a:rPr>
               <a:t>x</a:t>
             </a:r>
             <a:r>
               <a:rPr lang="en-US" altLang="pt-BR" sz="2000" baseline="-25000">
                 <a:solidFill>
-                  <a:srgbClr val="A00088"/>
-                </a:solidFill>
-                <a:sym typeface="+mn-ea"/>
-              </a:rPr>
-              <a:t>4</a:t>
-            </a:r>
-            <a:r>
-              <a:rPr lang="pt-BR" sz="2000">
-                <a:solidFill>
-                  <a:srgbClr val="A00088"/>
-                </a:solidFill>
-                <a:sym typeface="+mn-ea"/>
-              </a:rPr>
-              <a:t> </a:t>
+                  <a:srgbClr val="FFFF00"/>
+                </a:solidFill>
+                <a:sym typeface="+mn-ea"/>
+              </a:rPr>
+              <a:t>5</a:t>
             </a:r>
             <a:r>
               <a:rPr lang="en-US" altLang="pt-BR" sz="2000">
                 <a:solidFill>
-                  <a:srgbClr val="A00088"/>
-                </a:solidFill>
-                <a:sym typeface="+mn-ea"/>
-              </a:rPr>
-              <a:t>V x</a:t>
-            </a:r>
-            <a:r>
-              <a:rPr lang="en-US" altLang="pt-BR" sz="2000" baseline="-25000">
-                <a:solidFill>
-                  <a:srgbClr val="A00088"/>
-                </a:solidFill>
-                <a:sym typeface="+mn-ea"/>
-              </a:rPr>
-              <a:t>5</a:t>
-            </a:r>
-            <a:r>
-              <a:rPr lang="en-US" altLang="pt-BR" sz="2000">
+                  <a:schemeClr val="tx1"/>
+                </a:solidFill>
                 <a:sym typeface="+mn-ea"/>
               </a:rPr>
               <a:t>)</a:t>
@@ -9261,16 +10285,25 @@
             <a:r>
               <a:rPr lang="en-US" altLang="pt-BR">
                 <a:solidFill>
+                  <a:schemeClr val="tx1"/>
+                </a:solidFill>
+                <a:sym typeface="+mn-ea"/>
+              </a:rPr>
+              <a:t>(</a:t>
+            </a:r>
+            <a:r>
+              <a:rPr lang="pt-BR">
+                <a:solidFill>
                   <a:schemeClr val="accent4">
                     <a:lumMod val="75000"/>
                   </a:schemeClr>
                 </a:solidFill>
                 <a:sym typeface="+mn-ea"/>
               </a:rPr>
-              <a:t>(</a:t>
-            </a:r>
-            <a:r>
-              <a:rPr lang="pt-BR">
+              <a:t>!x</a:t>
+            </a:r>
+            <a:r>
+              <a:rPr lang="en-US" altLang="pt-BR" baseline="-25000">
                 <a:solidFill>
                   <a:schemeClr val="accent4">
                     <a:lumMod val="75000"/>
@@ -9278,10 +10311,10 @@
                 </a:solidFill>
                 <a:sym typeface="+mn-ea"/>
               </a:rPr>
-              <a:t>!x</a:t>
-            </a:r>
-            <a:r>
-              <a:rPr lang="en-US" altLang="pt-BR" baseline="-25000">
+              <a:t>0</a:t>
+            </a:r>
+            <a:r>
+              <a:rPr lang="pt-BR">
                 <a:solidFill>
                   <a:schemeClr val="accent4">
                     <a:lumMod val="75000"/>
@@ -9289,10 +10322,19 @@
                 </a:solidFill>
                 <a:sym typeface="+mn-ea"/>
               </a:rPr>
-              <a:t>0</a:t>
-            </a:r>
-            <a:r>
-              <a:rPr lang="pt-BR">
+              <a:t> </a:t>
+            </a:r>
+            <a:r>
+              <a:rPr lang="en-US" altLang="pt-BR">
+                <a:solidFill>
+                  <a:schemeClr val="tx1"/>
+                </a:solidFill>
+                <a:sym typeface="+mn-ea"/>
+              </a:rPr>
+              <a:t>V</a:t>
+            </a:r>
+            <a:r>
+              <a:rPr lang="en-US" altLang="pt-BR">
                 <a:solidFill>
                   <a:schemeClr val="accent4">
                     <a:lumMod val="75000"/>
@@ -9300,10 +10342,10 @@
                 </a:solidFill>
                 <a:sym typeface="+mn-ea"/>
               </a:rPr>
-              <a:t> </a:t>
-            </a:r>
-            <a:r>
-              <a:rPr lang="en-US" altLang="pt-BR">
+              <a:t> !</a:t>
+            </a:r>
+            <a:r>
+              <a:rPr lang="pt-BR">
                 <a:solidFill>
                   <a:schemeClr val="accent4">
                     <a:lumMod val="75000"/>
@@ -9311,10 +10353,10 @@
                 </a:solidFill>
                 <a:sym typeface="+mn-ea"/>
               </a:rPr>
-              <a:t>V !</a:t>
-            </a:r>
-            <a:r>
-              <a:rPr lang="pt-BR">
+              <a:t>x</a:t>
+            </a:r>
+            <a:r>
+              <a:rPr lang="en-US" altLang="pt-BR" baseline="-25000">
                 <a:solidFill>
                   <a:schemeClr val="accent4">
                     <a:lumMod val="75000"/>
@@ -9322,10 +10364,10 @@
                 </a:solidFill>
                 <a:sym typeface="+mn-ea"/>
               </a:rPr>
-              <a:t>x</a:t>
-            </a:r>
-            <a:r>
-              <a:rPr lang="en-US" altLang="pt-BR" baseline="-25000">
+              <a:t>1</a:t>
+            </a:r>
+            <a:r>
+              <a:rPr lang="en-US" altLang="en-US">
                 <a:solidFill>
                   <a:schemeClr val="accent4">
                     <a:lumMod val="75000"/>
@@ -9333,7 +10375,43 @@
                 </a:solidFill>
                 <a:sym typeface="+mn-ea"/>
               </a:rPr>
-              <a:t>1</a:t>
+              <a:t> </a:t>
+            </a:r>
+            <a:r>
+              <a:rPr lang="en-US" altLang="en-US">
+                <a:solidFill>
+                  <a:schemeClr val="tx1"/>
+                </a:solidFill>
+                <a:sym typeface="+mn-ea"/>
+              </a:rPr>
+              <a:t>V </a:t>
+            </a:r>
+            <a:r>
+              <a:rPr lang="en-US" altLang="en-US">
+                <a:solidFill>
+                  <a:srgbClr val="1CEE00"/>
+                </a:solidFill>
+                <a:sym typeface="+mn-ea"/>
+              </a:rPr>
+              <a:t>z</a:t>
+            </a:r>
+            <a:r>
+              <a:rPr lang="en-US" altLang="en-US" baseline="-25000">
+                <a:solidFill>
+                  <a:srgbClr val="1CEE00"/>
+                </a:solidFill>
+                <a:sym typeface="+mn-ea"/>
+              </a:rPr>
+              <a:t>0</a:t>
+            </a:r>
+            <a:r>
+              <a:rPr lang="en-US" altLang="en-US">
+                <a:solidFill>
+                  <a:schemeClr val="tx1"/>
+                </a:solidFill>
+                <a:sym typeface="+mn-ea"/>
+              </a:rPr>
+              <a:t>)</a:t>
             </a:r>
             <a:r>
               <a:rPr lang="en-US" altLang="en-US">
@@ -9344,44 +10422,49 @@
                 </a:solidFill>
                 <a:sym typeface="+mn-ea"/>
               </a:rPr>
-              <a:t> V z</a:t>
+              <a:t>  </a:t>
+            </a:r>
+            <a:r>
+              <a:rPr lang="en-US" altLang="en-US">
+                <a:solidFill>
+                  <a:schemeClr val="tx1"/>
+                </a:solidFill>
+                <a:sym typeface="+mn-ea"/>
+              </a:rPr>
+              <a:t>/\</a:t>
+            </a:r>
+            <a:r>
+              <a:rPr lang="en-US" altLang="en-US">
+                <a:sym typeface="+mn-ea"/>
+              </a:rPr>
+              <a:t> </a:t>
+            </a:r>
+            <a:r>
+              <a:rPr lang="en-US" altLang="en-US">
+                <a:solidFill>
+                  <a:schemeClr val="tx1"/>
+                </a:solidFill>
+                <a:sym typeface="+mn-ea"/>
+              </a:rPr>
+              <a:t>(</a:t>
+            </a:r>
+            <a:r>
+              <a:rPr lang="en-US" altLang="en-US">
+                <a:solidFill>
+                  <a:srgbClr val="1CEE00"/>
+                </a:solidFill>
+                <a:sym typeface="+mn-ea"/>
+              </a:rPr>
+              <a:t>!z</a:t>
             </a:r>
             <a:r>
               <a:rPr lang="en-US" altLang="en-US" baseline="-25000">
                 <a:solidFill>
-                  <a:schemeClr val="accent4">
-                    <a:lumMod val="75000"/>
-                  </a:schemeClr>
+                  <a:srgbClr val="1CEE00"/>
                 </a:solidFill>
                 <a:sym typeface="+mn-ea"/>
               </a:rPr>
               <a:t>0</a:t>
-            </a:r>
-            <a:r>
-              <a:rPr lang="en-US" altLang="en-US">
-                <a:solidFill>
-                  <a:schemeClr val="accent4">
-                    <a:lumMod val="75000"/>
-                  </a:schemeClr>
-                </a:solidFill>
-                <a:sym typeface="+mn-ea"/>
-              </a:rPr>
-              <a:t>)  </a:t>
-            </a:r>
-            <a:r>
-              <a:rPr lang="en-US" altLang="en-US">
-                <a:solidFill>
-                  <a:schemeClr val="tx2"/>
-                </a:solidFill>
-                <a:sym typeface="+mn-ea"/>
-              </a:rPr>
-              <a:t>/\</a:t>
-            </a:r>
-            <a:r>
-              <a:rPr lang="en-US" altLang="en-US">
-                <a:sym typeface="+mn-ea"/>
-              </a:rPr>
-              <a:t> </a:t>
             </a:r>
             <a:r>
               <a:rPr lang="en-US" altLang="en-US">
@@ -9393,10 +10476,19 @@
                 </a:solidFill>
                 <a:sym typeface="+mn-ea"/>
               </a:rPr>
-              <a:t>(!z</a:t>
-            </a:r>
-            <a:r>
-              <a:rPr lang="en-US" altLang="en-US" baseline="-25000">
+              <a:t> </a:t>
+            </a:r>
+            <a:r>
+              <a:rPr lang="en-US" altLang="pt-BR">
+                <a:solidFill>
+                  <a:schemeClr val="tx1"/>
+                </a:solidFill>
+                <a:sym typeface="+mn-ea"/>
+              </a:rPr>
+              <a:t>V</a:t>
+            </a:r>
+            <a:r>
+              <a:rPr lang="en-US" altLang="pt-BR">
                 <a:solidFill>
                   <a:schemeClr val="accent1">
                     <a:lumMod val="60000"/>
@@ -9405,10 +10497,10 @@
                 </a:solidFill>
                 <a:sym typeface="+mn-ea"/>
               </a:rPr>
-              <a:t>0</a:t>
-            </a:r>
-            <a:r>
-              <a:rPr lang="en-US" altLang="en-US">
+              <a:t> !</a:t>
+            </a:r>
+            <a:r>
+              <a:rPr lang="pt-BR">
                 <a:solidFill>
                   <a:schemeClr val="accent1">
                     <a:lumMod val="60000"/>
@@ -9417,10 +10509,10 @@
                 </a:solidFill>
                 <a:sym typeface="+mn-ea"/>
               </a:rPr>
-              <a:t> </a:t>
-            </a:r>
-            <a:r>
-              <a:rPr lang="en-US" altLang="pt-BR">
+              <a:t>x</a:t>
+            </a:r>
+            <a:r>
+              <a:rPr lang="en-US" altLang="pt-BR" baseline="-25000">
                 <a:solidFill>
                   <a:schemeClr val="accent1">
                     <a:lumMod val="60000"/>
@@ -9429,10 +10521,10 @@
                 </a:solidFill>
                 <a:sym typeface="+mn-ea"/>
               </a:rPr>
-              <a:t>V !</a:t>
-            </a:r>
-            <a:r>
-              <a:rPr lang="pt-BR">
+              <a:t>1</a:t>
+            </a:r>
+            <a:r>
+              <a:rPr lang="en-US" altLang="pt-BR">
                 <a:solidFill>
                   <a:schemeClr val="accent1">
                     <a:lumMod val="60000"/>
@@ -9441,10 +10533,19 @@
                 </a:solidFill>
                 <a:sym typeface="+mn-ea"/>
               </a:rPr>
-              <a:t>x</a:t>
-            </a:r>
-            <a:r>
-              <a:rPr lang="en-US" altLang="pt-BR" baseline="-25000">
+              <a:t> </a:t>
+            </a:r>
+            <a:r>
+              <a:rPr lang="en-US" altLang="en-US">
+                <a:solidFill>
+                  <a:schemeClr val="tx1"/>
+                </a:solidFill>
+                <a:sym typeface="+mn-ea"/>
+              </a:rPr>
+              <a:t>V</a:t>
+            </a:r>
+            <a:r>
+              <a:rPr lang="en-US" altLang="en-US">
                 <a:solidFill>
                   <a:schemeClr val="accent1">
                     <a:lumMod val="60000"/>
@@ -9453,10 +10554,37 @@
                 </a:solidFill>
                 <a:sym typeface="+mn-ea"/>
               </a:rPr>
+              <a:t> </a:t>
+            </a:r>
+            <a:r>
+              <a:rPr lang="en-US" altLang="en-US">
+                <a:solidFill>
+                  <a:srgbClr val="1CEE00"/>
+                </a:solidFill>
+                <a:sym typeface="+mn-ea"/>
+              </a:rPr>
+              <a:t>z</a:t>
+            </a:r>
+            <a:r>
+              <a:rPr lang="en-US" altLang="en-US" baseline="-25000">
+                <a:solidFill>
+                  <a:srgbClr val="1CEE00"/>
+                </a:solidFill>
+                <a:sym typeface="+mn-ea"/>
+              </a:rPr>
               <a:t>1</a:t>
             </a:r>
             <a:r>
-              <a:rPr lang="en-US" altLang="pt-BR">
+              <a:rPr lang="en-US" altLang="en-US">
+                <a:solidFill>
+                  <a:schemeClr val="tx1"/>
+                </a:solidFill>
+                <a:sym typeface="+mn-ea"/>
+              </a:rPr>
+              <a:t>)</a:t>
+            </a:r>
+            <a:r>
+              <a:rPr lang="en-US" altLang="en-US">
                 <a:solidFill>
                   <a:schemeClr val="accent1">
                     <a:lumMod val="60000"/>
@@ -9470,6 +10598,15 @@
             <a:r>
               <a:rPr lang="en-US" altLang="en-US">
                 <a:solidFill>
+                  <a:schemeClr val="tx1"/>
+                </a:solidFill>
+                <a:sym typeface="+mn-ea"/>
+              </a:rPr>
+              <a:t>/\</a:t>
+            </a:r>
+            <a:r>
+              <a:rPr lang="en-US" altLang="en-US">
+                <a:solidFill>
                   <a:schemeClr val="accent1">
                     <a:lumMod val="60000"/>
                     <a:lumOff val="40000"/>
@@ -9477,10 +10614,37 @@
                 </a:solidFill>
                 <a:sym typeface="+mn-ea"/>
               </a:rPr>
-              <a:t>V z</a:t>
+              <a:t> </a:t>
+            </a:r>
+            <a:r>
+              <a:rPr lang="en-US" altLang="en-US">
+                <a:solidFill>
+                  <a:schemeClr val="tx1"/>
+                </a:solidFill>
+                <a:sym typeface="+mn-ea"/>
+              </a:rPr>
+              <a:t>(</a:t>
+            </a:r>
+            <a:r>
+              <a:rPr lang="en-US" altLang="en-US">
+                <a:solidFill>
+                  <a:srgbClr val="1CEE00"/>
+                </a:solidFill>
+                <a:sym typeface="+mn-ea"/>
+              </a:rPr>
+              <a:t>!z</a:t>
             </a:r>
             <a:r>
               <a:rPr lang="en-US" altLang="en-US" baseline="-25000">
+                <a:solidFill>
+                  <a:srgbClr val="1CEE00"/>
+                </a:solidFill>
+                <a:sym typeface="+mn-ea"/>
+              </a:rPr>
+              <a:t>1</a:t>
+            </a:r>
+            <a:r>
+              <a:rPr lang="en-US" altLang="pt-BR">
                 <a:solidFill>
                   <a:schemeClr val="accent1">
                     <a:lumMod val="60000"/>
@@ -9489,10 +10653,19 @@
                 </a:solidFill>
                 <a:sym typeface="+mn-ea"/>
               </a:rPr>
-              <a:t>1</a:t>
-            </a:r>
-            <a:r>
-              <a:rPr lang="en-US" altLang="en-US">
+              <a:t> </a:t>
+            </a:r>
+            <a:r>
+              <a:rPr lang="en-US" altLang="pt-BR">
+                <a:solidFill>
+                  <a:schemeClr val="tx1"/>
+                </a:solidFill>
+                <a:sym typeface="+mn-ea"/>
+              </a:rPr>
+              <a:t>V</a:t>
+            </a:r>
+            <a:r>
+              <a:rPr lang="en-US" altLang="pt-BR">
                 <a:solidFill>
                   <a:schemeClr val="accent1">
                     <a:lumMod val="60000"/>
@@ -9501,19 +10674,10 @@
                 </a:solidFill>
                 <a:sym typeface="+mn-ea"/>
               </a:rPr>
-              <a:t>) </a:t>
-            </a:r>
-            <a:r>
-              <a:rPr lang="en-US" altLang="en-US">
-                <a:solidFill>
-                  <a:schemeClr val="tx2"/>
-                </a:solidFill>
-                <a:sym typeface="+mn-ea"/>
-              </a:rPr>
-              <a:t>/\</a:t>
-            </a:r>
-            <a:r>
-              <a:rPr lang="en-US" altLang="en-US">
+              <a:t> </a:t>
+            </a:r>
+            <a:r>
+              <a:rPr lang="pt-BR">
                 <a:solidFill>
                   <a:schemeClr val="accent1">
                     <a:lumMod val="60000"/>
@@ -9522,10 +10686,10 @@
                 </a:solidFill>
                 <a:sym typeface="+mn-ea"/>
               </a:rPr>
-              <a:t> (!z</a:t>
-            </a:r>
-            <a:r>
-              <a:rPr lang="en-US" altLang="en-US" baseline="-25000">
+              <a:t>x</a:t>
+            </a:r>
+            <a:r>
+              <a:rPr lang="en-US" altLang="pt-BR" baseline="-25000">
                 <a:solidFill>
                   <a:schemeClr val="accent1">
                     <a:lumMod val="60000"/>
@@ -9534,10 +10698,10 @@
                 </a:solidFill>
                 <a:sym typeface="+mn-ea"/>
               </a:rPr>
-              <a:t>1</a:t>
-            </a:r>
-            <a:r>
-              <a:rPr lang="en-US" altLang="pt-BR">
+              <a:t>2</a:t>
+            </a:r>
+            <a:r>
+              <a:rPr lang="pt-BR">
                 <a:solidFill>
                   <a:schemeClr val="accent1">
                     <a:lumMod val="60000"/>
@@ -9546,10 +10710,19 @@
                 </a:solidFill>
                 <a:sym typeface="+mn-ea"/>
               </a:rPr>
-              <a:t> V </a:t>
-            </a:r>
-            <a:r>
-              <a:rPr lang="pt-BR">
+              <a:t> </a:t>
+            </a:r>
+            <a:r>
+              <a:rPr lang="en-US" altLang="pt-BR">
+                <a:solidFill>
+                  <a:schemeClr val="tx1"/>
+                </a:solidFill>
+                <a:sym typeface="+mn-ea"/>
+              </a:rPr>
+              <a:t>V</a:t>
+            </a:r>
+            <a:r>
+              <a:rPr lang="en-US" altLang="pt-BR">
                 <a:solidFill>
                   <a:schemeClr val="accent1">
                     <a:lumMod val="60000"/>
@@ -9558,10 +10731,37 @@
                 </a:solidFill>
                 <a:sym typeface="+mn-ea"/>
               </a:rPr>
-              <a:t>x</a:t>
-            </a:r>
-            <a:r>
-              <a:rPr lang="en-US" altLang="pt-BR" baseline="-25000">
+              <a:t> </a:t>
+            </a:r>
+            <a:r>
+              <a:rPr lang="en-US" altLang="en-US">
+                <a:solidFill>
+                  <a:srgbClr val="1CEE00"/>
+                </a:solidFill>
+                <a:sym typeface="+mn-ea"/>
+              </a:rPr>
+              <a:t>z</a:t>
+            </a:r>
+            <a:r>
+              <a:rPr lang="en-US" altLang="en-US" baseline="-25000">
+                <a:solidFill>
+                  <a:srgbClr val="1CEE00"/>
+                </a:solidFill>
+                <a:sym typeface="+mn-ea"/>
+              </a:rPr>
+              <a:t>2</a:t>
+            </a:r>
+            <a:r>
+              <a:rPr lang="en-US" altLang="en-US">
+                <a:solidFill>
+                  <a:schemeClr val="tx1"/>
+                </a:solidFill>
+                <a:sym typeface="+mn-ea"/>
+              </a:rPr>
+              <a:t>)</a:t>
+            </a:r>
+            <a:r>
+              <a:rPr lang="en-US" altLang="pt-BR">
                 <a:solidFill>
                   <a:schemeClr val="accent1">
                     <a:lumMod val="60000"/>
@@ -9570,10 +10770,19 @@
                 </a:solidFill>
                 <a:sym typeface="+mn-ea"/>
               </a:rPr>
-              <a:t>2</a:t>
-            </a:r>
-            <a:r>
-              <a:rPr lang="pt-BR">
+              <a:t> </a:t>
+            </a:r>
+            <a:r>
+              <a:rPr lang="en-US" altLang="en-US">
+                <a:solidFill>
+                  <a:schemeClr val="tx1"/>
+                </a:solidFill>
+                <a:sym typeface="+mn-ea"/>
+              </a:rPr>
+              <a:t>/\</a:t>
+            </a:r>
+            <a:r>
+              <a:rPr lang="en-US" altLang="en-US">
                 <a:solidFill>
                   <a:schemeClr val="accent1">
                     <a:lumMod val="60000"/>
@@ -9585,162 +10794,108 @@
               <a:t> </a:t>
             </a:r>
             <a:r>
+              <a:rPr lang="en-US" altLang="en-US">
+                <a:solidFill>
+                  <a:schemeClr val="tx1"/>
+                </a:solidFill>
+                <a:sym typeface="+mn-ea"/>
+              </a:rPr>
+              <a:t>(</a:t>
+            </a:r>
+            <a:r>
+              <a:rPr lang="en-US" altLang="en-US">
+                <a:solidFill>
+                  <a:srgbClr val="1CEE00"/>
+                </a:solidFill>
+                <a:sym typeface="+mn-ea"/>
+              </a:rPr>
+              <a:t>!z</a:t>
+            </a:r>
+            <a:r>
+              <a:rPr lang="en-US" altLang="en-US" baseline="-25000">
+                <a:solidFill>
+                  <a:srgbClr val="1CEE00"/>
+                </a:solidFill>
+                <a:sym typeface="+mn-ea"/>
+              </a:rPr>
+              <a:t>2</a:t>
+            </a:r>
+            <a:r>
+              <a:rPr lang="en-US" altLang="en-US">
+                <a:solidFill>
+                  <a:srgbClr val="A00088"/>
+                </a:solidFill>
+                <a:sym typeface="+mn-ea"/>
+              </a:rPr>
+              <a:t> </a:t>
+            </a:r>
+            <a:r>
+              <a:rPr lang="en-US" altLang="en-US">
+                <a:solidFill>
+                  <a:schemeClr val="tx1"/>
+                </a:solidFill>
+                <a:sym typeface="+mn-ea"/>
+              </a:rPr>
+              <a:t>V </a:t>
+            </a:r>
+            <a:r>
+              <a:rPr lang="pt-BR">
+                <a:solidFill>
+                  <a:srgbClr val="FFFF00"/>
+                </a:solidFill>
+                <a:sym typeface="+mn-ea"/>
+              </a:rPr>
+              <a:t>x</a:t>
+            </a:r>
+            <a:r>
+              <a:rPr lang="en-US" altLang="pt-BR" baseline="-25000">
+                <a:solidFill>
+                  <a:srgbClr val="FFFF00"/>
+                </a:solidFill>
+                <a:sym typeface="+mn-ea"/>
+              </a:rPr>
+              <a:t>4</a:t>
+            </a:r>
+            <a:r>
+              <a:rPr lang="pt-BR">
+                <a:solidFill>
+                  <a:srgbClr val="A00088"/>
+                </a:solidFill>
+                <a:sym typeface="+mn-ea"/>
+              </a:rPr>
+              <a:t> </a:t>
+            </a:r>
+            <a:r>
               <a:rPr lang="en-US" altLang="pt-BR">
                 <a:solidFill>
-                  <a:schemeClr val="accent1">
-                    <a:lumMod val="60000"/>
-                    <a:lumOff val="40000"/>
-                  </a:schemeClr>
+                  <a:schemeClr val="tx1"/>
                 </a:solidFill>
                 <a:sym typeface="+mn-ea"/>
               </a:rPr>
               <a:t>V </a:t>
             </a:r>
             <a:r>
+              <a:rPr lang="en-US" altLang="pt-BR">
+                <a:solidFill>
+                  <a:srgbClr val="FFFF00"/>
+                </a:solidFill>
+                <a:sym typeface="+mn-ea"/>
+              </a:rPr>
+              <a:t>x</a:t>
+            </a:r>
+            <a:r>
+              <a:rPr lang="en-US" altLang="pt-BR" baseline="-25000">
+                <a:solidFill>
+                  <a:srgbClr val="FFFF00"/>
+                </a:solidFill>
+                <a:sym typeface="+mn-ea"/>
+              </a:rPr>
+              <a:t>5</a:t>
+            </a:r>
+            <a:r>
               <a:rPr lang="en-US" altLang="en-US">
                 <a:solidFill>
-                  <a:schemeClr val="accent1">
-                    <a:lumMod val="60000"/>
-                    <a:lumOff val="40000"/>
-                  </a:schemeClr>
-                </a:solidFill>
-                <a:sym typeface="+mn-ea"/>
-              </a:rPr>
-              <a:t>z</a:t>
-            </a:r>
-            <a:r>
-              <a:rPr lang="en-US" altLang="en-US" baseline="-25000">
-                <a:solidFill>
-                  <a:schemeClr val="accent1">
-                    <a:lumMod val="60000"/>
-                    <a:lumOff val="40000"/>
-                  </a:schemeClr>
-                </a:solidFill>
-                <a:sym typeface="+mn-ea"/>
-              </a:rPr>
-              <a:t>2</a:t>
-            </a:r>
-            <a:r>
-              <a:rPr lang="en-US" altLang="en-US">
-                <a:solidFill>
-                  <a:schemeClr val="accent1">
-                    <a:lumMod val="60000"/>
-                    <a:lumOff val="40000"/>
-                  </a:schemeClr>
-                </a:solidFill>
-                <a:sym typeface="+mn-ea"/>
-              </a:rPr>
-              <a:t>)</a:t>
-            </a:r>
-            <a:r>
-              <a:rPr lang="en-US" altLang="pt-BR">
-                <a:solidFill>
-                  <a:schemeClr val="accent1">
-                    <a:lumMod val="60000"/>
-                    <a:lumOff val="40000"/>
-                  </a:schemeClr>
-                </a:solidFill>
-                <a:sym typeface="+mn-ea"/>
-              </a:rPr>
-              <a:t> </a:t>
-            </a:r>
-            <a:r>
-              <a:rPr lang="en-US" altLang="en-US">
-                <a:solidFill>
-                  <a:schemeClr val="tx2"/>
-                </a:solidFill>
-                <a:sym typeface="+mn-ea"/>
-              </a:rPr>
-              <a:t>/\</a:t>
-            </a:r>
-            <a:r>
-              <a:rPr lang="en-US" altLang="en-US">
-                <a:solidFill>
-                  <a:schemeClr val="accent1">
-                    <a:lumMod val="60000"/>
-                    <a:lumOff val="40000"/>
-                  </a:schemeClr>
-                </a:solidFill>
-                <a:sym typeface="+mn-ea"/>
-              </a:rPr>
-              <a:t> </a:t>
-            </a:r>
-            <a:r>
-              <a:rPr lang="en-US" altLang="en-US">
-                <a:solidFill>
-                  <a:srgbClr val="A00088"/>
-                </a:solidFill>
-                <a:sym typeface="+mn-ea"/>
-              </a:rPr>
-              <a:t>(!z</a:t>
-            </a:r>
-            <a:r>
-              <a:rPr lang="en-US" altLang="en-US" baseline="-25000">
-                <a:solidFill>
-                  <a:srgbClr val="A00088"/>
-                </a:solidFill>
-                <a:sym typeface="+mn-ea"/>
-              </a:rPr>
-              <a:t>2</a:t>
-            </a:r>
-            <a:r>
-              <a:rPr lang="en-US" altLang="en-US">
-                <a:solidFill>
-                  <a:srgbClr val="A00088"/>
-                </a:solidFill>
-                <a:sym typeface="+mn-ea"/>
-              </a:rPr>
-              <a:t> V </a:t>
-            </a:r>
-            <a:r>
-              <a:rPr lang="pt-BR">
-                <a:solidFill>
-                  <a:srgbClr val="A00088"/>
-                </a:solidFill>
-                <a:sym typeface="+mn-ea"/>
-              </a:rPr>
-              <a:t>x</a:t>
-            </a:r>
-            <a:r>
-              <a:rPr lang="en-US" altLang="pt-BR" baseline="-25000">
-                <a:solidFill>
-                  <a:srgbClr val="A00088"/>
-                </a:solidFill>
-                <a:sym typeface="+mn-ea"/>
-              </a:rPr>
-              <a:t>4</a:t>
-            </a:r>
-            <a:r>
-              <a:rPr lang="pt-BR">
-                <a:solidFill>
-                  <a:srgbClr val="A00088"/>
-                </a:solidFill>
-                <a:sym typeface="+mn-ea"/>
-              </a:rPr>
-              <a:t> </a:t>
-            </a:r>
-            <a:r>
-              <a:rPr lang="en-US" altLang="pt-BR">
-                <a:solidFill>
-                  <a:srgbClr val="A00088"/>
-                </a:solidFill>
-                <a:sym typeface="+mn-ea"/>
-              </a:rPr>
-              <a:t>V x</a:t>
-            </a:r>
-            <a:r>
-              <a:rPr lang="en-US" altLang="pt-BR" baseline="-25000">
-                <a:solidFill>
-                  <a:srgbClr val="A00088"/>
-                </a:solidFill>
-                <a:sym typeface="+mn-ea"/>
-              </a:rPr>
-              <a:t>5</a:t>
-            </a:r>
-            <a:r>
-              <a:rPr lang="en-US" altLang="en-US">
-                <a:solidFill>
-                  <a:srgbClr val="A00088"/>
+                  <a:schemeClr val="tx1"/>
                 </a:solidFill>
                 <a:sym typeface="+mn-ea"/>
               </a:rPr>
@@ -9748,7 +10903,7 @@
             </a:r>
             <a:endParaRPr lang="en-US" altLang="en-US">
               <a:solidFill>
-                <a:srgbClr val="A00088"/>
+                <a:schemeClr val="tx1"/>
               </a:solidFill>
               <a:sym typeface="+mn-ea"/>
             </a:endParaRPr>
@@ -9763,7 +10918,7 @@
 </p:sld>
 </file>
 
-<file path=ppt/slides/slide16.xml><?xml version="1.0" encoding="utf-8"?>
+<file path=ppt/slides/slide17.xml><?xml version="1.0" encoding="utf-8"?>
 <p:sld xmlns:a="http://schemas.openxmlformats.org/drawingml/2006/main" xmlns:r="http://schemas.openxmlformats.org/officeDocument/2006/relationships" xmlns:p="http://schemas.openxmlformats.org/presentationml/2006/main">
   <p:cSld>
     <p:spTree>
@@ -9853,10 +11008,18 @@
               <a:buNone/>
             </a:pPr>
             <a:r>
-              <a:rPr lang="en-US" altLang="pt-BR" sz="1400"/>
+              <a:rPr lang="en-US" altLang="pt-BR" sz="1400">
+                <a:solidFill>
+                  <a:schemeClr val="tx1"/>
+                </a:solidFill>
+              </a:rPr>
               <a:t>Para quê? Para manter a cláusula satisfazível de forma que:</a:t>
             </a:r>
-            <a:endParaRPr lang="pt-BR" sz="1400"/>
+            <a:endParaRPr lang="pt-BR" sz="1400">
+              <a:solidFill>
+                <a:schemeClr val="tx1"/>
+              </a:solidFill>
+            </a:endParaRPr>
           </a:p>
           <a:p>
             <a:pPr marL="285750" lvl="0" indent="-285750" algn="l" rtl="0">
@@ -9870,30 +11033,58 @@
               <a:buChar char="•"/>
             </a:pPr>
             <a:r>
-              <a:rPr lang="en-US" altLang="pt-BR" sz="1400"/>
+              <a:rPr lang="en-US" altLang="pt-BR" sz="1400">
+                <a:solidFill>
+                  <a:schemeClr val="tx1"/>
+                </a:solidFill>
+              </a:rPr>
               <a:t>Se literal</a:t>
             </a:r>
             <a:r>
-              <a:rPr lang="en-US" altLang="pt-BR" sz="1400" baseline="-25000"/>
+              <a:rPr lang="en-US" altLang="pt-BR" sz="1400" baseline="-25000">
+                <a:solidFill>
+                  <a:schemeClr val="tx1"/>
+                </a:solidFill>
+              </a:rPr>
               <a:t>1</a:t>
             </a:r>
             <a:r>
-              <a:rPr lang="en-US" altLang="pt-BR" sz="1400"/>
+              <a:rPr lang="en-US" altLang="pt-BR" sz="1400">
+                <a:solidFill>
+                  <a:schemeClr val="tx1"/>
+                </a:solidFill>
+              </a:rPr>
               <a:t> ou literal</a:t>
             </a:r>
             <a:r>
-              <a:rPr lang="en-US" altLang="pt-BR" sz="1400" baseline="-25000"/>
+              <a:rPr lang="en-US" altLang="pt-BR" sz="1400" baseline="-25000">
+                <a:solidFill>
+                  <a:schemeClr val="tx1"/>
+                </a:solidFill>
+              </a:rPr>
               <a:t>2</a:t>
             </a:r>
             <a:r>
-              <a:rPr lang="pt-BR" sz="1400"/>
+              <a:rPr lang="pt-BR" sz="1400">
+                <a:solidFill>
+                  <a:schemeClr val="tx1"/>
+                </a:solidFill>
+              </a:rPr>
               <a:t> </a:t>
             </a:r>
             <a:r>
-              <a:rPr lang="en-US" altLang="pt-BR" sz="1400"/>
+              <a:rPr lang="en-US" altLang="pt-BR" sz="1400">
+                <a:solidFill>
+                  <a:schemeClr val="tx1"/>
+                </a:solidFill>
+              </a:rPr>
               <a:t>da cláusula SAT são verdadeiros, atribui-se valor falso a todas as novas variáveis;</a:t>
             </a:r>
-            <a:endParaRPr lang="en-US" altLang="pt-BR" sz="1400"/>
+            <a:endParaRPr lang="en-US" altLang="pt-BR" sz="1400">
+              <a:solidFill>
+                <a:schemeClr val="tx1"/>
+              </a:solidFill>
+            </a:endParaRPr>
           </a:p>
           <a:p>
             <a:pPr marL="285750" lvl="0" indent="-285750" algn="l" rtl="0">
@@ -9907,34 +11098,66 @@
               <a:buChar char="•"/>
             </a:pPr>
             <a:r>
-              <a:rPr lang="en-US" altLang="pt-BR" sz="1400"/>
+              <a:rPr lang="en-US" altLang="pt-BR" sz="1400">
+                <a:solidFill>
+                  <a:schemeClr val="tx1"/>
+                </a:solidFill>
+              </a:rPr>
               <a:t>Se literal</a:t>
             </a:r>
             <a:r>
-              <a:rPr lang="en-US" altLang="pt-BR" sz="1400" baseline="-25000"/>
+              <a:rPr lang="en-US" altLang="pt-BR" sz="1400" baseline="-25000">
+                <a:solidFill>
+                  <a:schemeClr val="tx1"/>
+                </a:solidFill>
+              </a:rPr>
               <a:t>n-1</a:t>
             </a:r>
             <a:r>
-              <a:rPr lang="pt-BR" sz="1400"/>
+              <a:rPr lang="pt-BR" sz="1400">
+                <a:solidFill>
+                  <a:schemeClr val="tx1"/>
+                </a:solidFill>
+              </a:rPr>
               <a:t> </a:t>
             </a:r>
             <a:r>
-              <a:rPr lang="en-US" altLang="pt-BR" sz="1400"/>
+              <a:rPr lang="en-US" altLang="pt-BR" sz="1400">
+                <a:solidFill>
+                  <a:schemeClr val="tx1"/>
+                </a:solidFill>
+              </a:rPr>
               <a:t>ou literal</a:t>
             </a:r>
             <a:r>
-              <a:rPr lang="en-US" altLang="pt-BR" sz="1400" baseline="-25000"/>
+              <a:rPr lang="en-US" altLang="pt-BR" sz="1400" baseline="-25000">
+                <a:solidFill>
+                  <a:schemeClr val="tx1"/>
+                </a:solidFill>
+              </a:rPr>
               <a:t>n</a:t>
             </a:r>
             <a:r>
-              <a:rPr lang="pt-BR" sz="1400"/>
+              <a:rPr lang="pt-BR" sz="1400">
+                <a:solidFill>
+                  <a:schemeClr val="tx1"/>
+                </a:solidFill>
+              </a:rPr>
               <a:t> </a:t>
             </a:r>
             <a:r>
-              <a:rPr lang="en-US" altLang="pt-BR" sz="1400"/>
+              <a:rPr lang="en-US" altLang="pt-BR" sz="1400">
+                <a:solidFill>
+                  <a:schemeClr val="tx1"/>
+                </a:solidFill>
+              </a:rPr>
               <a:t>da  cláusula são verdadeiros, atribui-se valor verdadeiro a todas as novas variáveis</a:t>
             </a:r>
-            <a:endParaRPr lang="en-US" altLang="pt-BR" sz="1400"/>
+            <a:endParaRPr lang="en-US" altLang="pt-BR" sz="1400">
+              <a:solidFill>
+                <a:schemeClr val="tx1"/>
+              </a:solidFill>
+            </a:endParaRPr>
           </a:p>
           <a:p>
             <a:pPr marL="285750" lvl="0" indent="-285750" algn="l" rtl="0">
@@ -9948,34 +11171,66 @@
               <a:buChar char="•"/>
             </a:pPr>
             <a:r>
-              <a:rPr lang="en-US" altLang="pt-BR" sz="1400"/>
+              <a:rPr lang="en-US" altLang="pt-BR" sz="1400">
+                <a:solidFill>
+                  <a:schemeClr val="tx1"/>
+                </a:solidFill>
+              </a:rPr>
               <a:t>Se literal</a:t>
             </a:r>
             <a:r>
-              <a:rPr lang="en-US" altLang="pt-BR" sz="1400" baseline="-25000"/>
+              <a:rPr lang="en-US" altLang="pt-BR" sz="1400" baseline="-25000">
+                <a:solidFill>
+                  <a:schemeClr val="tx1"/>
+                </a:solidFill>
+              </a:rPr>
               <a:t>i</a:t>
             </a:r>
             <a:r>
-              <a:rPr lang="pt-BR" sz="1400"/>
+              <a:rPr lang="pt-BR" sz="1400">
+                <a:solidFill>
+                  <a:schemeClr val="tx1"/>
+                </a:solidFill>
+              </a:rPr>
               <a:t> </a:t>
             </a:r>
             <a:r>
-              <a:rPr lang="en-US" altLang="pt-BR" sz="1400"/>
+              <a:rPr lang="en-US" altLang="pt-BR" sz="1400">
+                <a:solidFill>
+                  <a:schemeClr val="tx1"/>
+                </a:solidFill>
+              </a:rPr>
               <a:t>é verdadeiro (2 &lt; i &lt; n-1), atribui-se valor verdadeiro as variaveis anteriores a literal</a:t>
             </a:r>
             <a:r>
-              <a:rPr lang="en-US" altLang="pt-BR" sz="1400" baseline="-25000"/>
+              <a:rPr lang="en-US" altLang="pt-BR" sz="1400" baseline="-25000">
+                <a:solidFill>
+                  <a:schemeClr val="tx1"/>
+                </a:solidFill>
+              </a:rPr>
               <a:t>i</a:t>
             </a:r>
             <a:r>
-              <a:rPr lang="pt-BR" sz="1400"/>
+              <a:rPr lang="pt-BR" sz="1400">
+                <a:solidFill>
+                  <a:schemeClr val="tx1"/>
+                </a:solidFill>
+              </a:rPr>
               <a:t> </a:t>
             </a:r>
             <a:r>
-              <a:rPr lang="en-US" altLang="pt-BR" sz="1400"/>
+              <a:rPr lang="en-US" altLang="pt-BR" sz="1400">
+                <a:solidFill>
+                  <a:schemeClr val="tx1"/>
+                </a:solidFill>
+              </a:rPr>
               <a:t>e valor falso as variaveis posteriores a ele </a:t>
             </a:r>
-            <a:endParaRPr lang="en-US" altLang="pt-BR" sz="1400"/>
+            <a:endParaRPr lang="en-US" altLang="pt-BR" sz="1400">
+              <a:solidFill>
+                <a:schemeClr val="tx1"/>
+              </a:solidFill>
+            </a:endParaRPr>
           </a:p>
           <a:p>
             <a:pPr marL="285750" lvl="0" indent="-285750" algn="l" rtl="0">
@@ -9989,7 +11244,11 @@
               <a:buChar char="•"/>
             </a:pPr>
             <a:r>
-              <a:rPr lang="en-US" sz="1400"/>
+              <a:rPr lang="en-US" sz="1400">
+                <a:solidFill>
+                  <a:schemeClr val="tx1"/>
+                </a:solidFill>
+              </a:rPr>
               <a:t>Se todos literais são falsos haverão várias cláusulas falsas insatisfazendo toda expressão.</a:t>
             </a:r>
             <a:endParaRPr lang="en-US" sz="1400"/>
@@ -10017,7 +11276,7 @@
 </p:sld>
 </file>
 
-<file path=ppt/slides/slide17.xml><?xml version="1.0" encoding="utf-8"?>
+<file path=ppt/slides/slide18.xml><?xml version="1.0" encoding="utf-8"?>
 <p:sld xmlns:a="http://schemas.openxmlformats.org/drawingml/2006/main" xmlns:r="http://schemas.openxmlformats.org/officeDocument/2006/relationships" xmlns:p="http://schemas.openxmlformats.org/presentationml/2006/main">
   <p:cSld>
     <p:spTree>
@@ -10403,7 +11662,7 @@
 </p:sld>
 </file>
 
-<file path=ppt/slides/slide18.xml><?xml version="1.0" encoding="utf-8"?>
+<file path=ppt/slides/slide19.xml><?xml version="1.0" encoding="utf-8"?>
 <p:sld xmlns:a="http://schemas.openxmlformats.org/drawingml/2006/main" xmlns:r="http://schemas.openxmlformats.org/officeDocument/2006/relationships" xmlns:p="http://schemas.openxmlformats.org/presentationml/2006/main">
   <p:cSld>
     <p:spTree>
@@ -10620,7 +11879,222 @@
 </p:sld>
 </file>
 
-<file path=ppt/slides/slide19.xml><?xml version="1.0" encoding="utf-8"?>
+<file path=ppt/slides/slide2.xml><?xml version="1.0" encoding="utf-8"?>
+<p:sld xmlns:a="http://schemas.openxmlformats.org/drawingml/2006/main" xmlns:r="http://schemas.openxmlformats.org/officeDocument/2006/relationships" xmlns:p="http://schemas.openxmlformats.org/presentationml/2006/main">
+  <p:cSld>
+    <p:spTree>
+      <p:nvGrpSpPr>
+        <p:cNvPr id="59" name="Shape 59"/>
+        <p:cNvGrpSpPr/>
+        <p:nvPr/>
+      </p:nvGrpSpPr>
+      <p:grpSpPr>
+        <a:xfrm>
+          <a:off x="0" y="0"/>
+          <a:ext cx="0" cy="0"/>
+          <a:chOff x="0" y="0"/>
+          <a:chExt cx="0" cy="0"/>
+        </a:xfrm>
+      </p:grpSpPr>
+      <p:sp>
+        <p:nvSpPr>
+          <p:cNvPr id="60" name="Google Shape;60;p14"/>
+          <p:cNvSpPr txBox="1"/>
+          <p:nvPr>
+            <p:ph type="title"/>
+          </p:nvPr>
+        </p:nvSpPr>
+        <p:spPr>
+          <a:xfrm>
+            <a:off x="311700" y="445025"/>
+            <a:ext cx="8520600" cy="572700"/>
+          </a:xfrm>
+          <a:prstGeom prst="rect">
+            <a:avLst/>
+          </a:prstGeom>
+        </p:spPr>
+        <p:txBody>
+          <a:bodyPr spcFirstLastPara="1" wrap="square" lIns="91425" tIns="91425" rIns="91425" bIns="91425" anchor="t" anchorCtr="0">
+            <a:noAutofit/>
+          </a:bodyPr>
+          <a:lstStyle/>
+          <a:p>
+            <a:pPr marL="0" lvl="0" indent="0" algn="l" rtl="0">
+              <a:spcBef>
+                <a:spcPts val="0"/>
+              </a:spcBef>
+              <a:spcAft>
+                <a:spcPts val="0"/>
+              </a:spcAft>
+              <a:buNone/>
+            </a:pPr>
+            <a:r>
+              <a:rPr lang="pt-BR"/>
+              <a:t>FNC (Forma Normal Conjuntiva)</a:t>
+            </a:r>
+            <a:endParaRPr lang="pt-BR"/>
+          </a:p>
+        </p:txBody>
+      </p:sp>
+      <p:sp>
+        <p:nvSpPr>
+          <p:cNvPr id="61" name="Google Shape;61;p14"/>
+          <p:cNvSpPr txBox="1"/>
+          <p:nvPr>
+            <p:ph type="body" idx="1"/>
+          </p:nvPr>
+        </p:nvSpPr>
+        <p:spPr>
+          <a:xfrm>
+            <a:off x="282050" y="1552675"/>
+            <a:ext cx="8520600" cy="2989500"/>
+          </a:xfrm>
+          <a:prstGeom prst="rect">
+            <a:avLst/>
+          </a:prstGeom>
+        </p:spPr>
+        <p:txBody>
+          <a:bodyPr spcFirstLastPara="1" wrap="square" lIns="91425" tIns="91425" rIns="91425" bIns="91425" anchor="t" anchorCtr="0">
+            <a:noAutofit/>
+          </a:bodyPr>
+          <a:lstStyle/>
+          <a:p>
+            <a:pPr marL="0" lvl="0" indent="0" algn="l" rtl="0">
+              <a:lnSpc>
+                <a:spcPct val="100000"/>
+              </a:lnSpc>
+              <a:spcBef>
+                <a:spcPts val="0"/>
+              </a:spcBef>
+              <a:spcAft>
+                <a:spcPts val="0"/>
+              </a:spcAft>
+              <a:buNone/>
+            </a:pPr>
+            <a:r>
+              <a:rPr lang="pt-BR" sz="1600"/>
+              <a:t>FNC - E</a:t>
+            </a:r>
+            <a:r>
+              <a:rPr lang="en-US" altLang="pt-BR" sz="1600"/>
+              <a:t>xpressão</a:t>
+            </a:r>
+            <a:r>
+              <a:rPr lang="pt-BR" sz="1600"/>
+              <a:t> booleana com operações </a:t>
+            </a:r>
+            <a:r>
+              <a:rPr lang="en-US" altLang="pt-BR" sz="1600"/>
+              <a:t>de</a:t>
+            </a:r>
+            <a:r>
+              <a:rPr lang="pt-BR" sz="1600"/>
+              <a:t> conjunção, disjunção e negação: </a:t>
+            </a:r>
+            <a:endParaRPr lang="pt-BR" sz="1600"/>
+          </a:p>
+          <a:p>
+            <a:pPr lvl="0" algn="l" rtl="0">
+              <a:lnSpc>
+                <a:spcPct val="100000"/>
+              </a:lnSpc>
+              <a:spcBef>
+                <a:spcPts val="1600"/>
+              </a:spcBef>
+              <a:spcAft>
+                <a:spcPts val="0"/>
+              </a:spcAft>
+              <a:buSzPts val="1800"/>
+              <a:buFont typeface="Arial" panose="02080604020202020204" pitchFamily="34" charset="0"/>
+              <a:buChar char="•"/>
+            </a:pPr>
+            <a:r>
+              <a:rPr lang="pt-BR" sz="1600"/>
+              <a:t>É constituı́da por uma conjunção de uma ou mais cláusulas.</a:t>
+            </a:r>
+            <a:endParaRPr lang="pt-BR" sz="1600"/>
+          </a:p>
+          <a:p>
+            <a:pPr lvl="0" algn="l" rtl="0">
+              <a:lnSpc>
+                <a:spcPct val="100000"/>
+              </a:lnSpc>
+              <a:spcBef>
+                <a:spcPts val="1600"/>
+              </a:spcBef>
+              <a:spcAft>
+                <a:spcPts val="0"/>
+              </a:spcAft>
+              <a:buSzPts val="1800"/>
+              <a:buFont typeface="Arial" panose="02080604020202020204" pitchFamily="34" charset="0"/>
+              <a:buChar char="•"/>
+            </a:pPr>
+            <a:r>
+              <a:rPr lang="pt-BR" sz="1600"/>
+              <a:t>Cada cláusula é constituı́da por disjunções de um ou mais literais;</a:t>
+            </a:r>
+            <a:endParaRPr lang="pt-BR" sz="1600"/>
+          </a:p>
+          <a:p>
+            <a:pPr lvl="0" algn="l" rtl="0">
+              <a:lnSpc>
+                <a:spcPct val="100000"/>
+              </a:lnSpc>
+              <a:spcBef>
+                <a:spcPts val="1600"/>
+              </a:spcBef>
+              <a:spcAft>
+                <a:spcPts val="0"/>
+              </a:spcAft>
+              <a:buSzPts val="1800"/>
+              <a:buFont typeface="Arial" panose="02080604020202020204" pitchFamily="34" charset="0"/>
+              <a:buChar char="•"/>
+            </a:pPr>
+            <a:r>
+              <a:rPr lang="pt-BR" sz="1600"/>
+              <a:t>Um literal é uma ocorrência da variável, podendo ser a própria variável ou seu complemento.</a:t>
+            </a:r>
+            <a:endParaRPr lang="pt-BR"/>
+          </a:p>
+          <a:p>
+            <a:pPr marL="0" lvl="0" indent="0" algn="l" rtl="0">
+              <a:lnSpc>
+                <a:spcPct val="100000"/>
+              </a:lnSpc>
+              <a:spcBef>
+                <a:spcPts val="1600"/>
+              </a:spcBef>
+              <a:spcAft>
+                <a:spcPts val="0"/>
+              </a:spcAft>
+              <a:buNone/>
+            </a:pPr>
+          </a:p>
+          <a:p>
+            <a:pPr marL="0" lvl="0" indent="0" algn="l" rtl="0">
+              <a:lnSpc>
+                <a:spcPct val="100000"/>
+              </a:lnSpc>
+              <a:spcBef>
+                <a:spcPts val="1600"/>
+              </a:spcBef>
+              <a:spcAft>
+                <a:spcPts val="1600"/>
+              </a:spcAft>
+              <a:buNone/>
+            </a:pPr>
+          </a:p>
+        </p:txBody>
+      </p:sp>
+    </p:spTree>
+  </p:cSld>
+  <p:clrMapOvr>
+    <a:masterClrMapping/>
+  </p:clrMapOvr>
+</p:sld>
+</file>
+
+<file path=ppt/slides/slide20.xml><?xml version="1.0" encoding="utf-8"?>
 <p:sld xmlns:a="http://schemas.openxmlformats.org/drawingml/2006/main" xmlns:r="http://schemas.openxmlformats.org/officeDocument/2006/relationships" xmlns:p="http://schemas.openxmlformats.org/presentationml/2006/main">
   <p:cSld>
     <p:spTree>
@@ -10765,39 +12239,7 @@
                   <a:schemeClr val="tx1"/>
                 </a:solidFill>
               </a:rPr>
-              <a:t>L</a:t>
-            </a:r>
-            <a:r>
-              <a:rPr lang="" altLang="en-US" sz="1600">
-                <a:solidFill>
-                  <a:schemeClr val="tx1"/>
-                </a:solidFill>
-              </a:rPr>
-              <a:t>'</a:t>
-            </a:r>
-            <a:r>
-              <a:rPr lang="en-US" altLang="en-US" sz="1600">
-                <a:solidFill>
-                  <a:schemeClr val="tx1"/>
-                </a:solidFill>
-              </a:rPr>
-              <a:t> = n° de literais da </a:t>
-            </a:r>
-            <a:r>
-              <a:rPr lang="" altLang="en-US" sz="1600">
-                <a:solidFill>
-                  <a:schemeClr val="tx1"/>
-                </a:solidFill>
-              </a:rPr>
-              <a:t>maior </a:t>
-            </a:r>
-            <a:r>
-              <a:rPr lang="en-US" altLang="en-US" sz="1600">
-                <a:solidFill>
-                  <a:schemeClr val="tx1"/>
-                </a:solidFill>
-              </a:rPr>
-              <a:t>cláusula</a:t>
+              <a:t>L' = n° de literais da maior cláusula</a:t>
             </a:r>
             <a:endParaRPr lang="en-US" altLang="en-US" sz="1600">
               <a:solidFill>
@@ -10882,55 +12324,7 @@
                   <a:schemeClr val="tx1"/>
                 </a:solidFill>
               </a:rPr>
-              <a:t>O(N * (L</a:t>
-            </a:r>
-            <a:r>
-              <a:rPr lang="" altLang="en-US" sz="2000">
-                <a:solidFill>
-                  <a:schemeClr val="tx1"/>
-                </a:solidFill>
-              </a:rPr>
-              <a:t>'</a:t>
-            </a:r>
-            <a:r>
-              <a:rPr lang="en-US" altLang="en-US" sz="2000">
-                <a:solidFill>
-                  <a:schemeClr val="tx1"/>
-                </a:solidFill>
-              </a:rPr>
-              <a:t> - 4)) ou O(N</a:t>
-            </a:r>
-            <a:r>
-              <a:rPr lang="" altLang="en-US" sz="2000">
-                <a:solidFill>
-                  <a:schemeClr val="tx1"/>
-                </a:solidFill>
-              </a:rPr>
-              <a:t>*</a:t>
-            </a:r>
-            <a:r>
-              <a:rPr lang="en-US" altLang="en-US" sz="2000">
-                <a:solidFill>
-                  <a:schemeClr val="tx1"/>
-                </a:solidFill>
-              </a:rPr>
-              <a:t>L</a:t>
-            </a:r>
-            <a:r>
-              <a:rPr lang="" altLang="en-US" sz="2000">
-                <a:solidFill>
-                  <a:schemeClr val="tx1"/>
-                </a:solidFill>
-              </a:rPr>
-              <a:t>'</a:t>
-            </a:r>
-            <a:r>
-              <a:rPr lang="en-US" altLang="en-US" sz="2000">
-                <a:solidFill>
-                  <a:schemeClr val="tx1"/>
-                </a:solidFill>
-              </a:rPr>
-              <a:t>)</a:t>
+              <a:t>O(N * (L' - 4)) ou O(N*L')</a:t>
             </a:r>
             <a:endParaRPr lang="en-US" altLang="en-US" sz="2000">
               <a:solidFill>
@@ -11010,222 +12404,7 @@
 </p:sld>
 </file>
 
-<file path=ppt/slides/slide2.xml><?xml version="1.0" encoding="utf-8"?>
-<p:sld xmlns:a="http://schemas.openxmlformats.org/drawingml/2006/main" xmlns:r="http://schemas.openxmlformats.org/officeDocument/2006/relationships" xmlns:p="http://schemas.openxmlformats.org/presentationml/2006/main">
-  <p:cSld>
-    <p:spTree>
-      <p:nvGrpSpPr>
-        <p:cNvPr id="59" name="Shape 59"/>
-        <p:cNvGrpSpPr/>
-        <p:nvPr/>
-      </p:nvGrpSpPr>
-      <p:grpSpPr>
-        <a:xfrm>
-          <a:off x="0" y="0"/>
-          <a:ext cx="0" cy="0"/>
-          <a:chOff x="0" y="0"/>
-          <a:chExt cx="0" cy="0"/>
-        </a:xfrm>
-      </p:grpSpPr>
-      <p:sp>
-        <p:nvSpPr>
-          <p:cNvPr id="60" name="Google Shape;60;p14"/>
-          <p:cNvSpPr txBox="1"/>
-          <p:nvPr>
-            <p:ph type="title"/>
-          </p:nvPr>
-        </p:nvSpPr>
-        <p:spPr>
-          <a:xfrm>
-            <a:off x="311700" y="445025"/>
-            <a:ext cx="8520600" cy="572700"/>
-          </a:xfrm>
-          <a:prstGeom prst="rect">
-            <a:avLst/>
-          </a:prstGeom>
-        </p:spPr>
-        <p:txBody>
-          <a:bodyPr spcFirstLastPara="1" wrap="square" lIns="91425" tIns="91425" rIns="91425" bIns="91425" anchor="t" anchorCtr="0">
-            <a:noAutofit/>
-          </a:bodyPr>
-          <a:lstStyle/>
-          <a:p>
-            <a:pPr marL="0" lvl="0" indent="0" algn="l" rtl="0">
-              <a:spcBef>
-                <a:spcPts val="0"/>
-              </a:spcBef>
-              <a:spcAft>
-                <a:spcPts val="0"/>
-              </a:spcAft>
-              <a:buNone/>
-            </a:pPr>
-            <a:r>
-              <a:rPr lang="pt-BR"/>
-              <a:t>FNC (Forma Normal Conjuntiva)</a:t>
-            </a:r>
-            <a:endParaRPr lang="pt-BR"/>
-          </a:p>
-        </p:txBody>
-      </p:sp>
-      <p:sp>
-        <p:nvSpPr>
-          <p:cNvPr id="61" name="Google Shape;61;p14"/>
-          <p:cNvSpPr txBox="1"/>
-          <p:nvPr>
-            <p:ph type="body" idx="1"/>
-          </p:nvPr>
-        </p:nvSpPr>
-        <p:spPr>
-          <a:xfrm>
-            <a:off x="282050" y="1552675"/>
-            <a:ext cx="8520600" cy="2989500"/>
-          </a:xfrm>
-          <a:prstGeom prst="rect">
-            <a:avLst/>
-          </a:prstGeom>
-        </p:spPr>
-        <p:txBody>
-          <a:bodyPr spcFirstLastPara="1" wrap="square" lIns="91425" tIns="91425" rIns="91425" bIns="91425" anchor="t" anchorCtr="0">
-            <a:noAutofit/>
-          </a:bodyPr>
-          <a:lstStyle/>
-          <a:p>
-            <a:pPr marL="0" lvl="0" indent="0" algn="l" rtl="0">
-              <a:lnSpc>
-                <a:spcPct val="100000"/>
-              </a:lnSpc>
-              <a:spcBef>
-                <a:spcPts val="0"/>
-              </a:spcBef>
-              <a:spcAft>
-                <a:spcPts val="0"/>
-              </a:spcAft>
-              <a:buNone/>
-            </a:pPr>
-            <a:r>
-              <a:rPr lang="pt-BR" sz="1600"/>
-              <a:t>FNC - E</a:t>
-            </a:r>
-            <a:r>
-              <a:rPr lang="en-US" altLang="pt-BR" sz="1600"/>
-              <a:t>xpressão</a:t>
-            </a:r>
-            <a:r>
-              <a:rPr lang="pt-BR" sz="1600"/>
-              <a:t> booleana com operações </a:t>
-            </a:r>
-            <a:r>
-              <a:rPr lang="en-US" altLang="pt-BR" sz="1600"/>
-              <a:t>de</a:t>
-            </a:r>
-            <a:r>
-              <a:rPr lang="pt-BR" sz="1600"/>
-              <a:t> conjunção, disjunção e negação: </a:t>
-            </a:r>
-            <a:endParaRPr lang="pt-BR" sz="1600"/>
-          </a:p>
-          <a:p>
-            <a:pPr lvl="0" algn="l" rtl="0">
-              <a:lnSpc>
-                <a:spcPct val="100000"/>
-              </a:lnSpc>
-              <a:spcBef>
-                <a:spcPts val="1600"/>
-              </a:spcBef>
-              <a:spcAft>
-                <a:spcPts val="0"/>
-              </a:spcAft>
-              <a:buSzPts val="1800"/>
-              <a:buFont typeface="Arial" panose="02080604020202020204" pitchFamily="34" charset="0"/>
-              <a:buChar char="•"/>
-            </a:pPr>
-            <a:r>
-              <a:rPr lang="pt-BR" sz="1600"/>
-              <a:t>É constituı́da por uma conjunção de uma ou mais cláusulas.</a:t>
-            </a:r>
-            <a:endParaRPr lang="pt-BR" sz="1600"/>
-          </a:p>
-          <a:p>
-            <a:pPr lvl="0" algn="l" rtl="0">
-              <a:lnSpc>
-                <a:spcPct val="100000"/>
-              </a:lnSpc>
-              <a:spcBef>
-                <a:spcPts val="1600"/>
-              </a:spcBef>
-              <a:spcAft>
-                <a:spcPts val="0"/>
-              </a:spcAft>
-              <a:buSzPts val="1800"/>
-              <a:buFont typeface="Arial" panose="02080604020202020204" pitchFamily="34" charset="0"/>
-              <a:buChar char="•"/>
-            </a:pPr>
-            <a:r>
-              <a:rPr lang="pt-BR" sz="1600"/>
-              <a:t>Cada cláusula é constituı́da por disjunções de um ou mais literais;</a:t>
-            </a:r>
-            <a:endParaRPr lang="pt-BR" sz="1600"/>
-          </a:p>
-          <a:p>
-            <a:pPr lvl="0" algn="l" rtl="0">
-              <a:lnSpc>
-                <a:spcPct val="100000"/>
-              </a:lnSpc>
-              <a:spcBef>
-                <a:spcPts val="1600"/>
-              </a:spcBef>
-              <a:spcAft>
-                <a:spcPts val="0"/>
-              </a:spcAft>
-              <a:buSzPts val="1800"/>
-              <a:buFont typeface="Arial" panose="02080604020202020204" pitchFamily="34" charset="0"/>
-              <a:buChar char="•"/>
-            </a:pPr>
-            <a:r>
-              <a:rPr lang="pt-BR" sz="1600"/>
-              <a:t>Um literal é uma ocorrência da variável, podendo ser a própria variável ou seu complemento.</a:t>
-            </a:r>
-            <a:endParaRPr lang="pt-BR"/>
-          </a:p>
-          <a:p>
-            <a:pPr marL="0" lvl="0" indent="0" algn="l" rtl="0">
-              <a:lnSpc>
-                <a:spcPct val="100000"/>
-              </a:lnSpc>
-              <a:spcBef>
-                <a:spcPts val="1600"/>
-              </a:spcBef>
-              <a:spcAft>
-                <a:spcPts val="0"/>
-              </a:spcAft>
-              <a:buNone/>
-            </a:pPr>
-          </a:p>
-          <a:p>
-            <a:pPr marL="0" lvl="0" indent="0" algn="l" rtl="0">
-              <a:lnSpc>
-                <a:spcPct val="100000"/>
-              </a:lnSpc>
-              <a:spcBef>
-                <a:spcPts val="1600"/>
-              </a:spcBef>
-              <a:spcAft>
-                <a:spcPts val="1600"/>
-              </a:spcAft>
-              <a:buNone/>
-            </a:pPr>
-          </a:p>
-        </p:txBody>
-      </p:sp>
-    </p:spTree>
-  </p:cSld>
-  <p:clrMapOvr>
-    <a:masterClrMapping/>
-  </p:clrMapOvr>
-</p:sld>
-</file>
-
-<file path=ppt/slides/slide20.xml><?xml version="1.0" encoding="utf-8"?>
+<file path=ppt/slides/slide21.xml><?xml version="1.0" encoding="utf-8"?>
 <p:sld xmlns:a="http://schemas.openxmlformats.org/drawingml/2006/main" xmlns:r="http://schemas.openxmlformats.org/officeDocument/2006/relationships" xmlns:p="http://schemas.openxmlformats.org/presentationml/2006/main">
   <p:cSld>
     <p:spTree>
@@ -11531,7 +12710,7 @@
               <a:t>e literais </a:t>
             </a:r>
             <a:r>
-              <a:rPr lang="" altLang="en-US" sz="1600" i="1"/>
+              <a:rPr lang="en-US" altLang="en-US" sz="1600" i="1"/>
               <a:t>de</a:t>
             </a:r>
             <a:r>
@@ -12057,6 +13236,429 @@
 </file>
 
 <file path=ppt/slides/slide6.xml><?xml version="1.0" encoding="utf-8"?>
+<p:sld xmlns:a="http://schemas.openxmlformats.org/drawingml/2006/main" xmlns:r="http://schemas.openxmlformats.org/officeDocument/2006/relationships" xmlns:p="http://schemas.openxmlformats.org/presentationml/2006/main">
+  <p:cSld>
+    <p:spTree>
+      <p:nvGrpSpPr>
+        <p:cNvPr id="1" name=""/>
+        <p:cNvGrpSpPr/>
+        <p:nvPr/>
+      </p:nvGrpSpPr>
+      <p:grpSpPr/>
+      <p:sp>
+        <p:nvSpPr>
+          <p:cNvPr id="2" name="Title 1"/>
+          <p:cNvSpPr/>
+          <p:nvPr>
+            <p:ph type="title"/>
+          </p:nvPr>
+        </p:nvSpPr>
+        <p:spPr/>
+        <p:txBody>
+          <a:bodyPr/>
+          <a:p>
+            <a:r>
+              <a:rPr lang="pt-BR">
+                <a:sym typeface="+mn-ea"/>
+              </a:rPr>
+              <a:t>Algoritmo de verificação</a:t>
+            </a:r>
+            <a:br>
+              <a:rPr lang="pt-BR"/>
+            </a:br>
+            <a:endParaRPr lang="en-US"/>
+          </a:p>
+        </p:txBody>
+      </p:sp>
+      <p:sp>
+        <p:nvSpPr>
+          <p:cNvPr id="3" name="Text Placeholder 2"/>
+          <p:cNvSpPr/>
+          <p:nvPr>
+            <p:ph type="body" idx="1"/>
+          </p:nvPr>
+        </p:nvSpPr>
+        <p:spPr/>
+        <p:txBody>
+          <a:bodyPr/>
+          <a:p>
+            <a:pPr marL="114300" indent="0">
+              <a:buNone/>
+            </a:pPr>
+            <a:r>
+              <a:rPr lang="" altLang="en-US">
+                <a:solidFill>
+                  <a:schemeClr val="tx1"/>
+                </a:solidFill>
+              </a:rPr>
+              <a:t>instancia</a:t>
+            </a:r>
+            <a:r>
+              <a:rPr lang="" altLang="en-US"/>
+              <a:t> = (</a:t>
+            </a:r>
+            <a:r>
+              <a:rPr lang="" altLang="en-US">
+                <a:solidFill>
+                  <a:schemeClr val="accent1">
+                    <a:lumMod val="60000"/>
+                    <a:lumOff val="40000"/>
+                  </a:schemeClr>
+                </a:solidFill>
+              </a:rPr>
+              <a:t>x</a:t>
+            </a:r>
+            <a:r>
+              <a:rPr lang="" altLang="en-US" baseline="-25000">
+                <a:solidFill>
+                  <a:schemeClr val="accent1">
+                    <a:lumMod val="60000"/>
+                    <a:lumOff val="40000"/>
+                  </a:schemeClr>
+                </a:solidFill>
+              </a:rPr>
+              <a:t>0</a:t>
+            </a:r>
+            <a:r>
+              <a:rPr lang="" altLang="en-US"/>
+              <a:t> V </a:t>
+            </a:r>
+            <a:r>
+              <a:rPr lang="" altLang="en-US">
+                <a:solidFill>
+                  <a:srgbClr val="FFFF00"/>
+                </a:solidFill>
+              </a:rPr>
+              <a:t>x</a:t>
+            </a:r>
+            <a:r>
+              <a:rPr lang="" altLang="en-US" baseline="-25000">
+                <a:solidFill>
+                  <a:srgbClr val="FFFF00"/>
+                </a:solidFill>
+              </a:rPr>
+              <a:t>1</a:t>
+            </a:r>
+            <a:r>
+              <a:rPr lang="" altLang="en-US"/>
+              <a:t> V </a:t>
+            </a:r>
+            <a:r>
+              <a:rPr lang="" altLang="en-US">
+                <a:solidFill>
+                  <a:srgbClr val="FF0000"/>
+                </a:solidFill>
+              </a:rPr>
+              <a:t>x</a:t>
+            </a:r>
+            <a:r>
+              <a:rPr lang="" altLang="en-US" baseline="-25000">
+                <a:solidFill>
+                  <a:srgbClr val="FF0000"/>
+                </a:solidFill>
+              </a:rPr>
+              <a:t>2</a:t>
+            </a:r>
+            <a:r>
+              <a:rPr lang="" altLang="en-US"/>
+              <a:t>) /\ (!</a:t>
+            </a:r>
+            <a:r>
+              <a:rPr lang="" altLang="en-US">
+                <a:solidFill>
+                  <a:schemeClr val="accent1">
+                    <a:lumMod val="60000"/>
+                    <a:lumOff val="40000"/>
+                  </a:schemeClr>
+                </a:solidFill>
+              </a:rPr>
+              <a:t>x</a:t>
+            </a:r>
+            <a:r>
+              <a:rPr lang="" altLang="en-US" baseline="-25000">
+                <a:solidFill>
+                  <a:schemeClr val="accent1">
+                    <a:lumMod val="60000"/>
+                    <a:lumOff val="40000"/>
+                  </a:schemeClr>
+                </a:solidFill>
+              </a:rPr>
+              <a:t>0</a:t>
+            </a:r>
+            <a:r>
+              <a:rPr lang="" altLang="en-US"/>
+              <a:t> V !</a:t>
+            </a:r>
+            <a:r>
+              <a:rPr lang="" altLang="en-US">
+                <a:solidFill>
+                  <a:srgbClr val="FFFF00"/>
+                </a:solidFill>
+              </a:rPr>
+              <a:t>x</a:t>
+            </a:r>
+            <a:r>
+              <a:rPr lang="" altLang="en-US" baseline="-25000">
+                <a:solidFill>
+                  <a:srgbClr val="FFFF00"/>
+                </a:solidFill>
+              </a:rPr>
+              <a:t>1</a:t>
+            </a:r>
+            <a:r>
+              <a:rPr lang="" altLang="en-US">
+                <a:solidFill>
+                  <a:srgbClr val="FFFF00"/>
+                </a:solidFill>
+              </a:rPr>
+              <a:t> </a:t>
+            </a:r>
+            <a:r>
+              <a:rPr lang="" altLang="en-US"/>
+              <a:t>V </a:t>
+            </a:r>
+            <a:r>
+              <a:rPr lang="" altLang="en-US">
+                <a:solidFill>
+                  <a:srgbClr val="00B050"/>
+                </a:solidFill>
+              </a:rPr>
+              <a:t>x</a:t>
+            </a:r>
+            <a:r>
+              <a:rPr lang="" altLang="en-US" baseline="-25000">
+                <a:solidFill>
+                  <a:srgbClr val="00B050"/>
+                </a:solidFill>
+              </a:rPr>
+              <a:t>3</a:t>
+            </a:r>
+            <a:r>
+              <a:rPr lang="" altLang="en-US"/>
+              <a:t>) /\ (!</a:t>
+            </a:r>
+            <a:r>
+              <a:rPr lang="" altLang="en-US">
+                <a:solidFill>
+                  <a:schemeClr val="accent1">
+                    <a:lumMod val="60000"/>
+                    <a:lumOff val="40000"/>
+                  </a:schemeClr>
+                </a:solidFill>
+              </a:rPr>
+              <a:t>x</a:t>
+            </a:r>
+            <a:r>
+              <a:rPr lang="" altLang="en-US" baseline="-25000">
+                <a:solidFill>
+                  <a:schemeClr val="accent1">
+                    <a:lumMod val="60000"/>
+                    <a:lumOff val="40000"/>
+                  </a:schemeClr>
+                </a:solidFill>
+              </a:rPr>
+              <a:t>0</a:t>
+            </a:r>
+            <a:r>
+              <a:rPr lang="" altLang="en-US"/>
+              <a:t> V !</a:t>
+            </a:r>
+            <a:r>
+              <a:rPr lang="" altLang="en-US">
+                <a:solidFill>
+                  <a:srgbClr val="00B050"/>
+                </a:solidFill>
+              </a:rPr>
+              <a:t>x</a:t>
+            </a:r>
+            <a:r>
+              <a:rPr lang="" altLang="en-US" baseline="-25000">
+                <a:solidFill>
+                  <a:srgbClr val="00B050"/>
+                </a:solidFill>
+              </a:rPr>
+              <a:t>3</a:t>
+            </a:r>
+            <a:r>
+              <a:rPr lang="" altLang="en-US">
+                <a:solidFill>
+                  <a:srgbClr val="00B050"/>
+                </a:solidFill>
+              </a:rPr>
+              <a:t> </a:t>
+            </a:r>
+            <a:r>
+              <a:rPr lang="" altLang="en-US"/>
+              <a:t>V !</a:t>
+            </a:r>
+            <a:r>
+              <a:rPr lang="" altLang="en-US">
+                <a:solidFill>
+                  <a:srgbClr val="FF0000"/>
+                </a:solidFill>
+              </a:rPr>
+              <a:t>x</a:t>
+            </a:r>
+            <a:r>
+              <a:rPr lang="" altLang="en-US" baseline="-25000">
+                <a:solidFill>
+                  <a:srgbClr val="FF0000"/>
+                </a:solidFill>
+              </a:rPr>
+              <a:t>2</a:t>
+            </a:r>
+            <a:r>
+              <a:rPr lang="" altLang="en-US"/>
+              <a:t>)</a:t>
+            </a:r>
+            <a:endParaRPr lang="" altLang="en-US"/>
+          </a:p>
+          <a:p>
+            <a:pPr marL="114300" indent="0">
+              <a:buNone/>
+            </a:pPr>
+            <a:r>
+              <a:rPr lang="" altLang="en-US">
+                <a:solidFill>
+                  <a:schemeClr val="tx1"/>
+                </a:solidFill>
+              </a:rPr>
+              <a:t>certificado</a:t>
+            </a:r>
+            <a:r>
+              <a:rPr lang="" altLang="en-US"/>
+              <a:t> = {</a:t>
+            </a:r>
+            <a:r>
+              <a:rPr lang="" altLang="en-US">
+                <a:solidFill>
+                  <a:schemeClr val="accent1">
+                    <a:lumMod val="60000"/>
+                    <a:lumOff val="40000"/>
+                  </a:schemeClr>
+                </a:solidFill>
+              </a:rPr>
+              <a:t>true</a:t>
+            </a:r>
+            <a:r>
+              <a:rPr lang="" altLang="en-US"/>
+              <a:t>, </a:t>
+            </a:r>
+            <a:r>
+              <a:rPr lang="" altLang="en-US">
+                <a:solidFill>
+                  <a:srgbClr val="FFFF00"/>
+                </a:solidFill>
+              </a:rPr>
+              <a:t>false</a:t>
+            </a:r>
+            <a:r>
+              <a:rPr lang="" altLang="en-US"/>
+              <a:t>, </a:t>
+            </a:r>
+            <a:r>
+              <a:rPr lang="" altLang="en-US">
+                <a:solidFill>
+                  <a:srgbClr val="FF0000"/>
+                </a:solidFill>
+              </a:rPr>
+              <a:t>false</a:t>
+            </a:r>
+            <a:r>
+              <a:rPr lang="" altLang="en-US"/>
+              <a:t>, </a:t>
+            </a:r>
+            <a:r>
+              <a:rPr lang="" altLang="en-US">
+                <a:solidFill>
+                  <a:srgbClr val="00B050"/>
+                </a:solidFill>
+              </a:rPr>
+              <a:t>false</a:t>
+            </a:r>
+            <a:r>
+              <a:rPr lang="" altLang="en-US"/>
+              <a:t>}</a:t>
+            </a:r>
+            <a:endParaRPr lang="" altLang="en-US"/>
+          </a:p>
+          <a:p>
+            <a:pPr marL="114300" indent="0">
+              <a:buNone/>
+            </a:pPr>
+            <a:endParaRPr lang="" altLang="en-US"/>
+          </a:p>
+          <a:p>
+            <a:pPr marL="114300" indent="0">
+              <a:buNone/>
+            </a:pPr>
+            <a:endParaRPr lang="" altLang="en-US"/>
+          </a:p>
+          <a:p>
+            <a:pPr marL="114300" indent="0" algn="ctr">
+              <a:buNone/>
+            </a:pPr>
+            <a:r>
+              <a:rPr lang="" altLang="en-US">
+                <a:solidFill>
+                  <a:schemeClr val="tx1"/>
+                </a:solidFill>
+              </a:rPr>
+              <a:t>(true V false V false) /\ (false V true V false) /\ (false V true V true)</a:t>
+            </a:r>
+            <a:endParaRPr lang="" altLang="en-US">
+              <a:solidFill>
+                <a:schemeClr val="tx1"/>
+              </a:solidFill>
+            </a:endParaRPr>
+          </a:p>
+          <a:p>
+            <a:pPr marL="114300" indent="0" algn="ctr">
+              <a:buNone/>
+            </a:pPr>
+            <a:r>
+              <a:rPr lang="" altLang="en-US">
+                <a:solidFill>
+                  <a:schemeClr val="tx1"/>
+                </a:solidFill>
+              </a:rPr>
+              <a:t>(true /\ true /\ true)</a:t>
+            </a:r>
+            <a:endParaRPr lang="" altLang="en-US">
+              <a:solidFill>
+                <a:schemeClr val="tx1"/>
+              </a:solidFill>
+            </a:endParaRPr>
+          </a:p>
+          <a:p>
+            <a:pPr marL="114300" indent="0" algn="ctr">
+              <a:buNone/>
+            </a:pPr>
+            <a:r>
+              <a:rPr lang="" altLang="en-US">
+                <a:solidFill>
+                  <a:schemeClr val="tx1"/>
+                </a:solidFill>
+              </a:rPr>
+              <a:t>true</a:t>
+            </a:r>
+            <a:endParaRPr lang="" altLang="en-US">
+              <a:solidFill>
+                <a:schemeClr val="tx1"/>
+              </a:solidFill>
+            </a:endParaRPr>
+          </a:p>
+        </p:txBody>
+      </p:sp>
+    </p:spTree>
+  </p:cSld>
+  <p:clrMapOvr>
+    <a:masterClrMapping/>
+  </p:clrMapOvr>
+</p:sld>
+</file>
+
+<file path=ppt/slides/slide7.xml><?xml version="1.0" encoding="utf-8"?>
 <p:sld xmlns:a="http://schemas.openxmlformats.org/drawingml/2006/main" xmlns:r="http://schemas.openxmlformats.org/officeDocument/2006/relationships" xmlns:p="http://schemas.openxmlformats.org/presentationml/2006/main">
   <p:cSld>
     <p:spTree>
@@ -12316,33 +13918,9 @@
                   <a:schemeClr val="tx1"/>
                 </a:solidFill>
               </a:rPr>
-              <a:t>N = n° </a:t>
-            </a:r>
-            <a:r>
-              <a:rPr lang="" altLang="en-US" sz="1600">
-                <a:solidFill>
-                  <a:schemeClr val="tx1"/>
-                </a:solidFill>
-              </a:rPr>
-              <a:t>total</a:t>
-            </a:r>
-            <a:r>
-              <a:rPr lang="en-US" altLang="en-US" sz="1600">
-                <a:solidFill>
-                  <a:schemeClr val="tx1"/>
-                </a:solidFill>
-              </a:rPr>
-              <a:t> de cláusulas </a:t>
-            </a:r>
-            <a:r>
-              <a:rPr lang="" altLang="en-US" sz="1600">
-                <a:solidFill>
-                  <a:schemeClr val="tx1"/>
-                </a:solidFill>
-              </a:rPr>
-              <a:t>da expressão</a:t>
-            </a:r>
-            <a:endParaRPr lang="" altLang="en-US" sz="1600">
+              <a:t>N = n° total de cláusulas da expressão</a:t>
+            </a:r>
+            <a:endParaRPr lang="en-US" altLang="en-US" sz="1600">
               <a:solidFill>
                 <a:schemeClr val="tx1"/>
               </a:solidFill>
@@ -12412,7 +13990,7 @@
 </p:sld>
 </file>
 
-<file path=ppt/slides/slide7.xml><?xml version="1.0" encoding="utf-8"?>
+<file path=ppt/slides/slide8.xml><?xml version="1.0" encoding="utf-8"?>
 <p:sld xmlns:a="http://schemas.openxmlformats.org/drawingml/2006/main" xmlns:r="http://schemas.openxmlformats.org/officeDocument/2006/relationships" xmlns:p="http://schemas.openxmlformats.org/presentationml/2006/main">
   <p:cSld>
     <p:spTree>
@@ -12505,10 +14083,18 @@
               <a:buNone/>
             </a:pPr>
             <a:r>
-              <a:rPr lang="pt-BR" sz="1600"/>
+              <a:rPr lang="pt-BR" sz="1600">
+                <a:solidFill>
+                  <a:schemeClr val="tx1"/>
+                </a:solidFill>
+              </a:rPr>
               <a:t>Para provar que um problema pertence à classe dos problemas NP-Difíceis parte-se de qualquer instância de um problema já conhecido e provado NP-Completo e obtém-se, em tempo polinomial, uma instância do problema que se deseja provar, de forma que as respostas sejam equivalentes(Redução).</a:t>
             </a:r>
-            <a:endParaRPr sz="1600"/>
+            <a:endParaRPr sz="1600">
+              <a:solidFill>
+                <a:schemeClr val="tx1"/>
+              </a:solidFill>
+            </a:endParaRPr>
           </a:p>
           <a:p>
             <a:pPr marL="0" lvl="0" indent="0" algn="l" rtl="0">
@@ -12523,7 +14109,11 @@
               </a:spcAft>
               <a:buNone/>
             </a:pPr>
-            <a:endParaRPr sz="1600"/>
+            <a:endParaRPr sz="1600">
+              <a:solidFill>
+                <a:schemeClr val="tx1"/>
+              </a:solidFill>
+            </a:endParaRPr>
           </a:p>
           <a:p>
             <a:pPr marL="0" lvl="0" indent="457200" algn="l" rtl="0">
@@ -12539,11 +14129,19 @@
               <a:buNone/>
             </a:pPr>
             <a:r>
-              <a:rPr lang="pt-BR" sz="1600"/>
+              <a:rPr lang="pt-BR" sz="1600">
+                <a:solidFill>
+                  <a:schemeClr val="tx1"/>
+                </a:solidFill>
+              </a:rPr>
               <a:t>Neste caso, para provar que 3-SAT pertence a NP-Difícil será realizada a redução do problema SAT para 3-SAT, transformando todas as cláusulas de SAT para que possuam exatamente 3 literais em ca</a:t>
             </a:r>
             <a:r>
-              <a:rPr lang="" altLang="pt-BR" sz="1600"/>
+              <a:rPr lang="en-US" altLang="pt-BR" sz="1600">
+                <a:solidFill>
+                  <a:schemeClr val="tx1"/>
+                </a:solidFill>
+              </a:rPr>
               <a:t>da e ambos os problemas tenham igual resposta.</a:t>
             </a:r>
             <a:endParaRPr sz="1600"/>
@@ -12644,7 +14242,7 @@
 </p:sld>
 </file>
 
-<file path=ppt/slides/slide8.xml><?xml version="1.0" encoding="utf-8"?>
+<file path=ppt/slides/slide9.xml><?xml version="1.0" encoding="utf-8"?>
 <p:sld xmlns:a="http://schemas.openxmlformats.org/drawingml/2006/main" xmlns:r="http://schemas.openxmlformats.org/officeDocument/2006/relationships" xmlns:p="http://schemas.openxmlformats.org/presentationml/2006/main">
   <p:cSld>
     <p:spTree>
@@ -12734,38 +14332,74 @@
               <a:buNone/>
             </a:pPr>
             <a:r>
-              <a:rPr lang="en-US" altLang="pt-BR" sz="1600"/>
+              <a:rPr lang="en-US" altLang="pt-BR" sz="1600">
+                <a:solidFill>
+                  <a:schemeClr val="tx1"/>
+                </a:solidFill>
+              </a:rPr>
               <a:t>	</a:t>
             </a:r>
             <a:r>
-              <a:rPr lang="pt-BR" sz="1600"/>
+              <a:rPr lang="pt-BR" sz="1600">
+                <a:solidFill>
+                  <a:schemeClr val="tx1"/>
+                </a:solidFill>
+              </a:rPr>
               <a:t>Para cada cláusula </a:t>
             </a:r>
             <a:r>
-              <a:rPr lang="en-US" altLang="pt-BR" sz="1600"/>
+              <a:rPr lang="en-US" altLang="pt-BR" sz="1600">
+                <a:solidFill>
+                  <a:schemeClr val="tx1"/>
+                </a:solidFill>
+              </a:rPr>
               <a:t>da expressão SAT</a:t>
             </a:r>
             <a:r>
-              <a:rPr lang="pt-BR" sz="1600"/>
+              <a:rPr lang="pt-BR" sz="1600">
+                <a:solidFill>
+                  <a:schemeClr val="tx1"/>
+                </a:solidFill>
+              </a:rPr>
               <a:t>, cria-se a devida equivalência </a:t>
             </a:r>
             <a:r>
-              <a:rPr lang="en-US" altLang="pt-BR" sz="1600"/>
+              <a:rPr lang="en-US" altLang="pt-BR" sz="1600">
+                <a:solidFill>
+                  <a:schemeClr val="tx1"/>
+                </a:solidFill>
+              </a:rPr>
               <a:t>na </a:t>
             </a:r>
             <a:r>
-              <a:rPr lang="" altLang="en-US" sz="1600"/>
+              <a:rPr lang="en-US" altLang="en-US" sz="1600">
+                <a:solidFill>
+                  <a:schemeClr val="tx1"/>
+                </a:solidFill>
+              </a:rPr>
               <a:t>nova</a:t>
             </a:r>
             <a:r>
-              <a:rPr lang="en-US" altLang="pt-BR" sz="1600"/>
+              <a:rPr lang="en-US" altLang="pt-BR" sz="1600">
+                <a:solidFill>
+                  <a:schemeClr val="tx1"/>
+                </a:solidFill>
+              </a:rPr>
               <a:t> expressão 3SAT</a:t>
             </a:r>
             <a:r>
-              <a:rPr lang="pt-BR" sz="1600"/>
+              <a:rPr lang="pt-BR" sz="1600">
+                <a:solidFill>
+                  <a:schemeClr val="tx1"/>
+                </a:solidFill>
+              </a:rPr>
               <a:t> da seguinte forma:</a:t>
             </a:r>
-            <a:endParaRPr lang="pt-BR" sz="1600"/>
+            <a:endParaRPr lang="pt-BR" sz="1600">
+              <a:solidFill>
+                <a:schemeClr val="tx1"/>
+              </a:solidFill>
+            </a:endParaRPr>
           </a:p>
           <a:p>
             <a:pPr marL="0" lvl="0" indent="0" algn="l" rtl="0">
@@ -12778,10 +14412,18 @@
               <a:buNone/>
             </a:pPr>
             <a:r>
-              <a:rPr lang="pt-BR" sz="1600"/>
+              <a:rPr lang="pt-BR" sz="1600">
+                <a:solidFill>
+                  <a:schemeClr val="tx1"/>
+                </a:solidFill>
+              </a:rPr>
               <a:t>Se cláusula tem apenas 1 literal:</a:t>
             </a:r>
-            <a:endParaRPr lang="pt-BR" sz="1600"/>
+            <a:endParaRPr lang="pt-BR" sz="1600">
+              <a:solidFill>
+                <a:schemeClr val="tx1"/>
+              </a:solidFill>
+            </a:endParaRPr>
           </a:p>
           <a:p>
             <a:pPr marL="0" lvl="0" indent="0" algn="l" rtl="0">
@@ -12794,40 +14436,75 @@
               <a:buNone/>
             </a:pPr>
             <a:r>
-              <a:rPr lang="en-US" altLang="pt-BR" sz="1600"/>
+              <a:rPr lang="en-US" altLang="pt-BR" sz="1600">
+                <a:solidFill>
+                  <a:schemeClr val="tx1"/>
+                </a:solidFill>
+              </a:rPr>
               <a:t>	Cria-se</a:t>
             </a:r>
             <a:r>
-              <a:rPr lang="pt-BR" sz="1600"/>
+              <a:rPr lang="pt-BR" sz="1600">
+                <a:solidFill>
+                  <a:schemeClr val="tx1"/>
+                </a:solidFill>
+              </a:rPr>
               <a:t> duas novas variáveis </a:t>
             </a:r>
             <a:r>
-              <a:rPr lang="en-US" altLang="pt-BR" sz="1600"/>
+              <a:rPr lang="en-US" altLang="pt-BR" sz="1600">
+                <a:solidFill>
+                  <a:schemeClr val="tx1"/>
+                </a:solidFill>
+              </a:rPr>
               <a:t>e a</a:t>
             </a:r>
             <a:r>
               <a:rPr lang="pt-BR" sz="1600">
+                <a:solidFill>
+                  <a:schemeClr val="tx1"/>
+                </a:solidFill>
                 <a:sym typeface="+mn-ea"/>
               </a:rPr>
               <a:t>dicionam-se</a:t>
             </a:r>
             <a:r>
-              <a:rPr lang="pt-BR" sz="1600"/>
+              <a:rPr lang="pt-BR" sz="1600">
+                <a:solidFill>
+                  <a:schemeClr val="tx1"/>
+                </a:solidFill>
+              </a:rPr>
               <a:t> quatro cláusulas </a:t>
             </a:r>
             <a:r>
-              <a:rPr lang="en-US" altLang="pt-BR" sz="1600"/>
+              <a:rPr lang="en-US" altLang="pt-BR" sz="1600">
+                <a:solidFill>
+                  <a:schemeClr val="tx1"/>
+                </a:solidFill>
+              </a:rPr>
               <a:t>para a nova expressão</a:t>
             </a:r>
             <a:r>
-              <a:rPr lang="pt-BR" sz="1600"/>
+              <a:rPr lang="pt-BR" sz="1600">
+                <a:solidFill>
+                  <a:schemeClr val="tx1"/>
+                </a:solidFill>
+              </a:rPr>
               <a:t> </a:t>
             </a:r>
             <a:r>
-              <a:rPr lang="en-US" altLang="pt-BR" sz="1600"/>
+              <a:rPr lang="en-US" altLang="pt-BR" sz="1600">
+                <a:solidFill>
+                  <a:schemeClr val="tx1"/>
+                </a:solidFill>
+              </a:rPr>
               <a:t>com:</a:t>
             </a:r>
-            <a:endParaRPr lang="en-US" altLang="pt-BR" sz="1600"/>
+            <a:endParaRPr lang="en-US" altLang="pt-BR" sz="1600">
+              <a:solidFill>
+                <a:schemeClr val="tx1"/>
+              </a:solidFill>
+            </a:endParaRPr>
           </a:p>
           <a:p>
             <a:pPr marL="742950" lvl="1" indent="-285750" algn="l" rtl="0">
@@ -12841,10 +14518,18 @@
               <a:buChar char="•"/>
             </a:pPr>
             <a:r>
-              <a:rPr lang="en-US" altLang="pt-BR" sz="1240"/>
+              <a:rPr lang="en-US" altLang="pt-BR" sz="1240">
+                <a:solidFill>
+                  <a:schemeClr val="tx1"/>
+                </a:solidFill>
+              </a:rPr>
               <a:t>literal (SAT);</a:t>
             </a:r>
-            <a:endParaRPr lang="en-US" altLang="pt-BR" sz="1240"/>
+            <a:endParaRPr lang="en-US" altLang="pt-BR" sz="1240">
+              <a:solidFill>
+                <a:schemeClr val="tx1"/>
+              </a:solidFill>
+            </a:endParaRPr>
           </a:p>
           <a:p>
             <a:pPr marL="742950" lvl="1" indent="-285750" algn="l" rtl="0">
@@ -12858,10 +14543,18 @@
               <a:buChar char="•"/>
             </a:pPr>
             <a:r>
-              <a:rPr lang="en-US" altLang="pt-BR" sz="1240"/>
+              <a:rPr lang="en-US" altLang="pt-BR" sz="1240">
+                <a:solidFill>
+                  <a:schemeClr val="tx1"/>
+                </a:solidFill>
+              </a:rPr>
               <a:t>combinações variando as possíveis atribuições das novas variáveis.</a:t>
             </a:r>
-            <a:endParaRPr lang="pt-BR" sz="1240"/>
+            <a:endParaRPr lang="pt-BR" sz="1240">
+              <a:solidFill>
+                <a:schemeClr val="tx1"/>
+              </a:solidFill>
+            </a:endParaRPr>
           </a:p>
           <a:p>
             <a:pPr marL="0" lvl="0" indent="0" algn="l" rtl="0">
@@ -12874,7 +14567,11 @@
               <a:buNone/>
             </a:pPr>
             <a:r>
-              <a:rPr lang="en-US" altLang="pt-BR" sz="1400" i="1"/>
+              <a:rPr lang="en-US" altLang="pt-BR" sz="1400" i="1">
+                <a:solidFill>
+                  <a:schemeClr val="tx1"/>
+                </a:solidFill>
+              </a:rPr>
               <a:t>**Quando o único literal(SAT) for verdadeiro todas as novas cláusulas serão verdadeiras, quando falso ao menos 1 será falsa.</a:t>
             </a:r>
             <a:endParaRPr lang="pt-BR" sz="1600"/>
@@ -12914,223 +14611,6 @@
               <a:buNone/>
             </a:pPr>
             <a:endParaRPr sz="1600"/>
-          </a:p>
-        </p:txBody>
-      </p:sp>
-    </p:spTree>
-  </p:cSld>
-  <p:clrMapOvr>
-    <a:masterClrMapping/>
-  </p:clrMapOvr>
-</p:sld>
-</file>
-
-<file path=ppt/slides/slide9.xml><?xml version="1.0" encoding="utf-8"?>
-<p:sld xmlns:a="http://schemas.openxmlformats.org/drawingml/2006/main" xmlns:r="http://schemas.openxmlformats.org/officeDocument/2006/relationships" xmlns:p="http://schemas.openxmlformats.org/presentationml/2006/main">
-  <p:cSld>
-    <p:spTree>
-      <p:nvGrpSpPr>
-        <p:cNvPr id="1" name=""/>
-        <p:cNvGrpSpPr/>
-        <p:nvPr/>
-      </p:nvGrpSpPr>
-      <p:grpSpPr/>
-      <p:sp>
-        <p:nvSpPr>
-          <p:cNvPr id="2" name="Title 1"/>
-          <p:cNvSpPr/>
-          <p:nvPr>
-            <p:ph type="title"/>
-          </p:nvPr>
-        </p:nvSpPr>
-        <p:spPr>
-          <a:xfrm>
-            <a:off x="3900170" y="1296670"/>
-            <a:ext cx="2527935" cy="572770"/>
-          </a:xfrm>
-        </p:spPr>
-        <p:txBody>
-          <a:bodyPr/>
-          <a:p>
-            <a:r>
-              <a:rPr lang="en-US" altLang="en-US"/>
-              <a:t>(x</a:t>
-            </a:r>
-            <a:r>
-              <a:rPr lang="en-US" altLang="en-US" baseline="-25000"/>
-              <a:t>3</a:t>
-            </a:r>
-            <a:r>
-              <a:rPr lang="en-US" altLang="en-US"/>
-              <a:t>)</a:t>
-            </a:r>
-            <a:endParaRPr lang="en-US" altLang="en-US" baseline="-25000"/>
-          </a:p>
-        </p:txBody>
-      </p:sp>
-      <p:sp>
-        <p:nvSpPr>
-          <p:cNvPr id="3" name="Text Placeholder 2"/>
-          <p:cNvSpPr/>
-          <p:nvPr>
-            <p:ph type="body" idx="1"/>
-          </p:nvPr>
-        </p:nvSpPr>
-        <p:spPr>
-          <a:xfrm>
-            <a:off x="73025" y="2022475"/>
-            <a:ext cx="8998585" cy="766445"/>
-          </a:xfrm>
-        </p:spPr>
-        <p:txBody>
-          <a:bodyPr/>
-          <a:p>
-            <a:pPr marL="114300" indent="0">
-              <a:buNone/>
-            </a:pPr>
-            <a:r>
-              <a:rPr lang="en-US" altLang="en-US" sz="2200"/>
-              <a:t>(x</a:t>
-            </a:r>
-            <a:r>
-              <a:rPr lang="en-US" altLang="en-US" sz="2200" baseline="-25000"/>
-              <a:t>3</a:t>
-            </a:r>
-            <a:r>
-              <a:rPr lang="en-US" altLang="en-US" sz="2200"/>
-              <a:t> V z</a:t>
-            </a:r>
-            <a:r>
-              <a:rPr lang="en-US" altLang="en-US" sz="2200" baseline="-25000"/>
-              <a:t>0</a:t>
-            </a:r>
-            <a:r>
-              <a:rPr lang="en-US" altLang="en-US" sz="2200"/>
-              <a:t> V z</a:t>
-            </a:r>
-            <a:r>
-              <a:rPr lang="en-US" altLang="en-US" sz="2200" baseline="-25000"/>
-              <a:t>1</a:t>
-            </a:r>
-            <a:r>
-              <a:rPr lang="en-US" altLang="en-US" sz="2200"/>
-              <a:t>) /\ </a:t>
-            </a:r>
-            <a:r>
-              <a:rPr lang="en-US" altLang="en-US" sz="2200">
-                <a:sym typeface="+mn-ea"/>
-              </a:rPr>
-              <a:t>(x</a:t>
-            </a:r>
-            <a:r>
-              <a:rPr lang="en-US" altLang="en-US" sz="2200" baseline="-25000">
-                <a:sym typeface="+mn-ea"/>
-              </a:rPr>
-              <a:t>3</a:t>
-            </a:r>
-            <a:r>
-              <a:rPr lang="en-US" altLang="en-US" sz="2200">
-                <a:sym typeface="+mn-ea"/>
-              </a:rPr>
-              <a:t> V z</a:t>
-            </a:r>
-            <a:r>
-              <a:rPr lang="en-US" altLang="en-US" sz="2200" baseline="-25000">
-                <a:sym typeface="+mn-ea"/>
-              </a:rPr>
-              <a:t>0</a:t>
-            </a:r>
-            <a:r>
-              <a:rPr lang="en-US" altLang="en-US" sz="2200">
-                <a:sym typeface="+mn-ea"/>
-              </a:rPr>
-              <a:t> V !z</a:t>
-            </a:r>
-            <a:r>
-              <a:rPr lang="en-US" altLang="en-US" sz="2200" baseline="-25000">
-                <a:sym typeface="+mn-ea"/>
-              </a:rPr>
-              <a:t>1</a:t>
-            </a:r>
-            <a:r>
-              <a:rPr lang="en-US" altLang="en-US" sz="2200">
-                <a:sym typeface="+mn-ea"/>
-              </a:rPr>
-              <a:t>) /\ (x</a:t>
-            </a:r>
-            <a:r>
-              <a:rPr lang="en-US" altLang="en-US" sz="2200" baseline="-25000">
-                <a:sym typeface="+mn-ea"/>
-              </a:rPr>
-              <a:t>3</a:t>
-            </a:r>
-            <a:r>
-              <a:rPr lang="en-US" altLang="en-US" sz="2200">
-                <a:sym typeface="+mn-ea"/>
-              </a:rPr>
-              <a:t> V !z</a:t>
-            </a:r>
-            <a:r>
-              <a:rPr lang="en-US" altLang="en-US" sz="2200" baseline="-25000">
-                <a:sym typeface="+mn-ea"/>
-              </a:rPr>
-              <a:t>0</a:t>
-            </a:r>
-            <a:r>
-              <a:rPr lang="en-US" altLang="en-US" sz="2200">
-                <a:sym typeface="+mn-ea"/>
-              </a:rPr>
-              <a:t> V z</a:t>
-            </a:r>
-            <a:r>
-              <a:rPr lang="en-US" altLang="en-US" sz="2200" baseline="-25000">
-                <a:sym typeface="+mn-ea"/>
-              </a:rPr>
-              <a:t>1</a:t>
-            </a:r>
-            <a:r>
-              <a:rPr lang="en-US" altLang="en-US" sz="2200">
-                <a:sym typeface="+mn-ea"/>
-              </a:rPr>
-              <a:t>) /\ (x</a:t>
-            </a:r>
-            <a:r>
-              <a:rPr lang="en-US" altLang="en-US" sz="2200" baseline="-25000">
-                <a:sym typeface="+mn-ea"/>
-              </a:rPr>
-              <a:t>3</a:t>
-            </a:r>
-            <a:r>
-              <a:rPr lang="en-US" altLang="en-US" sz="2200">
-                <a:sym typeface="+mn-ea"/>
-              </a:rPr>
-              <a:t> V !z</a:t>
-            </a:r>
-            <a:r>
-              <a:rPr lang="en-US" altLang="en-US" sz="2200" baseline="-25000">
-                <a:sym typeface="+mn-ea"/>
-              </a:rPr>
-              <a:t>0</a:t>
-            </a:r>
-            <a:r>
-              <a:rPr lang="en-US" altLang="en-US" sz="2200">
-                <a:sym typeface="+mn-ea"/>
-              </a:rPr>
-              <a:t> V !z</a:t>
-            </a:r>
-            <a:r>
-              <a:rPr lang="en-US" altLang="en-US" sz="2200" baseline="-25000">
-                <a:sym typeface="+mn-ea"/>
-              </a:rPr>
-              <a:t>1</a:t>
-            </a:r>
-            <a:r>
-              <a:rPr lang="en-US" altLang="en-US" sz="2200">
-                <a:sym typeface="+mn-ea"/>
-              </a:rPr>
-              <a:t>)</a:t>
-            </a:r>
-            <a:endParaRPr lang="en-US" altLang="en-US"/>
           </a:p>
         </p:txBody>
       </p:sp>

--- a/3SAT- 2.0.pptx
+++ b/3SAT- 2.0.pptx
@@ -29,6 +29,7 @@
     <p:sldId id="278" r:id="rId22"/>
     <p:sldId id="279" r:id="rId23"/>
     <p:sldId id="270" r:id="rId24"/>
+    <p:sldId id="302" r:id="rId25"/>
   </p:sldIdLst>
   <p:sldSz cx="9144000" cy="5143500"/>
   <p:notesSz cx="6858000" cy="9144000"/>
@@ -11972,26 +11973,50 @@
               <a:buNone/>
             </a:pPr>
             <a:r>
-              <a:rPr lang="pt-BR" sz="1600"/>
+              <a:rPr lang="pt-BR" sz="1600">
+                <a:solidFill>
+                  <a:schemeClr val="tx1"/>
+                </a:solidFill>
+              </a:rPr>
               <a:t>FNC - E</a:t>
             </a:r>
             <a:r>
-              <a:rPr lang="en-US" altLang="pt-BR" sz="1600"/>
+              <a:rPr lang="en-US" altLang="pt-BR" sz="1600">
+                <a:solidFill>
+                  <a:schemeClr val="tx1"/>
+                </a:solidFill>
+              </a:rPr>
               <a:t>xpressão</a:t>
             </a:r>
             <a:r>
-              <a:rPr lang="pt-BR" sz="1600"/>
+              <a:rPr lang="pt-BR" sz="1600">
+                <a:solidFill>
+                  <a:schemeClr val="tx1"/>
+                </a:solidFill>
+              </a:rPr>
               <a:t> booleana com operações </a:t>
             </a:r>
             <a:r>
-              <a:rPr lang="en-US" altLang="pt-BR" sz="1600"/>
+              <a:rPr lang="en-US" altLang="pt-BR" sz="1600">
+                <a:solidFill>
+                  <a:schemeClr val="tx1"/>
+                </a:solidFill>
+              </a:rPr>
               <a:t>de</a:t>
             </a:r>
             <a:r>
-              <a:rPr lang="pt-BR" sz="1600"/>
+              <a:rPr lang="pt-BR" sz="1600">
+                <a:solidFill>
+                  <a:schemeClr val="tx1"/>
+                </a:solidFill>
+              </a:rPr>
               <a:t> conjunção, disjunção e negação: </a:t>
             </a:r>
-            <a:endParaRPr lang="pt-BR" sz="1600"/>
+            <a:endParaRPr lang="pt-BR" sz="1600">
+              <a:solidFill>
+                <a:schemeClr val="tx1"/>
+              </a:solidFill>
+            </a:endParaRPr>
           </a:p>
           <a:p>
             <a:pPr lvl="0" algn="l" rtl="0">
@@ -12009,10 +12034,18 @@
               <a:buChar char="•"/>
             </a:pPr>
             <a:r>
-              <a:rPr lang="pt-BR" sz="1600"/>
+              <a:rPr lang="pt-BR" sz="1600">
+                <a:solidFill>
+                  <a:schemeClr val="tx1"/>
+                </a:solidFill>
+              </a:rPr>
               <a:t>É constituı́da por uma conjunção de uma ou mais cláusulas.</a:t>
             </a:r>
-            <a:endParaRPr lang="pt-BR" sz="1600"/>
+            <a:endParaRPr lang="pt-BR" sz="1600">
+              <a:solidFill>
+                <a:schemeClr val="tx1"/>
+              </a:solidFill>
+            </a:endParaRPr>
           </a:p>
           <a:p>
             <a:pPr lvl="0" algn="l" rtl="0">
@@ -12030,10 +12063,18 @@
               <a:buChar char="•"/>
             </a:pPr>
             <a:r>
-              <a:rPr lang="pt-BR" sz="1600"/>
+              <a:rPr lang="pt-BR" sz="1600">
+                <a:solidFill>
+                  <a:schemeClr val="tx1"/>
+                </a:solidFill>
+              </a:rPr>
               <a:t>Cada cláusula é constituı́da por disjunções de um ou mais literais;</a:t>
             </a:r>
-            <a:endParaRPr lang="pt-BR" sz="1600"/>
+            <a:endParaRPr lang="pt-BR" sz="1600">
+              <a:solidFill>
+                <a:schemeClr val="tx1"/>
+              </a:solidFill>
+            </a:endParaRPr>
           </a:p>
           <a:p>
             <a:pPr lvl="0" algn="l" rtl="0">
@@ -12051,7 +12092,11 @@
               <a:buChar char="•"/>
             </a:pPr>
             <a:r>
-              <a:rPr lang="pt-BR" sz="1600"/>
+              <a:rPr lang="pt-BR" sz="1600">
+                <a:solidFill>
+                  <a:schemeClr val="tx1"/>
+                </a:solidFill>
+              </a:rPr>
               <a:t>Um literal é uma ocorrência da variável, podendo ser a própria variável ou seu complemento.</a:t>
             </a:r>
             <a:endParaRPr lang="pt-BR"/>
@@ -12069,6 +12114,245 @@
               </a:spcAft>
               <a:buNone/>
             </a:pPr>
+          </a:p>
+          <a:p>
+            <a:pPr marL="0" lvl="0" indent="0" algn="ctr" rtl="0">
+              <a:lnSpc>
+                <a:spcPct val="100000"/>
+              </a:lnSpc>
+              <a:spcBef>
+                <a:spcPts val="1600"/>
+              </a:spcBef>
+              <a:spcAft>
+                <a:spcPts val="0"/>
+              </a:spcAft>
+              <a:buNone/>
+            </a:pPr>
+            <a:r>
+              <a:rPr lang="en-US" altLang="en-US">
+                <a:solidFill>
+                  <a:schemeClr val="tx1"/>
+                </a:solidFill>
+                <a:sym typeface="+mn-ea"/>
+              </a:rPr>
+              <a:t>(x</a:t>
+            </a:r>
+            <a:r>
+              <a:rPr lang="en-US" altLang="en-US" baseline="-25000">
+                <a:solidFill>
+                  <a:schemeClr val="tx1"/>
+                </a:solidFill>
+                <a:sym typeface="+mn-ea"/>
+              </a:rPr>
+              <a:t>0</a:t>
+            </a:r>
+            <a:r>
+              <a:rPr lang="en-US" altLang="en-US">
+                <a:solidFill>
+                  <a:schemeClr val="tx1"/>
+                </a:solidFill>
+                <a:sym typeface="+mn-ea"/>
+              </a:rPr>
+              <a:t> V x</a:t>
+            </a:r>
+            <a:r>
+              <a:rPr lang="en-US" altLang="en-US" baseline="-25000">
+                <a:solidFill>
+                  <a:schemeClr val="tx1"/>
+                </a:solidFill>
+                <a:sym typeface="+mn-ea"/>
+              </a:rPr>
+              <a:t>1</a:t>
+            </a:r>
+            <a:r>
+              <a:rPr lang="en-US" altLang="en-US">
+                <a:solidFill>
+                  <a:schemeClr val="tx1"/>
+                </a:solidFill>
+                <a:sym typeface="+mn-ea"/>
+              </a:rPr>
+              <a:t>) /\ (!x</a:t>
+            </a:r>
+            <a:r>
+              <a:rPr lang="en-US" altLang="en-US" baseline="-25000">
+                <a:solidFill>
+                  <a:schemeClr val="tx1"/>
+                </a:solidFill>
+                <a:sym typeface="+mn-ea"/>
+              </a:rPr>
+              <a:t>0</a:t>
+            </a:r>
+            <a:r>
+              <a:rPr lang="en-US" altLang="en-US">
+                <a:solidFill>
+                  <a:schemeClr val="tx1"/>
+                </a:solidFill>
+                <a:sym typeface="+mn-ea"/>
+              </a:rPr>
+              <a:t> V !x</a:t>
+            </a:r>
+            <a:r>
+              <a:rPr lang="en-US" altLang="en-US" baseline="-25000">
+                <a:solidFill>
+                  <a:schemeClr val="tx1"/>
+                </a:solidFill>
+                <a:sym typeface="+mn-ea"/>
+              </a:rPr>
+              <a:t>1</a:t>
+            </a:r>
+            <a:r>
+              <a:rPr lang="en-US" altLang="en-US">
+                <a:solidFill>
+                  <a:schemeClr val="tx1"/>
+                </a:solidFill>
+                <a:sym typeface="+mn-ea"/>
+              </a:rPr>
+              <a:t> V x</a:t>
+            </a:r>
+            <a:r>
+              <a:rPr lang="en-US" altLang="en-US" baseline="-25000">
+                <a:solidFill>
+                  <a:schemeClr val="tx1"/>
+                </a:solidFill>
+                <a:sym typeface="+mn-ea"/>
+              </a:rPr>
+              <a:t>3</a:t>
+            </a:r>
+            <a:r>
+              <a:rPr lang="en-US" altLang="en-US">
+                <a:solidFill>
+                  <a:schemeClr val="tx1"/>
+                </a:solidFill>
+                <a:sym typeface="+mn-ea"/>
+              </a:rPr>
+              <a:t>) /\ (!x</a:t>
+            </a:r>
+            <a:r>
+              <a:rPr lang="en-US" altLang="en-US" baseline="-25000">
+                <a:solidFill>
+                  <a:schemeClr val="tx1"/>
+                </a:solidFill>
+                <a:sym typeface="+mn-ea"/>
+              </a:rPr>
+              <a:t>0</a:t>
+            </a:r>
+            <a:r>
+              <a:rPr lang="en-US" altLang="en-US">
+                <a:solidFill>
+                  <a:schemeClr val="tx1"/>
+                </a:solidFill>
+                <a:sym typeface="+mn-ea"/>
+              </a:rPr>
+              <a:t>) </a:t>
+            </a:r>
+            <a:r>
+              <a:rPr lang="" altLang="en-US">
+                <a:solidFill>
+                  <a:schemeClr val="tx1"/>
+                </a:solidFill>
+                <a:sym typeface="+mn-ea"/>
+              </a:rPr>
+              <a:t>/\ </a:t>
+            </a:r>
+            <a:r>
+              <a:rPr lang="en-US" altLang="en-US">
+                <a:solidFill>
+                  <a:schemeClr val="tx1"/>
+                </a:solidFill>
+                <a:sym typeface="+mn-ea"/>
+              </a:rPr>
+              <a:t>(!x</a:t>
+            </a:r>
+            <a:r>
+              <a:rPr lang="en-US" altLang="en-US" baseline="-25000">
+                <a:solidFill>
+                  <a:schemeClr val="tx1"/>
+                </a:solidFill>
+                <a:sym typeface="+mn-ea"/>
+              </a:rPr>
+              <a:t>0</a:t>
+            </a:r>
+            <a:r>
+              <a:rPr lang="en-US" altLang="en-US">
+                <a:solidFill>
+                  <a:schemeClr val="tx1"/>
+                </a:solidFill>
+                <a:sym typeface="+mn-ea"/>
+              </a:rPr>
+              <a:t> </a:t>
+            </a:r>
+            <a:r>
+              <a:rPr lang="" altLang="en-US">
+                <a:solidFill>
+                  <a:schemeClr val="tx1"/>
+                </a:solidFill>
+                <a:sym typeface="+mn-ea"/>
+              </a:rPr>
+              <a:t>V x</a:t>
+            </a:r>
+            <a:r>
+              <a:rPr lang="" altLang="en-US" baseline="-25000">
+                <a:solidFill>
+                  <a:schemeClr val="tx1"/>
+                </a:solidFill>
+                <a:sym typeface="+mn-ea"/>
+              </a:rPr>
+              <a:t>1</a:t>
+            </a:r>
+            <a:r>
+              <a:rPr lang="" altLang="en-US">
+                <a:solidFill>
+                  <a:schemeClr val="tx1"/>
+                </a:solidFill>
+                <a:sym typeface="+mn-ea"/>
+              </a:rPr>
+              <a:t> </a:t>
+            </a:r>
+            <a:r>
+              <a:rPr lang="en-US" altLang="en-US">
+                <a:solidFill>
+                  <a:schemeClr val="tx1"/>
+                </a:solidFill>
+                <a:sym typeface="+mn-ea"/>
+              </a:rPr>
+              <a:t>V !x</a:t>
+            </a:r>
+            <a:r>
+              <a:rPr lang="en-US" altLang="en-US" baseline="-25000">
+                <a:solidFill>
+                  <a:schemeClr val="tx1"/>
+                </a:solidFill>
+                <a:sym typeface="+mn-ea"/>
+              </a:rPr>
+              <a:t>3</a:t>
+            </a:r>
+            <a:r>
+              <a:rPr lang="en-US" altLang="en-US">
+                <a:solidFill>
+                  <a:schemeClr val="tx1"/>
+                </a:solidFill>
+                <a:sym typeface="+mn-ea"/>
+              </a:rPr>
+              <a:t> V !x</a:t>
+            </a:r>
+            <a:r>
+              <a:rPr lang="en-US" altLang="en-US" baseline="-25000">
+                <a:solidFill>
+                  <a:schemeClr val="tx1"/>
+                </a:solidFill>
+                <a:sym typeface="+mn-ea"/>
+              </a:rPr>
+              <a:t>2</a:t>
+            </a:r>
+            <a:r>
+              <a:rPr lang="en-US" altLang="en-US">
+                <a:solidFill>
+                  <a:schemeClr val="tx1"/>
+                </a:solidFill>
+                <a:sym typeface="+mn-ea"/>
+              </a:rPr>
+              <a:t>)</a:t>
+            </a:r>
           </a:p>
           <a:p>
             <a:pPr marL="0" lvl="0" indent="0" algn="l" rtl="0">
@@ -12512,6 +12796,126 @@
 </p:sld>
 </file>
 
+<file path=ppt/slides/slide22.xml><?xml version="1.0" encoding="utf-8"?>
+<p:sld xmlns:a="http://schemas.openxmlformats.org/drawingml/2006/main" xmlns:r="http://schemas.openxmlformats.org/officeDocument/2006/relationships" xmlns:p="http://schemas.openxmlformats.org/presentationml/2006/main" show="0">
+  <p:cSld>
+    <p:spTree>
+      <p:nvGrpSpPr>
+        <p:cNvPr id="1" name=""/>
+        <p:cNvGrpSpPr/>
+        <p:nvPr/>
+      </p:nvGrpSpPr>
+      <p:grpSpPr/>
+      <p:sp>
+        <p:nvSpPr>
+          <p:cNvPr id="2" name="Title 1"/>
+          <p:cNvSpPr/>
+          <p:nvPr>
+            <p:ph type="title"/>
+          </p:nvPr>
+        </p:nvSpPr>
+        <p:spPr/>
+        <p:txBody>
+          <a:bodyPr/>
+          <a:p>
+            <a:r>
+              <a:rPr lang="" altLang="en-US"/>
+              <a:t>Referências</a:t>
+            </a:r>
+            <a:endParaRPr lang="" altLang="en-US"/>
+          </a:p>
+        </p:txBody>
+      </p:sp>
+      <p:sp>
+        <p:nvSpPr>
+          <p:cNvPr id="3" name="Text Placeholder 2"/>
+          <p:cNvSpPr/>
+          <p:nvPr>
+            <p:ph type="body" idx="1"/>
+          </p:nvPr>
+        </p:nvSpPr>
+        <p:spPr/>
+        <p:txBody>
+          <a:bodyPr/>
+          <a:p>
+            <a:pPr marL="114300" indent="0">
+              <a:buNone/>
+            </a:pPr>
+            <a:endParaRPr lang="en-US"/>
+          </a:p>
+          <a:p>
+            <a:pPr marL="114300" indent="0">
+              <a:buNone/>
+            </a:pPr>
+            <a:endParaRPr lang="en-US" sz="1400"/>
+          </a:p>
+          <a:p>
+            <a:pPr>
+              <a:lnSpc>
+                <a:spcPct val="135000"/>
+              </a:lnSpc>
+              <a:buFont typeface="Arial" panose="02080604020202020204" pitchFamily="34" charset="0"/>
+              <a:buChar char="•"/>
+            </a:pPr>
+            <a:r>
+              <a:rPr lang="en-US" sz="1400"/>
+              <a:t>https://pt.wikipedia.org/wiki/Problema_de_satisfatibilidade_booliana</a:t>
+            </a:r>
+            <a:endParaRPr lang="en-US" sz="1400"/>
+          </a:p>
+          <a:p>
+            <a:pPr>
+              <a:lnSpc>
+                <a:spcPct val="135000"/>
+              </a:lnSpc>
+              <a:buFont typeface="Arial" panose="02080604020202020204" pitchFamily="34" charset="0"/>
+              <a:buChar char="•"/>
+            </a:pPr>
+            <a:r>
+              <a:rPr lang="en-US" sz="1400"/>
+              <a:t>http://conteudo.icmc.usp.br/pessoas/andretta/ensino/aulas/sme0216-5826-2-15/aula2-NPcompleto.pdf</a:t>
+            </a:r>
+            <a:endParaRPr lang="en-US" sz="1400"/>
+          </a:p>
+          <a:p>
+            <a:pPr>
+              <a:lnSpc>
+                <a:spcPct val="135000"/>
+              </a:lnSpc>
+              <a:buFont typeface="Arial" panose="02080604020202020204" pitchFamily="34" charset="0"/>
+              <a:buChar char="•"/>
+            </a:pPr>
+            <a:r>
+              <a:rPr lang="en-US" sz="1400"/>
+              <a:t>http://www.cs.cmu.edu/afs/cs.cmu.edu/academic/class/15451-s00/www/lectures/lect0323post.txt</a:t>
+            </a:r>
+            <a:endParaRPr lang="en-US" sz="1400"/>
+          </a:p>
+          <a:p>
+            <a:pPr>
+              <a:lnSpc>
+                <a:spcPct val="135000"/>
+              </a:lnSpc>
+              <a:buFont typeface="Arial" panose="02080604020202020204" pitchFamily="34" charset="0"/>
+              <a:buChar char="•"/>
+            </a:pPr>
+            <a:r>
+              <a:rPr lang="en-US" sz="1400"/>
+              <a:t>http://read.pudn.com/downloads153/doc/669284/3SAT-NP-Completeness.pdf</a:t>
+            </a:r>
+            <a:endParaRPr lang="en-US" sz="1400"/>
+          </a:p>
+        </p:txBody>
+      </p:sp>
+    </p:spTree>
+  </p:cSld>
+  <p:clrMapOvr>
+    <a:masterClrMapping/>
+  </p:clrMapOvr>
+  <p:transition/>
+</p:sld>
+</file>
+
 <file path=ppt/slides/slide3.xml><?xml version="1.0" encoding="utf-8"?>
 <p:sld xmlns:a="http://schemas.openxmlformats.org/drawingml/2006/main" xmlns:r="http://schemas.openxmlformats.org/officeDocument/2006/relationships" xmlns:p="http://schemas.openxmlformats.org/presentationml/2006/main">
   <p:cSld>
@@ -12602,14 +13006,26 @@
               <a:buNone/>
             </a:pPr>
             <a:r>
-              <a:rPr lang="pt-BR" sz="1600"/>
+              <a:rPr lang="pt-BR" sz="1600">
+                <a:solidFill>
+                  <a:schemeClr val="tx1"/>
+                </a:solidFill>
+              </a:rPr>
               <a:t>Problema da Satisfabilidade Booleana (Boolean Satisfiability Problem - SAT)</a:t>
             </a:r>
             <a:r>
-              <a:rPr lang="en-US" altLang="pt-BR" sz="1600"/>
+              <a:rPr lang="en-US" altLang="pt-BR" sz="1600">
+                <a:solidFill>
+                  <a:schemeClr val="tx1"/>
+                </a:solidFill>
+              </a:rPr>
               <a:t>.</a:t>
             </a:r>
-            <a:endParaRPr lang="pt-BR" sz="1600"/>
+            <a:endParaRPr lang="pt-BR" sz="1600">
+              <a:solidFill>
+                <a:schemeClr val="tx1"/>
+              </a:solidFill>
+            </a:endParaRPr>
           </a:p>
           <a:p>
             <a:pPr marL="0" lvl="0" indent="0" algn="l" rtl="0">
@@ -12622,10 +13038,18 @@
               <a:buNone/>
             </a:pPr>
             <a:r>
-              <a:rPr lang="pt-BR" sz="1600"/>
+              <a:rPr lang="pt-BR" sz="1600">
+                <a:solidFill>
+                  <a:schemeClr val="tx1"/>
+                </a:solidFill>
+              </a:rPr>
               <a:t>Problema de decisão e primeiro provado NP-completo.</a:t>
             </a:r>
-            <a:endParaRPr lang="pt-BR" sz="1600"/>
+            <a:endParaRPr lang="pt-BR" sz="1600">
+              <a:solidFill>
+                <a:schemeClr val="tx1"/>
+              </a:solidFill>
+            </a:endParaRPr>
           </a:p>
           <a:p>
             <a:pPr marL="0" lvl="0" indent="457200" algn="l" rtl="0">
@@ -12638,18 +13062,34 @@
               <a:buNone/>
             </a:pPr>
             <a:r>
-              <a:rPr lang="pt-BR" sz="1600"/>
+              <a:rPr lang="pt-BR" sz="1600">
+                <a:solidFill>
+                  <a:schemeClr val="tx1"/>
+                </a:solidFill>
+              </a:rPr>
               <a:t>Dada uma expressão na FNC, ele </a:t>
             </a:r>
             <a:r>
-              <a:rPr lang="en-US" altLang="pt-BR" sz="1600"/>
+              <a:rPr lang="en-US" altLang="pt-BR" sz="1600">
+                <a:solidFill>
+                  <a:schemeClr val="tx1"/>
+                </a:solidFill>
+              </a:rPr>
               <a:t>questiona</a:t>
             </a:r>
             <a:r>
-              <a:rPr lang="pt-BR" sz="1600"/>
+              <a:rPr lang="pt-BR" sz="1600">
+                <a:solidFill>
+                  <a:schemeClr val="tx1"/>
+                </a:solidFill>
+              </a:rPr>
               <a:t> se existe uma combinação de atribuições das variáveis de entrada que torne a expressão satisfazível.</a:t>
             </a:r>
-            <a:endParaRPr lang="pt-BR" sz="1600"/>
+            <a:endParaRPr lang="pt-BR" sz="1600">
+              <a:solidFill>
+                <a:schemeClr val="tx1"/>
+              </a:solidFill>
+            </a:endParaRPr>
           </a:p>
           <a:p>
             <a:pPr marL="0" lvl="0" indent="457200" algn="l" rtl="0">
@@ -12661,7 +13101,11 @@
               </a:spcAft>
               <a:buNone/>
             </a:pPr>
-            <a:endParaRPr lang="pt-BR" sz="1600"/>
+            <a:endParaRPr lang="pt-BR" sz="1600">
+              <a:solidFill>
+                <a:schemeClr val="tx1"/>
+              </a:solidFill>
+            </a:endParaRPr>
           </a:p>
           <a:p>
             <a:pPr marL="0" lvl="0" indent="457200" algn="l" rtl="0">
@@ -12673,7 +13117,11 @@
               </a:spcAft>
               <a:buNone/>
             </a:pPr>
-            <a:endParaRPr lang="pt-BR"/>
+            <a:endParaRPr lang="pt-BR">
+              <a:solidFill>
+                <a:schemeClr val="tx1"/>
+              </a:solidFill>
+            </a:endParaRPr>
           </a:p>
           <a:p>
             <a:pPr marL="0" lvl="0" indent="457200" algn="l" rtl="0">
@@ -12686,35 +13134,67 @@
               <a:buNone/>
             </a:pPr>
             <a:r>
-              <a:rPr lang="pt-BR" sz="1600" i="1"/>
+              <a:rPr lang="pt-BR" sz="1600" i="1">
+                <a:solidFill>
+                  <a:schemeClr val="tx1"/>
+                </a:solidFill>
+              </a:rPr>
               <a:t>**As cláusulas </a:t>
             </a:r>
             <a:r>
-              <a:rPr lang="en-US" altLang="pt-BR" sz="1600" i="1"/>
+              <a:rPr lang="en-US" altLang="pt-BR" sz="1600" i="1">
+                <a:solidFill>
+                  <a:schemeClr val="tx1"/>
+                </a:solidFill>
+              </a:rPr>
               <a:t>da expressão</a:t>
             </a:r>
             <a:r>
-              <a:rPr lang="pt-BR" sz="1600" i="1"/>
+              <a:rPr lang="pt-BR" sz="1600" i="1">
+                <a:solidFill>
+                  <a:schemeClr val="tx1"/>
+                </a:solidFill>
+              </a:rPr>
               <a:t> não </a:t>
             </a:r>
             <a:r>
-              <a:rPr lang="en-US" altLang="pt-BR" sz="1600" i="1"/>
+              <a:rPr lang="en-US" altLang="pt-BR" sz="1600" i="1">
+                <a:solidFill>
+                  <a:schemeClr val="tx1"/>
+                </a:solidFill>
+              </a:rPr>
               <a:t>possuem</a:t>
             </a:r>
             <a:r>
-              <a:rPr lang="pt-BR" sz="1600" i="1"/>
+              <a:rPr lang="pt-BR" sz="1600" i="1">
+                <a:solidFill>
+                  <a:schemeClr val="tx1"/>
+                </a:solidFill>
+              </a:rPr>
               <a:t> um número determinado de literais </a:t>
             </a:r>
             <a:r>
-              <a:rPr lang="en-US" altLang="pt-BR" sz="1600" i="1"/>
+              <a:rPr lang="en-US" altLang="pt-BR" sz="1600" i="1">
+                <a:solidFill>
+                  <a:schemeClr val="tx1"/>
+                </a:solidFill>
+              </a:rPr>
               <a:t>e literais </a:t>
             </a:r>
             <a:r>
-              <a:rPr lang="en-US" altLang="en-US" sz="1600" i="1"/>
+              <a:rPr lang="en-US" altLang="en-US" sz="1600" i="1">
+                <a:solidFill>
+                  <a:schemeClr val="tx1"/>
+                </a:solidFill>
+              </a:rPr>
               <a:t>de</a:t>
             </a:r>
             <a:r>
-              <a:rPr lang="en-US" altLang="pt-BR" sz="1600" i="1"/>
+              <a:rPr lang="en-US" altLang="pt-BR" sz="1600" i="1">
+                <a:solidFill>
+                  <a:schemeClr val="tx1"/>
+                </a:solidFill>
+              </a:rPr>
               <a:t> mesma variável.</a:t>
             </a:r>
             <a:endParaRPr i="1"/>
@@ -12885,18 +13365,34 @@
               <a:buNone/>
             </a:pPr>
             <a:r>
-              <a:rPr lang="pt-BR"/>
+              <a:rPr lang="pt-BR">
+                <a:solidFill>
+                  <a:schemeClr val="tx1"/>
+                </a:solidFill>
+              </a:rPr>
               <a:t>Assemelha-se ao Problema SAT, porém, cada cláusula da FNC possui </a:t>
             </a:r>
             <a:r>
-              <a:rPr lang="pt-BR" b="1"/>
+              <a:rPr lang="pt-BR" b="1">
+                <a:solidFill>
+                  <a:schemeClr val="tx1"/>
+                </a:solidFill>
+              </a:rPr>
               <a:t>somente</a:t>
             </a:r>
             <a:r>
-              <a:rPr lang="pt-BR"/>
+              <a:rPr lang="pt-BR">
+                <a:solidFill>
+                  <a:schemeClr val="tx1"/>
+                </a:solidFill>
+              </a:rPr>
               <a:t> 3 literais.</a:t>
             </a:r>
-            <a:endParaRPr lang="pt-BR"/>
+            <a:endParaRPr lang="pt-BR">
+              <a:solidFill>
+                <a:schemeClr val="tx1"/>
+              </a:solidFill>
+            </a:endParaRPr>
           </a:p>
           <a:p>
             <a:pPr marL="0" lvl="0" indent="0" algn="l" rtl="0">
@@ -12908,7 +13404,11 @@
               </a:spcAft>
               <a:buNone/>
             </a:pPr>
-            <a:endParaRPr lang="pt-BR"/>
+            <a:endParaRPr lang="pt-BR">
+              <a:solidFill>
+                <a:schemeClr val="tx1"/>
+              </a:solidFill>
+            </a:endParaRPr>
           </a:p>
           <a:p>
             <a:pPr marL="0" lvl="0" indent="457200" algn="l" rtl="0">
@@ -12921,25 +13421,44 @@
               <a:buNone/>
             </a:pPr>
             <a:r>
-              <a:rPr lang="pt-BR"/>
+              <a:rPr lang="pt-BR">
+                <a:solidFill>
+                  <a:schemeClr val="tx1"/>
+                </a:solidFill>
+              </a:rPr>
               <a:t>Dada uma FNC </a:t>
             </a:r>
             <a:r>
-              <a:rPr lang="pt-BR" i="1"/>
+              <a:rPr lang="pt-BR" i="1">
+                <a:solidFill>
+                  <a:schemeClr val="tx1"/>
+                </a:solidFill>
+              </a:rPr>
               <a:t>composta por somente 3 literais em cada cláusula</a:t>
             </a:r>
             <a:r>
-              <a:rPr lang="pt-BR"/>
+              <a:rPr lang="pt-BR">
+                <a:solidFill>
+                  <a:schemeClr val="tx1"/>
+                </a:solidFill>
+              </a:rPr>
               <a:t>, ele </a:t>
             </a:r>
             <a:r>
               <a:rPr lang="en-US" altLang="pt-BR">
+                <a:solidFill>
+                  <a:schemeClr val="tx1"/>
+                </a:solidFill>
                 <a:sym typeface="+mn-ea"/>
               </a:rPr>
               <a:t>questiona </a:t>
             </a:r>
             <a:r>
-              <a:rPr lang="pt-BR"/>
+              <a:rPr lang="pt-BR">
+                <a:solidFill>
+                  <a:schemeClr val="tx1"/>
+                </a:solidFill>
+              </a:rPr>
               <a:t>se existe uma combinação de atribuições das variáveis de entrada que torne a expressão satisfazível.</a:t>
             </a:r>
             <a:endParaRPr lang="pt-BR"/>
@@ -13099,14 +13618,26 @@
               <a:buNone/>
             </a:pPr>
             <a:r>
-              <a:rPr lang="en-US" altLang="pt-BR"/>
+              <a:rPr lang="en-US" altLang="pt-BR">
+                <a:solidFill>
+                  <a:schemeClr val="tx1"/>
+                </a:solidFill>
+              </a:rPr>
               <a:t>	</a:t>
             </a:r>
             <a:r>
-              <a:rPr lang="pt-BR"/>
+              <a:rPr lang="pt-BR">
+                <a:solidFill>
+                  <a:schemeClr val="tx1"/>
+                </a:solidFill>
+              </a:rPr>
               <a:t>Para realizar a prova de que 3-SAT pertence a NP, deve-se apresentar um algoritmo de verificação que:</a:t>
             </a:r>
-            <a:endParaRPr lang="pt-BR"/>
+            <a:endParaRPr lang="pt-BR">
+              <a:solidFill>
+                <a:schemeClr val="tx1"/>
+              </a:solidFill>
+            </a:endParaRPr>
           </a:p>
           <a:p>
             <a:pPr marL="0" lvl="0" indent="0" algn="l" rtl="0">
@@ -13118,7 +13649,11 @@
               </a:spcAft>
               <a:buNone/>
             </a:pPr>
-            <a:endParaRPr lang="pt-BR"/>
+            <a:endParaRPr lang="pt-BR">
+              <a:solidFill>
+                <a:schemeClr val="tx1"/>
+              </a:solidFill>
+            </a:endParaRPr>
           </a:p>
           <a:p>
             <a:pPr marL="285750" lvl="0" indent="-285750" algn="l" rtl="0">
@@ -13135,22 +13670,42 @@
               <a:buChar char=""/>
             </a:pPr>
             <a:r>
-              <a:rPr lang="en-US" altLang="pt-BR" sz="1600"/>
+              <a:rPr lang="en-US" altLang="pt-BR" sz="1600">
+                <a:solidFill>
+                  <a:schemeClr val="tx1"/>
+                </a:solidFill>
+              </a:rPr>
               <a:t>d</a:t>
             </a:r>
             <a:r>
-              <a:rPr lang="pt-BR" sz="1600"/>
+              <a:rPr lang="pt-BR" sz="1600">
+                <a:solidFill>
+                  <a:schemeClr val="tx1"/>
+                </a:solidFill>
+              </a:rPr>
               <a:t>ada uma expressão constituída por cl</a:t>
             </a:r>
             <a:r>
-              <a:rPr lang="en-US" altLang="pt-BR" sz="1600"/>
+              <a:rPr lang="en-US" altLang="pt-BR" sz="1600">
+                <a:solidFill>
+                  <a:schemeClr val="tx1"/>
+                </a:solidFill>
+              </a:rPr>
               <a:t>á</a:t>
             </a:r>
             <a:r>
-              <a:rPr lang="pt-BR" sz="1600"/>
+              <a:rPr lang="pt-BR" sz="1600">
+                <a:solidFill>
+                  <a:schemeClr val="tx1"/>
+                </a:solidFill>
+              </a:rPr>
               <a:t>usulas na FNC com 3 literais cada (instância);</a:t>
             </a:r>
-            <a:endParaRPr lang="pt-BR" sz="1600"/>
+            <a:endParaRPr lang="pt-BR" sz="1600">
+              <a:solidFill>
+                <a:schemeClr val="tx1"/>
+              </a:solidFill>
+            </a:endParaRPr>
           </a:p>
           <a:p>
             <a:pPr marL="285750" lvl="0" indent="-285750" algn="l" rtl="0">
@@ -13167,10 +13722,18 @@
               <a:buChar char=""/>
             </a:pPr>
             <a:r>
-              <a:rPr lang="pt-BR" sz="1600"/>
+              <a:rPr lang="pt-BR" sz="1600">
+                <a:solidFill>
+                  <a:schemeClr val="tx1"/>
+                </a:solidFill>
+              </a:rPr>
               <a:t>dado um conjunto de atribuições para cada variável da expressão(certificado);</a:t>
             </a:r>
-            <a:endParaRPr lang="pt-BR" sz="1600"/>
+            <a:endParaRPr lang="pt-BR" sz="1600">
+              <a:solidFill>
+                <a:schemeClr val="tx1"/>
+              </a:solidFill>
+            </a:endParaRPr>
           </a:p>
           <a:p>
             <a:pPr marL="285750" lvl="0" indent="-285750" algn="l" rtl="0">
@@ -13187,7 +13750,11 @@
               <a:buChar char=""/>
             </a:pPr>
             <a:r>
-              <a:rPr lang="pt-BR" sz="1600"/>
+              <a:rPr lang="pt-BR" sz="1600">
+                <a:solidFill>
+                  <a:schemeClr val="tx1"/>
+                </a:solidFill>
+              </a:rPr>
               <a:t>em tempo polinomial, retorna se a avaliação da expressão é satisfazível ou não;  </a:t>
             </a:r>
             <a:endParaRPr lang="pt-BR"/>
@@ -13286,7 +13853,7 @@
               <a:buNone/>
             </a:pPr>
             <a:r>
-              <a:rPr lang="" altLang="en-US">
+              <a:rPr lang="en-US" altLang="en-US">
                 <a:solidFill>
                   <a:schemeClr val="tx1"/>
                 </a:solidFill>
@@ -13294,11 +13861,11 @@
               <a:t>instancia</a:t>
             </a:r>
             <a:r>
-              <a:rPr lang="" altLang="en-US"/>
+              <a:rPr lang="en-US" altLang="en-US"/>
               <a:t> = (</a:t>
             </a:r>
             <a:r>
-              <a:rPr lang="" altLang="en-US">
+              <a:rPr lang="en-US" altLang="en-US">
                 <a:solidFill>
                   <a:schemeClr val="accent1">
                     <a:lumMod val="60000"/>
@@ -13309,7 +13876,7 @@
               <a:t>x</a:t>
             </a:r>
             <a:r>
-              <a:rPr lang="" altLang="en-US" baseline="-25000">
+              <a:rPr lang="en-US" altLang="en-US" baseline="-25000">
                 <a:solidFill>
                   <a:schemeClr val="accent1">
                     <a:lumMod val="60000"/>
@@ -13320,11 +13887,11 @@
               <a:t>0</a:t>
             </a:r>
             <a:r>
-              <a:rPr lang="" altLang="en-US"/>
+              <a:rPr lang="en-US" altLang="en-US"/>
               <a:t> V </a:t>
             </a:r>
             <a:r>
-              <a:rPr lang="" altLang="en-US">
+              <a:rPr lang="en-US" altLang="en-US">
                 <a:solidFill>
                   <a:srgbClr val="FFFF00"/>
                 </a:solidFill>
@@ -13332,7 +13899,7 @@
               <a:t>x</a:t>
             </a:r>
             <a:r>
-              <a:rPr lang="" altLang="en-US" baseline="-25000">
+              <a:rPr lang="en-US" altLang="en-US" baseline="-25000">
                 <a:solidFill>
                   <a:srgbClr val="FFFF00"/>
                 </a:solidFill>
@@ -13340,11 +13907,11 @@
               <a:t>1</a:t>
             </a:r>
             <a:r>
-              <a:rPr lang="" altLang="en-US"/>
+              <a:rPr lang="en-US" altLang="en-US"/>
               <a:t> V </a:t>
             </a:r>
             <a:r>
-              <a:rPr lang="" altLang="en-US">
+              <a:rPr lang="en-US" altLang="en-US">
                 <a:solidFill>
                   <a:srgbClr val="FF0000"/>
                 </a:solidFill>
@@ -13352,7 +13919,7 @@
               <a:t>x</a:t>
             </a:r>
             <a:r>
-              <a:rPr lang="" altLang="en-US" baseline="-25000">
+              <a:rPr lang="en-US" altLang="en-US" baseline="-25000">
                 <a:solidFill>
                   <a:srgbClr val="FF0000"/>
                 </a:solidFill>
@@ -13360,11 +13927,11 @@
               <a:t>2</a:t>
             </a:r>
             <a:r>
-              <a:rPr lang="" altLang="en-US"/>
+              <a:rPr lang="en-US" altLang="en-US"/>
               <a:t>) /\ (!</a:t>
             </a:r>
             <a:r>
-              <a:rPr lang="" altLang="en-US">
+              <a:rPr lang="en-US" altLang="en-US">
                 <a:solidFill>
                   <a:schemeClr val="accent1">
                     <a:lumMod val="60000"/>
@@ -13375,7 +13942,7 @@
               <a:t>x</a:t>
             </a:r>
             <a:r>
-              <a:rPr lang="" altLang="en-US" baseline="-25000">
+              <a:rPr lang="en-US" altLang="en-US" baseline="-25000">
                 <a:solidFill>
                   <a:schemeClr val="accent1">
                     <a:lumMod val="60000"/>
@@ -13386,11 +13953,11 @@
               <a:t>0</a:t>
             </a:r>
             <a:r>
-              <a:rPr lang="" altLang="en-US"/>
+              <a:rPr lang="en-US" altLang="en-US"/>
               <a:t> V !</a:t>
             </a:r>
             <a:r>
-              <a:rPr lang="" altLang="en-US">
+              <a:rPr lang="en-US" altLang="en-US">
                 <a:solidFill>
                   <a:srgbClr val="FFFF00"/>
                 </a:solidFill>
@@ -13398,7 +13965,7 @@
               <a:t>x</a:t>
             </a:r>
             <a:r>
-              <a:rPr lang="" altLang="en-US" baseline="-25000">
+              <a:rPr lang="en-US" altLang="en-US" baseline="-25000">
                 <a:solidFill>
                   <a:srgbClr val="FFFF00"/>
                 </a:solidFill>
@@ -13406,7 +13973,7 @@
               <a:t>1</a:t>
             </a:r>
             <a:r>
-              <a:rPr lang="" altLang="en-US">
+              <a:rPr lang="en-US" altLang="en-US">
                 <a:solidFill>
                   <a:srgbClr val="FFFF00"/>
                 </a:solidFill>
@@ -13414,11 +13981,11 @@
               <a:t> </a:t>
             </a:r>
             <a:r>
-              <a:rPr lang="" altLang="en-US"/>
+              <a:rPr lang="en-US" altLang="en-US"/>
               <a:t>V </a:t>
             </a:r>
             <a:r>
-              <a:rPr lang="" altLang="en-US">
+              <a:rPr lang="en-US" altLang="en-US">
                 <a:solidFill>
                   <a:srgbClr val="00B050"/>
                 </a:solidFill>
@@ -13426,7 +13993,7 @@
               <a:t>x</a:t>
             </a:r>
             <a:r>
-              <a:rPr lang="" altLang="en-US" baseline="-25000">
+              <a:rPr lang="en-US" altLang="en-US" baseline="-25000">
                 <a:solidFill>
                   <a:srgbClr val="00B050"/>
                 </a:solidFill>
@@ -13434,11 +14001,11 @@
               <a:t>3</a:t>
             </a:r>
             <a:r>
-              <a:rPr lang="" altLang="en-US"/>
+              <a:rPr lang="en-US" altLang="en-US"/>
               <a:t>) /\ (!</a:t>
             </a:r>
             <a:r>
-              <a:rPr lang="" altLang="en-US">
+              <a:rPr lang="en-US" altLang="en-US">
                 <a:solidFill>
                   <a:schemeClr val="accent1">
                     <a:lumMod val="60000"/>
@@ -13449,7 +14016,7 @@
               <a:t>x</a:t>
             </a:r>
             <a:r>
-              <a:rPr lang="" altLang="en-US" baseline="-25000">
+              <a:rPr lang="en-US" altLang="en-US" baseline="-25000">
                 <a:solidFill>
                   <a:schemeClr val="accent1">
                     <a:lumMod val="60000"/>
@@ -13460,11 +14027,11 @@
               <a:t>0</a:t>
             </a:r>
             <a:r>
-              <a:rPr lang="" altLang="en-US"/>
+              <a:rPr lang="en-US" altLang="en-US"/>
               <a:t> V !</a:t>
             </a:r>
             <a:r>
-              <a:rPr lang="" altLang="en-US">
+              <a:rPr lang="en-US" altLang="en-US">
                 <a:solidFill>
                   <a:srgbClr val="00B050"/>
                 </a:solidFill>
@@ -13472,7 +14039,7 @@
               <a:t>x</a:t>
             </a:r>
             <a:r>
-              <a:rPr lang="" altLang="en-US" baseline="-25000">
+              <a:rPr lang="en-US" altLang="en-US" baseline="-25000">
                 <a:solidFill>
                   <a:srgbClr val="00B050"/>
                 </a:solidFill>
@@ -13480,7 +14047,7 @@
               <a:t>3</a:t>
             </a:r>
             <a:r>
-              <a:rPr lang="" altLang="en-US">
+              <a:rPr lang="en-US" altLang="en-US">
                 <a:solidFill>
                   <a:srgbClr val="00B050"/>
                 </a:solidFill>
@@ -13488,11 +14055,11 @@
               <a:t> </a:t>
             </a:r>
             <a:r>
-              <a:rPr lang="" altLang="en-US"/>
+              <a:rPr lang="en-US" altLang="en-US"/>
               <a:t>V !</a:t>
             </a:r>
             <a:r>
-              <a:rPr lang="" altLang="en-US">
+              <a:rPr lang="en-US" altLang="en-US">
                 <a:solidFill>
                   <a:srgbClr val="FF0000"/>
                 </a:solidFill>
@@ -13500,7 +14067,7 @@
               <a:t>x</a:t>
             </a:r>
             <a:r>
-              <a:rPr lang="" altLang="en-US" baseline="-25000">
+              <a:rPr lang="en-US" altLang="en-US" baseline="-25000">
                 <a:solidFill>
                   <a:srgbClr val="FF0000"/>
                 </a:solidFill>
@@ -13508,17 +14075,17 @@
               <a:t>2</a:t>
             </a:r>
             <a:r>
-              <a:rPr lang="" altLang="en-US"/>
+              <a:rPr lang="en-US" altLang="en-US"/>
               <a:t>)</a:t>
             </a:r>
-            <a:endParaRPr lang="" altLang="en-US"/>
+            <a:endParaRPr lang="en-US" altLang="en-US"/>
           </a:p>
           <a:p>
             <a:pPr marL="114300" indent="0">
               <a:buNone/>
             </a:pPr>
             <a:r>
-              <a:rPr lang="" altLang="en-US">
+              <a:rPr lang="en-US" altLang="en-US">
                 <a:solidFill>
                   <a:schemeClr val="tx1"/>
                 </a:solidFill>
@@ -13526,11 +14093,11 @@
               <a:t>certificado</a:t>
             </a:r>
             <a:r>
-              <a:rPr lang="" altLang="en-US"/>
+              <a:rPr lang="en-US" altLang="en-US"/>
               <a:t> = {</a:t>
             </a:r>
             <a:r>
-              <a:rPr lang="" altLang="en-US">
+              <a:rPr lang="en-US" altLang="en-US">
                 <a:solidFill>
                   <a:schemeClr val="accent1">
                     <a:lumMod val="60000"/>
@@ -13541,11 +14108,11 @@
               <a:t>true</a:t>
             </a:r>
             <a:r>
-              <a:rPr lang="" altLang="en-US"/>
+              <a:rPr lang="en-US" altLang="en-US"/>
               <a:t>, </a:t>
             </a:r>
             <a:r>
-              <a:rPr lang="" altLang="en-US">
+              <a:rPr lang="en-US" altLang="en-US">
                 <a:solidFill>
                   <a:srgbClr val="FFFF00"/>
                 </a:solidFill>
@@ -13553,11 +14120,11 @@
               <a:t>false</a:t>
             </a:r>
             <a:r>
-              <a:rPr lang="" altLang="en-US"/>
+              <a:rPr lang="en-US" altLang="en-US"/>
               <a:t>, </a:t>
             </a:r>
             <a:r>
-              <a:rPr lang="" altLang="en-US">
+              <a:rPr lang="en-US" altLang="en-US">
                 <a:solidFill>
                   <a:srgbClr val="FF0000"/>
                 </a:solidFill>
@@ -13565,11 +14132,11 @@
               <a:t>false</a:t>
             </a:r>
             <a:r>
-              <a:rPr lang="" altLang="en-US"/>
+              <a:rPr lang="en-US" altLang="en-US"/>
               <a:t>, </a:t>
             </a:r>
             <a:r>
-              <a:rPr lang="" altLang="en-US">
+              <a:rPr lang="en-US" altLang="en-US">
                 <a:solidFill>
                   <a:srgbClr val="00B050"/>
                 </a:solidFill>
@@ -13577,36 +14144,36 @@
               <a:t>false</a:t>
             </a:r>
             <a:r>
-              <a:rPr lang="" altLang="en-US"/>
+              <a:rPr lang="en-US" altLang="en-US"/>
               <a:t>}</a:t>
             </a:r>
-            <a:endParaRPr lang="" altLang="en-US"/>
+            <a:endParaRPr lang="en-US" altLang="en-US"/>
           </a:p>
           <a:p>
             <a:pPr marL="114300" indent="0">
               <a:buNone/>
             </a:pPr>
-            <a:endParaRPr lang="" altLang="en-US"/>
+            <a:endParaRPr lang="en-US" altLang="en-US"/>
           </a:p>
           <a:p>
             <a:pPr marL="114300" indent="0">
               <a:buNone/>
             </a:pPr>
-            <a:endParaRPr lang="" altLang="en-US"/>
+            <a:endParaRPr lang="en-US" altLang="en-US"/>
           </a:p>
           <a:p>
             <a:pPr marL="114300" indent="0" algn="ctr">
               <a:buNone/>
             </a:pPr>
             <a:r>
-              <a:rPr lang="" altLang="en-US">
+              <a:rPr lang="en-US" altLang="en-US">
                 <a:solidFill>
                   <a:schemeClr val="tx1"/>
                 </a:solidFill>
               </a:rPr>
               <a:t>(true V false V false) /\ (false V true V false) /\ (false V true V true)</a:t>
             </a:r>
-            <a:endParaRPr lang="" altLang="en-US">
+            <a:endParaRPr lang="en-US" altLang="en-US">
               <a:solidFill>
                 <a:schemeClr val="tx1"/>
               </a:solidFill>
@@ -13617,14 +14184,14 @@
               <a:buNone/>
             </a:pPr>
             <a:r>
-              <a:rPr lang="" altLang="en-US">
+              <a:rPr lang="en-US" altLang="en-US">
                 <a:solidFill>
                   <a:schemeClr val="tx1"/>
                 </a:solidFill>
               </a:rPr>
               <a:t>(true /\ true /\ true)</a:t>
             </a:r>
-            <a:endParaRPr lang="" altLang="en-US">
+            <a:endParaRPr lang="en-US" altLang="en-US">
               <a:solidFill>
                 <a:schemeClr val="tx1"/>
               </a:solidFill>
@@ -13635,14 +14202,14 @@
               <a:buNone/>
             </a:pPr>
             <a:r>
-              <a:rPr lang="" altLang="en-US">
+              <a:rPr lang="en-US" altLang="en-US">
                 <a:solidFill>
                   <a:schemeClr val="tx1"/>
                 </a:solidFill>
               </a:rPr>
               <a:t>true</a:t>
             </a:r>
-            <a:endParaRPr lang="" altLang="en-US">
+            <a:endParaRPr lang="en-US" altLang="en-US">
               <a:solidFill>
                 <a:schemeClr val="tx1"/>
               </a:solidFill>
